--- a/Probabilistic Modelling and Autoencoders.pptx
+++ b/Probabilistic Modelling and Autoencoders.pptx
@@ -13,6 +13,9 @@
     <p:sldId id="260" r:id="rId7"/>
     <p:sldId id="261" r:id="rId8"/>
     <p:sldId id="264" r:id="rId9"/>
+    <p:sldId id="267" r:id="rId10"/>
+    <p:sldId id="265" r:id="rId11"/>
+    <p:sldId id="268" r:id="rId12"/>
   </p:sldIdLst>
   <p:sldSz cx="12192000" cy="6858000"/>
   <p:notesSz cx="6858000" cy="9144000"/>
@@ -111,6 +114,11 @@
       </a:defRPr>
     </a:lvl9pPr>
   </p:defaultTextStyle>
+  <p:extLst>
+    <p:ext uri="{EFAFB233-063F-42B5-8137-9DF3F51BA10A}">
+      <p15:sldGuideLst xmlns:p15="http://schemas.microsoft.com/office/powerpoint/2012/main"/>
+    </p:ext>
+  </p:extLst>
 </p:presentation>
 </file>
 
@@ -263,7 +271,7 @@
           <a:p>
             <a:fld id="{61D809CE-5A8C-41DF-B9A0-97C4FEB8CEC4}" type="datetimeFigureOut">
               <a:rPr lang="en-IN" smtClean="0"/>
-              <a:t>15-03-2021</a:t>
+              <a:t>29-03-2021</a:t>
             </a:fld>
             <a:endParaRPr lang="en-IN"/>
           </a:p>
@@ -463,7 +471,7 @@
           <a:p>
             <a:fld id="{61D809CE-5A8C-41DF-B9A0-97C4FEB8CEC4}" type="datetimeFigureOut">
               <a:rPr lang="en-IN" smtClean="0"/>
-              <a:t>15-03-2021</a:t>
+              <a:t>29-03-2021</a:t>
             </a:fld>
             <a:endParaRPr lang="en-IN"/>
           </a:p>
@@ -673,7 +681,7 @@
           <a:p>
             <a:fld id="{61D809CE-5A8C-41DF-B9A0-97C4FEB8CEC4}" type="datetimeFigureOut">
               <a:rPr lang="en-IN" smtClean="0"/>
-              <a:t>15-03-2021</a:t>
+              <a:t>29-03-2021</a:t>
             </a:fld>
             <a:endParaRPr lang="en-IN"/>
           </a:p>
@@ -873,7 +881,7 @@
           <a:p>
             <a:fld id="{61D809CE-5A8C-41DF-B9A0-97C4FEB8CEC4}" type="datetimeFigureOut">
               <a:rPr lang="en-IN" smtClean="0"/>
-              <a:t>15-03-2021</a:t>
+              <a:t>29-03-2021</a:t>
             </a:fld>
             <a:endParaRPr lang="en-IN"/>
           </a:p>
@@ -1149,7 +1157,7 @@
           <a:p>
             <a:fld id="{61D809CE-5A8C-41DF-B9A0-97C4FEB8CEC4}" type="datetimeFigureOut">
               <a:rPr lang="en-IN" smtClean="0"/>
-              <a:t>15-03-2021</a:t>
+              <a:t>29-03-2021</a:t>
             </a:fld>
             <a:endParaRPr lang="en-IN"/>
           </a:p>
@@ -1417,7 +1425,7 @@
           <a:p>
             <a:fld id="{61D809CE-5A8C-41DF-B9A0-97C4FEB8CEC4}" type="datetimeFigureOut">
               <a:rPr lang="en-IN" smtClean="0"/>
-              <a:t>15-03-2021</a:t>
+              <a:t>29-03-2021</a:t>
             </a:fld>
             <a:endParaRPr lang="en-IN"/>
           </a:p>
@@ -1832,7 +1840,7 @@
           <a:p>
             <a:fld id="{61D809CE-5A8C-41DF-B9A0-97C4FEB8CEC4}" type="datetimeFigureOut">
               <a:rPr lang="en-IN" smtClean="0"/>
-              <a:t>15-03-2021</a:t>
+              <a:t>29-03-2021</a:t>
             </a:fld>
             <a:endParaRPr lang="en-IN"/>
           </a:p>
@@ -1974,7 +1982,7 @@
           <a:p>
             <a:fld id="{61D809CE-5A8C-41DF-B9A0-97C4FEB8CEC4}" type="datetimeFigureOut">
               <a:rPr lang="en-IN" smtClean="0"/>
-              <a:t>15-03-2021</a:t>
+              <a:t>29-03-2021</a:t>
             </a:fld>
             <a:endParaRPr lang="en-IN"/>
           </a:p>
@@ -2087,7 +2095,7 @@
           <a:p>
             <a:fld id="{61D809CE-5A8C-41DF-B9A0-97C4FEB8CEC4}" type="datetimeFigureOut">
               <a:rPr lang="en-IN" smtClean="0"/>
-              <a:t>15-03-2021</a:t>
+              <a:t>29-03-2021</a:t>
             </a:fld>
             <a:endParaRPr lang="en-IN"/>
           </a:p>
@@ -2400,7 +2408,7 @@
           <a:p>
             <a:fld id="{61D809CE-5A8C-41DF-B9A0-97C4FEB8CEC4}" type="datetimeFigureOut">
               <a:rPr lang="en-IN" smtClean="0"/>
-              <a:t>15-03-2021</a:t>
+              <a:t>29-03-2021</a:t>
             </a:fld>
             <a:endParaRPr lang="en-IN"/>
           </a:p>
@@ -2689,7 +2697,7 @@
           <a:p>
             <a:fld id="{61D809CE-5A8C-41DF-B9A0-97C4FEB8CEC4}" type="datetimeFigureOut">
               <a:rPr lang="en-IN" smtClean="0"/>
-              <a:t>15-03-2021</a:t>
+              <a:t>29-03-2021</a:t>
             </a:fld>
             <a:endParaRPr lang="en-IN"/>
           </a:p>
@@ -2932,7 +2940,7 @@
           <a:p>
             <a:fld id="{61D809CE-5A8C-41DF-B9A0-97C4FEB8CEC4}" type="datetimeFigureOut">
               <a:rPr lang="en-IN" smtClean="0"/>
-              <a:t>15-03-2021</a:t>
+              <a:t>29-03-2021</a:t>
             </a:fld>
             <a:endParaRPr lang="en-IN"/>
           </a:p>
@@ -3402,6 +3410,6900 @@
 </p:sld>
 </file>
 
+<file path=ppt/slides/slide10.xml><?xml version="1.0" encoding="utf-8"?>
+<p:sld xmlns:a="http://schemas.openxmlformats.org/drawingml/2006/main" xmlns:r="http://schemas.openxmlformats.org/officeDocument/2006/relationships" xmlns:p="http://schemas.openxmlformats.org/presentationml/2006/main">
+  <p:cSld>
+    <p:spTree>
+      <p:nvGrpSpPr>
+        <p:cNvPr id="1" name=""/>
+        <p:cNvGrpSpPr/>
+        <p:nvPr/>
+      </p:nvGrpSpPr>
+      <p:grpSpPr>
+        <a:xfrm>
+          <a:off x="0" y="0"/>
+          <a:ext cx="0" cy="0"/>
+          <a:chOff x="0" y="0"/>
+          <a:chExt cx="0" cy="0"/>
+        </a:xfrm>
+      </p:grpSpPr>
+      <p:sp>
+        <p:nvSpPr>
+          <p:cNvPr id="2" name="Title 1">
+            <a:extLst>
+              <a:ext uri="{FF2B5EF4-FFF2-40B4-BE49-F238E27FC236}">
+                <a16:creationId xmlns:a16="http://schemas.microsoft.com/office/drawing/2014/main" id="{A7BD7BF3-CB6F-4123-BC03-2688976197BB}"/>
+              </a:ext>
+            </a:extLst>
+          </p:cNvPr>
+          <p:cNvSpPr>
+            <a:spLocks noGrp="1"/>
+          </p:cNvSpPr>
+          <p:nvPr>
+            <p:ph type="title"/>
+          </p:nvPr>
+        </p:nvSpPr>
+        <p:spPr>
+          <a:xfrm>
+            <a:off x="258404" y="366422"/>
+            <a:ext cx="10515600" cy="615535"/>
+          </a:xfrm>
+        </p:spPr>
+        <p:txBody>
+          <a:bodyPr>
+            <a:normAutofit fontScale="90000"/>
+          </a:bodyPr>
+          <a:lstStyle/>
+          <a:p>
+            <a:r>
+              <a:rPr lang="en-US" dirty="0">
+                <a:latin typeface="Times New Roman" panose="02020603050405020304" pitchFamily="18" charset="0"/>
+                <a:cs typeface="Times New Roman" panose="02020603050405020304" pitchFamily="18" charset="0"/>
+              </a:rPr>
+              <a:t>Multimodal Generative Models:</a:t>
+            </a:r>
+            <a:endParaRPr lang="en-IN" dirty="0">
+              <a:latin typeface="Times New Roman" panose="02020603050405020304" pitchFamily="18" charset="0"/>
+              <a:cs typeface="Times New Roman" panose="02020603050405020304" pitchFamily="18" charset="0"/>
+            </a:endParaRPr>
+          </a:p>
+        </p:txBody>
+      </p:sp>
+      <p:sp>
+        <p:nvSpPr>
+          <p:cNvPr id="4" name="Trapezoid 3">
+            <a:extLst>
+              <a:ext uri="{FF2B5EF4-FFF2-40B4-BE49-F238E27FC236}">
+                <a16:creationId xmlns:a16="http://schemas.microsoft.com/office/drawing/2014/main" id="{3FA357CC-32F9-4A9F-B629-5EFAA50B7072}"/>
+              </a:ext>
+            </a:extLst>
+          </p:cNvPr>
+          <p:cNvSpPr/>
+          <p:nvPr/>
+        </p:nvSpPr>
+        <p:spPr>
+          <a:xfrm rot="5400000">
+            <a:off x="2232991" y="1775793"/>
+            <a:ext cx="1205948" cy="569843"/>
+          </a:xfrm>
+          <a:prstGeom prst="trapezoid">
+            <a:avLst/>
+          </a:prstGeom>
+          <a:solidFill>
+            <a:schemeClr val="accent1">
+              <a:lumMod val="40000"/>
+              <a:lumOff val="60000"/>
+            </a:schemeClr>
+          </a:solidFill>
+          <a:ln>
+            <a:noFill/>
+          </a:ln>
+        </p:spPr>
+        <p:style>
+          <a:lnRef idx="2">
+            <a:schemeClr val="accent1">
+              <a:shade val="50000"/>
+            </a:schemeClr>
+          </a:lnRef>
+          <a:fillRef idx="1">
+            <a:schemeClr val="accent1"/>
+          </a:fillRef>
+          <a:effectRef idx="0">
+            <a:schemeClr val="accent1"/>
+          </a:effectRef>
+          <a:fontRef idx="minor">
+            <a:schemeClr val="lt1"/>
+          </a:fontRef>
+        </p:style>
+        <p:txBody>
+          <a:bodyPr rtlCol="0" anchor="ctr"/>
+          <a:lstStyle/>
+          <a:p>
+            <a:pPr algn="ctr"/>
+            <a:endParaRPr lang="en-IN"/>
+          </a:p>
+        </p:txBody>
+      </p:sp>
+      <p:sp>
+        <p:nvSpPr>
+          <p:cNvPr id="5" name="Trapezoid 4">
+            <a:extLst>
+              <a:ext uri="{FF2B5EF4-FFF2-40B4-BE49-F238E27FC236}">
+                <a16:creationId xmlns:a16="http://schemas.microsoft.com/office/drawing/2014/main" id="{C5A36A67-39ED-4A5F-85BC-CE69583F1A31}"/>
+              </a:ext>
+            </a:extLst>
+          </p:cNvPr>
+          <p:cNvSpPr/>
+          <p:nvPr/>
+        </p:nvSpPr>
+        <p:spPr>
+          <a:xfrm rot="5400000">
+            <a:off x="2232991" y="3067884"/>
+            <a:ext cx="1205948" cy="569843"/>
+          </a:xfrm>
+          <a:prstGeom prst="trapezoid">
+            <a:avLst/>
+          </a:prstGeom>
+          <a:solidFill>
+            <a:schemeClr val="accent1">
+              <a:lumMod val="40000"/>
+              <a:lumOff val="60000"/>
+            </a:schemeClr>
+          </a:solidFill>
+          <a:ln>
+            <a:noFill/>
+          </a:ln>
+        </p:spPr>
+        <p:style>
+          <a:lnRef idx="2">
+            <a:schemeClr val="accent1">
+              <a:shade val="50000"/>
+            </a:schemeClr>
+          </a:lnRef>
+          <a:fillRef idx="1">
+            <a:schemeClr val="accent1"/>
+          </a:fillRef>
+          <a:effectRef idx="0">
+            <a:schemeClr val="accent1"/>
+          </a:effectRef>
+          <a:fontRef idx="minor">
+            <a:schemeClr val="lt1"/>
+          </a:fontRef>
+        </p:style>
+        <p:txBody>
+          <a:bodyPr rtlCol="0" anchor="ctr"/>
+          <a:lstStyle/>
+          <a:p>
+            <a:pPr algn="ctr"/>
+            <a:endParaRPr lang="en-IN"/>
+          </a:p>
+        </p:txBody>
+      </p:sp>
+      <p:sp>
+        <p:nvSpPr>
+          <p:cNvPr id="6" name="Trapezoid 5">
+            <a:extLst>
+              <a:ext uri="{FF2B5EF4-FFF2-40B4-BE49-F238E27FC236}">
+                <a16:creationId xmlns:a16="http://schemas.microsoft.com/office/drawing/2014/main" id="{BDA5E0D9-9BCD-49E1-BEC6-2F5E57E3B304}"/>
+              </a:ext>
+            </a:extLst>
+          </p:cNvPr>
+          <p:cNvSpPr/>
+          <p:nvPr/>
+        </p:nvSpPr>
+        <p:spPr>
+          <a:xfrm rot="5400000">
+            <a:off x="2232991" y="5287619"/>
+            <a:ext cx="1205948" cy="569843"/>
+          </a:xfrm>
+          <a:prstGeom prst="trapezoid">
+            <a:avLst/>
+          </a:prstGeom>
+          <a:solidFill>
+            <a:schemeClr val="accent1">
+              <a:lumMod val="40000"/>
+              <a:lumOff val="60000"/>
+            </a:schemeClr>
+          </a:solidFill>
+          <a:ln>
+            <a:noFill/>
+          </a:ln>
+        </p:spPr>
+        <p:style>
+          <a:lnRef idx="2">
+            <a:schemeClr val="accent1">
+              <a:shade val="50000"/>
+            </a:schemeClr>
+          </a:lnRef>
+          <a:fillRef idx="1">
+            <a:schemeClr val="accent1"/>
+          </a:fillRef>
+          <a:effectRef idx="0">
+            <a:schemeClr val="accent1"/>
+          </a:effectRef>
+          <a:fontRef idx="minor">
+            <a:schemeClr val="lt1"/>
+          </a:fontRef>
+        </p:style>
+        <p:txBody>
+          <a:bodyPr rtlCol="0" anchor="ctr"/>
+          <a:lstStyle/>
+          <a:p>
+            <a:pPr algn="ctr"/>
+            <a:endParaRPr lang="en-IN"/>
+          </a:p>
+        </p:txBody>
+      </p:sp>
+      <p:cxnSp>
+        <p:nvCxnSpPr>
+          <p:cNvPr id="10" name="Straight Connector 9">
+            <a:extLst>
+              <a:ext uri="{FF2B5EF4-FFF2-40B4-BE49-F238E27FC236}">
+                <a16:creationId xmlns:a16="http://schemas.microsoft.com/office/drawing/2014/main" id="{3B8420BD-67E3-485D-BA9B-C758169D76DC}"/>
+              </a:ext>
+            </a:extLst>
+          </p:cNvPr>
+          <p:cNvCxnSpPr>
+            <a:stCxn id="4" idx="2"/>
+          </p:cNvCxnSpPr>
+          <p:nvPr/>
+        </p:nvCxnSpPr>
+        <p:spPr>
+          <a:xfrm flipH="1" flipV="1">
+            <a:off x="1842052" y="2060714"/>
+            <a:ext cx="708992" cy="1"/>
+          </a:xfrm>
+          <a:prstGeom prst="line">
+            <a:avLst/>
+          </a:prstGeom>
+        </p:spPr>
+        <p:style>
+          <a:lnRef idx="1">
+            <a:schemeClr val="accent2"/>
+          </a:lnRef>
+          <a:fillRef idx="0">
+            <a:schemeClr val="accent2"/>
+          </a:fillRef>
+          <a:effectRef idx="0">
+            <a:schemeClr val="accent2"/>
+          </a:effectRef>
+          <a:fontRef idx="minor">
+            <a:schemeClr val="tx1"/>
+          </a:fontRef>
+        </p:style>
+      </p:cxnSp>
+      <p:cxnSp>
+        <p:nvCxnSpPr>
+          <p:cNvPr id="11" name="Straight Connector 10">
+            <a:extLst>
+              <a:ext uri="{FF2B5EF4-FFF2-40B4-BE49-F238E27FC236}">
+                <a16:creationId xmlns:a16="http://schemas.microsoft.com/office/drawing/2014/main" id="{23C5B978-5973-4C2E-AEF3-F2391606AD5A}"/>
+              </a:ext>
+            </a:extLst>
+          </p:cNvPr>
+          <p:cNvCxnSpPr>
+            <a:cxnSpLocks/>
+          </p:cNvCxnSpPr>
+          <p:nvPr/>
+        </p:nvCxnSpPr>
+        <p:spPr>
+          <a:xfrm flipH="1" flipV="1">
+            <a:off x="1842051" y="5572540"/>
+            <a:ext cx="708992" cy="1"/>
+          </a:xfrm>
+          <a:prstGeom prst="line">
+            <a:avLst/>
+          </a:prstGeom>
+        </p:spPr>
+        <p:style>
+          <a:lnRef idx="1">
+            <a:schemeClr val="accent2"/>
+          </a:lnRef>
+          <a:fillRef idx="0">
+            <a:schemeClr val="accent2"/>
+          </a:fillRef>
+          <a:effectRef idx="0">
+            <a:schemeClr val="accent2"/>
+          </a:effectRef>
+          <a:fontRef idx="minor">
+            <a:schemeClr val="tx1"/>
+          </a:fontRef>
+        </p:style>
+      </p:cxnSp>
+      <p:cxnSp>
+        <p:nvCxnSpPr>
+          <p:cNvPr id="12" name="Straight Connector 11">
+            <a:extLst>
+              <a:ext uri="{FF2B5EF4-FFF2-40B4-BE49-F238E27FC236}">
+                <a16:creationId xmlns:a16="http://schemas.microsoft.com/office/drawing/2014/main" id="{E85D7D43-776C-4B6F-B514-21FB40E9EE16}"/>
+              </a:ext>
+            </a:extLst>
+          </p:cNvPr>
+          <p:cNvCxnSpPr>
+            <a:cxnSpLocks/>
+          </p:cNvCxnSpPr>
+          <p:nvPr/>
+        </p:nvCxnSpPr>
+        <p:spPr>
+          <a:xfrm flipH="1" flipV="1">
+            <a:off x="1842051" y="3352805"/>
+            <a:ext cx="708992" cy="1"/>
+          </a:xfrm>
+          <a:prstGeom prst="line">
+            <a:avLst/>
+          </a:prstGeom>
+        </p:spPr>
+        <p:style>
+          <a:lnRef idx="1">
+            <a:schemeClr val="accent2"/>
+          </a:lnRef>
+          <a:fillRef idx="0">
+            <a:schemeClr val="accent2"/>
+          </a:fillRef>
+          <a:effectRef idx="0">
+            <a:schemeClr val="accent2"/>
+          </a:effectRef>
+          <a:fontRef idx="minor">
+            <a:schemeClr val="tx1"/>
+          </a:fontRef>
+        </p:style>
+      </p:cxnSp>
+      <p:sp>
+        <p:nvSpPr>
+          <p:cNvPr id="18" name="Rectangle 17">
+            <a:extLst>
+              <a:ext uri="{FF2B5EF4-FFF2-40B4-BE49-F238E27FC236}">
+                <a16:creationId xmlns:a16="http://schemas.microsoft.com/office/drawing/2014/main" id="{4170FAD2-6A49-4CA2-B601-E0A025C49D14}"/>
+              </a:ext>
+            </a:extLst>
+          </p:cNvPr>
+          <p:cNvSpPr/>
+          <p:nvPr/>
+        </p:nvSpPr>
+        <p:spPr>
+          <a:xfrm>
+            <a:off x="3200399" y="1603511"/>
+            <a:ext cx="139148" cy="901146"/>
+          </a:xfrm>
+          <a:prstGeom prst="rect">
+            <a:avLst/>
+          </a:prstGeom>
+          <a:solidFill>
+            <a:schemeClr val="accent6">
+              <a:lumMod val="40000"/>
+              <a:lumOff val="60000"/>
+            </a:schemeClr>
+          </a:solidFill>
+          <a:ln>
+            <a:noFill/>
+          </a:ln>
+        </p:spPr>
+        <p:style>
+          <a:lnRef idx="2">
+            <a:schemeClr val="accent1">
+              <a:shade val="50000"/>
+            </a:schemeClr>
+          </a:lnRef>
+          <a:fillRef idx="1">
+            <a:schemeClr val="accent1"/>
+          </a:fillRef>
+          <a:effectRef idx="0">
+            <a:schemeClr val="accent1"/>
+          </a:effectRef>
+          <a:fontRef idx="minor">
+            <a:schemeClr val="lt1"/>
+          </a:fontRef>
+        </p:style>
+        <p:txBody>
+          <a:bodyPr rtlCol="0" anchor="ctr"/>
+          <a:lstStyle/>
+          <a:p>
+            <a:pPr algn="ctr"/>
+            <a:endParaRPr lang="en-IN"/>
+          </a:p>
+        </p:txBody>
+      </p:sp>
+      <p:sp>
+        <p:nvSpPr>
+          <p:cNvPr id="19" name="Rectangle 18">
+            <a:extLst>
+              <a:ext uri="{FF2B5EF4-FFF2-40B4-BE49-F238E27FC236}">
+                <a16:creationId xmlns:a16="http://schemas.microsoft.com/office/drawing/2014/main" id="{E3CC466A-A3D9-465E-ABA6-E9883DCD25A6}"/>
+              </a:ext>
+            </a:extLst>
+          </p:cNvPr>
+          <p:cNvSpPr/>
+          <p:nvPr/>
+        </p:nvSpPr>
+        <p:spPr>
+          <a:xfrm>
+            <a:off x="3200399" y="5121967"/>
+            <a:ext cx="139148" cy="901146"/>
+          </a:xfrm>
+          <a:prstGeom prst="rect">
+            <a:avLst/>
+          </a:prstGeom>
+          <a:solidFill>
+            <a:schemeClr val="accent6">
+              <a:lumMod val="40000"/>
+              <a:lumOff val="60000"/>
+            </a:schemeClr>
+          </a:solidFill>
+          <a:ln>
+            <a:noFill/>
+          </a:ln>
+        </p:spPr>
+        <p:style>
+          <a:lnRef idx="2">
+            <a:schemeClr val="accent1">
+              <a:shade val="50000"/>
+            </a:schemeClr>
+          </a:lnRef>
+          <a:fillRef idx="1">
+            <a:schemeClr val="accent1"/>
+          </a:fillRef>
+          <a:effectRef idx="0">
+            <a:schemeClr val="accent1"/>
+          </a:effectRef>
+          <a:fontRef idx="minor">
+            <a:schemeClr val="lt1"/>
+          </a:fontRef>
+        </p:style>
+        <p:txBody>
+          <a:bodyPr rtlCol="0" anchor="ctr"/>
+          <a:lstStyle/>
+          <a:p>
+            <a:pPr algn="ctr"/>
+            <a:endParaRPr lang="en-IN"/>
+          </a:p>
+        </p:txBody>
+      </p:sp>
+      <p:sp>
+        <p:nvSpPr>
+          <p:cNvPr id="20" name="Rectangle 19">
+            <a:extLst>
+              <a:ext uri="{FF2B5EF4-FFF2-40B4-BE49-F238E27FC236}">
+                <a16:creationId xmlns:a16="http://schemas.microsoft.com/office/drawing/2014/main" id="{8D6160B9-E7D5-470B-B5A7-D788F1AD4EE7}"/>
+              </a:ext>
+            </a:extLst>
+          </p:cNvPr>
+          <p:cNvSpPr/>
+          <p:nvPr/>
+        </p:nvSpPr>
+        <p:spPr>
+          <a:xfrm>
+            <a:off x="3200399" y="2902232"/>
+            <a:ext cx="139148" cy="901146"/>
+          </a:xfrm>
+          <a:prstGeom prst="rect">
+            <a:avLst/>
+          </a:prstGeom>
+          <a:solidFill>
+            <a:schemeClr val="accent6">
+              <a:lumMod val="40000"/>
+              <a:lumOff val="60000"/>
+            </a:schemeClr>
+          </a:solidFill>
+          <a:ln>
+            <a:noFill/>
+          </a:ln>
+        </p:spPr>
+        <p:style>
+          <a:lnRef idx="2">
+            <a:schemeClr val="accent1">
+              <a:shade val="50000"/>
+            </a:schemeClr>
+          </a:lnRef>
+          <a:fillRef idx="1">
+            <a:schemeClr val="accent1"/>
+          </a:fillRef>
+          <a:effectRef idx="0">
+            <a:schemeClr val="accent1"/>
+          </a:effectRef>
+          <a:fontRef idx="minor">
+            <a:schemeClr val="lt1"/>
+          </a:fontRef>
+        </p:style>
+        <p:txBody>
+          <a:bodyPr rtlCol="0" anchor="ctr"/>
+          <a:lstStyle/>
+          <a:p>
+            <a:pPr algn="ctr"/>
+            <a:endParaRPr lang="en-IN"/>
+          </a:p>
+        </p:txBody>
+      </p:sp>
+      <p:sp>
+        <p:nvSpPr>
+          <p:cNvPr id="21" name="TextBox 20">
+            <a:extLst>
+              <a:ext uri="{FF2B5EF4-FFF2-40B4-BE49-F238E27FC236}">
+                <a16:creationId xmlns:a16="http://schemas.microsoft.com/office/drawing/2014/main" id="{B3470476-97FA-4697-80FE-2DAAA64C5A42}"/>
+              </a:ext>
+            </a:extLst>
+          </p:cNvPr>
+          <p:cNvSpPr txBox="1"/>
+          <p:nvPr/>
+        </p:nvSpPr>
+        <p:spPr>
+          <a:xfrm>
+            <a:off x="1723795" y="1682880"/>
+            <a:ext cx="490331" cy="369332"/>
+          </a:xfrm>
+          <a:prstGeom prst="rect">
+            <a:avLst/>
+          </a:prstGeom>
+          <a:noFill/>
+        </p:spPr>
+        <p:txBody>
+          <a:bodyPr wrap="square" rtlCol="0">
+            <a:spAutoFit/>
+          </a:bodyPr>
+          <a:lstStyle/>
+          <a:p>
+            <a:r>
+              <a:rPr lang="en-US" dirty="0">
+                <a:latin typeface="Times New Roman" panose="02020603050405020304" pitchFamily="18" charset="0"/>
+                <a:cs typeface="Times New Roman" panose="02020603050405020304" pitchFamily="18" charset="0"/>
+              </a:rPr>
+              <a:t>x1</a:t>
+            </a:r>
+            <a:endParaRPr lang="en-IN" dirty="0">
+              <a:latin typeface="Times New Roman" panose="02020603050405020304" pitchFamily="18" charset="0"/>
+              <a:cs typeface="Times New Roman" panose="02020603050405020304" pitchFamily="18" charset="0"/>
+            </a:endParaRPr>
+          </a:p>
+        </p:txBody>
+      </p:sp>
+      <p:sp>
+        <p:nvSpPr>
+          <p:cNvPr id="22" name="TextBox 21">
+            <a:extLst>
+              <a:ext uri="{FF2B5EF4-FFF2-40B4-BE49-F238E27FC236}">
+                <a16:creationId xmlns:a16="http://schemas.microsoft.com/office/drawing/2014/main" id="{27001549-200C-48DD-BBCB-9D8564C355C0}"/>
+              </a:ext>
+            </a:extLst>
+          </p:cNvPr>
+          <p:cNvSpPr txBox="1"/>
+          <p:nvPr/>
+        </p:nvSpPr>
+        <p:spPr>
+          <a:xfrm>
+            <a:off x="1659678" y="5159563"/>
+            <a:ext cx="543341" cy="369332"/>
+          </a:xfrm>
+          <a:prstGeom prst="rect">
+            <a:avLst/>
+          </a:prstGeom>
+          <a:noFill/>
+        </p:spPr>
+        <p:txBody>
+          <a:bodyPr wrap="square" rtlCol="0">
+            <a:spAutoFit/>
+          </a:bodyPr>
+          <a:lstStyle/>
+          <a:p>
+            <a:r>
+              <a:rPr lang="en-US" dirty="0">
+                <a:latin typeface="Times New Roman" panose="02020603050405020304" pitchFamily="18" charset="0"/>
+                <a:cs typeface="Times New Roman" panose="02020603050405020304" pitchFamily="18" charset="0"/>
+              </a:rPr>
+              <a:t>xM</a:t>
+            </a:r>
+            <a:endParaRPr lang="en-IN" dirty="0">
+              <a:latin typeface="Times New Roman" panose="02020603050405020304" pitchFamily="18" charset="0"/>
+              <a:cs typeface="Times New Roman" panose="02020603050405020304" pitchFamily="18" charset="0"/>
+            </a:endParaRPr>
+          </a:p>
+        </p:txBody>
+      </p:sp>
+      <p:sp>
+        <p:nvSpPr>
+          <p:cNvPr id="23" name="TextBox 22">
+            <a:extLst>
+              <a:ext uri="{FF2B5EF4-FFF2-40B4-BE49-F238E27FC236}">
+                <a16:creationId xmlns:a16="http://schemas.microsoft.com/office/drawing/2014/main" id="{1CAB88B4-0C55-45ED-886C-39B9E2581F49}"/>
+              </a:ext>
+            </a:extLst>
+          </p:cNvPr>
+          <p:cNvSpPr txBox="1"/>
+          <p:nvPr/>
+        </p:nvSpPr>
+        <p:spPr>
+          <a:xfrm>
+            <a:off x="1708372" y="2946303"/>
+            <a:ext cx="490331" cy="369332"/>
+          </a:xfrm>
+          <a:prstGeom prst="rect">
+            <a:avLst/>
+          </a:prstGeom>
+          <a:noFill/>
+        </p:spPr>
+        <p:txBody>
+          <a:bodyPr wrap="square" rtlCol="0">
+            <a:spAutoFit/>
+          </a:bodyPr>
+          <a:lstStyle/>
+          <a:p>
+            <a:r>
+              <a:rPr lang="en-US" dirty="0">
+                <a:latin typeface="Times New Roman" panose="02020603050405020304" pitchFamily="18" charset="0"/>
+                <a:cs typeface="Times New Roman" panose="02020603050405020304" pitchFamily="18" charset="0"/>
+              </a:rPr>
+              <a:t>x2</a:t>
+            </a:r>
+            <a:endParaRPr lang="en-IN" dirty="0">
+              <a:latin typeface="Times New Roman" panose="02020603050405020304" pitchFamily="18" charset="0"/>
+              <a:cs typeface="Times New Roman" panose="02020603050405020304" pitchFamily="18" charset="0"/>
+            </a:endParaRPr>
+          </a:p>
+        </p:txBody>
+      </p:sp>
+      <p:sp>
+        <p:nvSpPr>
+          <p:cNvPr id="24" name="Rectangle 23">
+            <a:extLst>
+              <a:ext uri="{FF2B5EF4-FFF2-40B4-BE49-F238E27FC236}">
+                <a16:creationId xmlns:a16="http://schemas.microsoft.com/office/drawing/2014/main" id="{020926B5-9729-4C71-AD30-48427207D78B}"/>
+              </a:ext>
+            </a:extLst>
+          </p:cNvPr>
+          <p:cNvSpPr/>
+          <p:nvPr/>
+        </p:nvSpPr>
+        <p:spPr>
+          <a:xfrm>
+            <a:off x="4041913" y="1661487"/>
+            <a:ext cx="318052" cy="311429"/>
+          </a:xfrm>
+          <a:prstGeom prst="rect">
+            <a:avLst/>
+          </a:prstGeom>
+          <a:solidFill>
+            <a:schemeClr val="accent3">
+              <a:lumMod val="40000"/>
+              <a:lumOff val="60000"/>
+            </a:schemeClr>
+          </a:solidFill>
+          <a:ln>
+            <a:noFill/>
+          </a:ln>
+        </p:spPr>
+        <p:style>
+          <a:lnRef idx="2">
+            <a:schemeClr val="accent1">
+              <a:shade val="50000"/>
+            </a:schemeClr>
+          </a:lnRef>
+          <a:fillRef idx="1">
+            <a:schemeClr val="accent1"/>
+          </a:fillRef>
+          <a:effectRef idx="0">
+            <a:schemeClr val="accent1"/>
+          </a:effectRef>
+          <a:fontRef idx="minor">
+            <a:schemeClr val="lt1"/>
+          </a:fontRef>
+        </p:style>
+        <p:txBody>
+          <a:bodyPr rtlCol="0" anchor="ctr"/>
+          <a:lstStyle/>
+          <a:p>
+            <a:pPr algn="ctr"/>
+            <a:r>
+              <a:rPr lang="en-US" sz="1000" dirty="0">
+                <a:solidFill>
+                  <a:schemeClr val="tx1"/>
+                </a:solidFill>
+              </a:rPr>
+              <a:t>µ1</a:t>
+            </a:r>
+            <a:endParaRPr lang="en-IN" sz="1000" dirty="0">
+              <a:solidFill>
+                <a:schemeClr val="tx1"/>
+              </a:solidFill>
+            </a:endParaRPr>
+          </a:p>
+        </p:txBody>
+      </p:sp>
+      <p:sp>
+        <p:nvSpPr>
+          <p:cNvPr id="25" name="Rectangle 24">
+            <a:extLst>
+              <a:ext uri="{FF2B5EF4-FFF2-40B4-BE49-F238E27FC236}">
+                <a16:creationId xmlns:a16="http://schemas.microsoft.com/office/drawing/2014/main" id="{786C4A58-76C5-4B9C-BB7E-4E155EC2CCA2}"/>
+              </a:ext>
+            </a:extLst>
+          </p:cNvPr>
+          <p:cNvSpPr/>
+          <p:nvPr/>
+        </p:nvSpPr>
+        <p:spPr>
+          <a:xfrm>
+            <a:off x="4041912" y="3410776"/>
+            <a:ext cx="384318" cy="356146"/>
+          </a:xfrm>
+          <a:prstGeom prst="rect">
+            <a:avLst/>
+          </a:prstGeom>
+          <a:solidFill>
+            <a:schemeClr val="accent3">
+              <a:lumMod val="40000"/>
+              <a:lumOff val="60000"/>
+            </a:schemeClr>
+          </a:solidFill>
+          <a:ln>
+            <a:noFill/>
+          </a:ln>
+        </p:spPr>
+        <p:style>
+          <a:lnRef idx="2">
+            <a:schemeClr val="accent1">
+              <a:shade val="50000"/>
+            </a:schemeClr>
+          </a:lnRef>
+          <a:fillRef idx="1">
+            <a:schemeClr val="accent1"/>
+          </a:fillRef>
+          <a:effectRef idx="0">
+            <a:schemeClr val="accent1"/>
+          </a:effectRef>
+          <a:fontRef idx="minor">
+            <a:schemeClr val="lt1"/>
+          </a:fontRef>
+        </p:style>
+        <p:txBody>
+          <a:bodyPr rtlCol="0" anchor="ctr"/>
+          <a:lstStyle/>
+          <a:p>
+            <a:pPr algn="ctr"/>
+            <a:endParaRPr lang="en-US" sz="1100" b="0" dirty="0">
+              <a:solidFill>
+                <a:schemeClr val="tx1"/>
+              </a:solidFill>
+              <a:sym typeface="Symbol" panose="05050102010706020507" pitchFamily="18" charset="2"/>
+            </a:endParaRPr>
+          </a:p>
+          <a:p>
+            <a:pPr algn="ctr"/>
+            <a:r>
+              <a:rPr lang="en-US" sz="1100" b="0" dirty="0">
+                <a:solidFill>
+                  <a:schemeClr val="tx1"/>
+                </a:solidFill>
+                <a:sym typeface="Symbol" panose="05050102010706020507" pitchFamily="18" charset="2"/>
+              </a:rPr>
+              <a:t></a:t>
+            </a:r>
+            <a:r>
+              <a:rPr lang="en-US" sz="1100" dirty="0">
+                <a:solidFill>
+                  <a:schemeClr val="tx1"/>
+                </a:solidFill>
+                <a:sym typeface="Symbol" panose="05050102010706020507" pitchFamily="18" charset="2"/>
+              </a:rPr>
+              <a:t>2</a:t>
+            </a:r>
+            <a:endParaRPr lang="en-US" sz="1100" b="0" dirty="0">
+              <a:solidFill>
+                <a:schemeClr val="tx1"/>
+              </a:solidFill>
+            </a:endParaRPr>
+          </a:p>
+          <a:p>
+            <a:pPr algn="ctr"/>
+            <a:endParaRPr lang="en-IN" sz="1100" dirty="0"/>
+          </a:p>
+        </p:txBody>
+      </p:sp>
+      <p:sp>
+        <p:nvSpPr>
+          <p:cNvPr id="26" name="Rectangle 25">
+            <a:extLst>
+              <a:ext uri="{FF2B5EF4-FFF2-40B4-BE49-F238E27FC236}">
+                <a16:creationId xmlns:a16="http://schemas.microsoft.com/office/drawing/2014/main" id="{1A0A238F-D76D-4760-9EEF-D9521E0DB6C1}"/>
+              </a:ext>
+            </a:extLst>
+          </p:cNvPr>
+          <p:cNvSpPr/>
+          <p:nvPr/>
+        </p:nvSpPr>
+        <p:spPr>
+          <a:xfrm>
+            <a:off x="4041913" y="2965176"/>
+            <a:ext cx="377688" cy="356146"/>
+          </a:xfrm>
+          <a:prstGeom prst="rect">
+            <a:avLst/>
+          </a:prstGeom>
+          <a:solidFill>
+            <a:schemeClr val="accent3">
+              <a:lumMod val="40000"/>
+              <a:lumOff val="60000"/>
+            </a:schemeClr>
+          </a:solidFill>
+          <a:ln>
+            <a:noFill/>
+          </a:ln>
+        </p:spPr>
+        <p:style>
+          <a:lnRef idx="2">
+            <a:schemeClr val="accent1">
+              <a:shade val="50000"/>
+            </a:schemeClr>
+          </a:lnRef>
+          <a:fillRef idx="1">
+            <a:schemeClr val="accent1"/>
+          </a:fillRef>
+          <a:effectRef idx="0">
+            <a:schemeClr val="accent1"/>
+          </a:effectRef>
+          <a:fontRef idx="minor">
+            <a:schemeClr val="lt1"/>
+          </a:fontRef>
+        </p:style>
+        <p:txBody>
+          <a:bodyPr rtlCol="0" anchor="ctr"/>
+          <a:lstStyle/>
+          <a:p>
+            <a:pPr algn="ctr"/>
+            <a:r>
+              <a:rPr lang="en-US" sz="1000" dirty="0">
+                <a:solidFill>
+                  <a:schemeClr val="tx1"/>
+                </a:solidFill>
+              </a:rPr>
+              <a:t>µ2</a:t>
+            </a:r>
+            <a:endParaRPr lang="en-IN" sz="1000" dirty="0">
+              <a:solidFill>
+                <a:schemeClr val="tx1"/>
+              </a:solidFill>
+            </a:endParaRPr>
+          </a:p>
+        </p:txBody>
+      </p:sp>
+      <p:sp>
+        <p:nvSpPr>
+          <p:cNvPr id="27" name="Rectangle 26">
+            <a:extLst>
+              <a:ext uri="{FF2B5EF4-FFF2-40B4-BE49-F238E27FC236}">
+                <a16:creationId xmlns:a16="http://schemas.microsoft.com/office/drawing/2014/main" id="{A42FA392-6293-492F-B4C0-312FA9F65118}"/>
+              </a:ext>
+            </a:extLst>
+          </p:cNvPr>
+          <p:cNvSpPr/>
+          <p:nvPr/>
+        </p:nvSpPr>
+        <p:spPr>
+          <a:xfrm>
+            <a:off x="4061790" y="5658675"/>
+            <a:ext cx="404165" cy="412473"/>
+          </a:xfrm>
+          <a:prstGeom prst="rect">
+            <a:avLst/>
+          </a:prstGeom>
+          <a:solidFill>
+            <a:schemeClr val="accent3">
+              <a:lumMod val="40000"/>
+              <a:lumOff val="60000"/>
+            </a:schemeClr>
+          </a:solidFill>
+          <a:ln>
+            <a:noFill/>
+          </a:ln>
+        </p:spPr>
+        <p:style>
+          <a:lnRef idx="2">
+            <a:schemeClr val="accent1">
+              <a:shade val="50000"/>
+            </a:schemeClr>
+          </a:lnRef>
+          <a:fillRef idx="1">
+            <a:schemeClr val="accent1"/>
+          </a:fillRef>
+          <a:effectRef idx="0">
+            <a:schemeClr val="accent1"/>
+          </a:effectRef>
+          <a:fontRef idx="minor">
+            <a:schemeClr val="lt1"/>
+          </a:fontRef>
+        </p:style>
+        <p:txBody>
+          <a:bodyPr rtlCol="0" anchor="ctr"/>
+          <a:lstStyle/>
+          <a:p>
+            <a:pPr algn="ctr"/>
+            <a:r>
+              <a:rPr lang="en-US" sz="1000" b="0" dirty="0">
+                <a:solidFill>
+                  <a:schemeClr val="tx1"/>
+                </a:solidFill>
+                <a:sym typeface="Symbol" panose="05050102010706020507" pitchFamily="18" charset="2"/>
+              </a:rPr>
+              <a:t>M</a:t>
+            </a:r>
+            <a:endParaRPr lang="en-US" sz="1000" b="0" dirty="0">
+              <a:solidFill>
+                <a:schemeClr val="tx1"/>
+              </a:solidFill>
+            </a:endParaRPr>
+          </a:p>
+        </p:txBody>
+      </p:sp>
+      <p:sp>
+        <p:nvSpPr>
+          <p:cNvPr id="28" name="Rectangle 27">
+            <a:extLst>
+              <a:ext uri="{FF2B5EF4-FFF2-40B4-BE49-F238E27FC236}">
+                <a16:creationId xmlns:a16="http://schemas.microsoft.com/office/drawing/2014/main" id="{EB0EE834-09C9-4AF1-B10B-97785B1B79D5}"/>
+              </a:ext>
+            </a:extLst>
+          </p:cNvPr>
+          <p:cNvSpPr/>
+          <p:nvPr/>
+        </p:nvSpPr>
+        <p:spPr>
+          <a:xfrm>
+            <a:off x="4041912" y="5208105"/>
+            <a:ext cx="404193" cy="412474"/>
+          </a:xfrm>
+          <a:prstGeom prst="rect">
+            <a:avLst/>
+          </a:prstGeom>
+          <a:solidFill>
+            <a:schemeClr val="accent3">
+              <a:lumMod val="40000"/>
+              <a:lumOff val="60000"/>
+            </a:schemeClr>
+          </a:solidFill>
+          <a:ln>
+            <a:noFill/>
+          </a:ln>
+        </p:spPr>
+        <p:style>
+          <a:lnRef idx="2">
+            <a:schemeClr val="accent1">
+              <a:shade val="50000"/>
+            </a:schemeClr>
+          </a:lnRef>
+          <a:fillRef idx="1">
+            <a:schemeClr val="accent1"/>
+          </a:fillRef>
+          <a:effectRef idx="0">
+            <a:schemeClr val="accent1"/>
+          </a:effectRef>
+          <a:fontRef idx="minor">
+            <a:schemeClr val="lt1"/>
+          </a:fontRef>
+        </p:style>
+        <p:txBody>
+          <a:bodyPr rtlCol="0" anchor="ctr"/>
+          <a:lstStyle/>
+          <a:p>
+            <a:pPr algn="ctr"/>
+            <a:r>
+              <a:rPr lang="en-US" sz="1050" dirty="0">
+                <a:solidFill>
+                  <a:schemeClr val="tx1"/>
+                </a:solidFill>
+              </a:rPr>
+              <a:t>µM</a:t>
+            </a:r>
+            <a:endParaRPr lang="en-IN" sz="1050" dirty="0">
+              <a:solidFill>
+                <a:schemeClr val="tx1"/>
+              </a:solidFill>
+            </a:endParaRPr>
+          </a:p>
+        </p:txBody>
+      </p:sp>
+      <p:sp>
+        <p:nvSpPr>
+          <p:cNvPr id="29" name="Rectangle 28">
+            <a:extLst>
+              <a:ext uri="{FF2B5EF4-FFF2-40B4-BE49-F238E27FC236}">
+                <a16:creationId xmlns:a16="http://schemas.microsoft.com/office/drawing/2014/main" id="{19056D8C-033C-4E88-A3F4-C62E3AB8EF46}"/>
+              </a:ext>
+            </a:extLst>
+          </p:cNvPr>
+          <p:cNvSpPr/>
+          <p:nvPr/>
+        </p:nvSpPr>
+        <p:spPr>
+          <a:xfrm>
+            <a:off x="4041913" y="2083903"/>
+            <a:ext cx="331306" cy="356146"/>
+          </a:xfrm>
+          <a:prstGeom prst="rect">
+            <a:avLst/>
+          </a:prstGeom>
+          <a:solidFill>
+            <a:schemeClr val="accent3">
+              <a:lumMod val="40000"/>
+              <a:lumOff val="60000"/>
+            </a:schemeClr>
+          </a:solidFill>
+          <a:ln>
+            <a:noFill/>
+          </a:ln>
+        </p:spPr>
+        <p:style>
+          <a:lnRef idx="2">
+            <a:schemeClr val="accent1">
+              <a:shade val="50000"/>
+            </a:schemeClr>
+          </a:lnRef>
+          <a:fillRef idx="1">
+            <a:schemeClr val="accent1"/>
+          </a:fillRef>
+          <a:effectRef idx="0">
+            <a:schemeClr val="accent1"/>
+          </a:effectRef>
+          <a:fontRef idx="minor">
+            <a:schemeClr val="lt1"/>
+          </a:fontRef>
+        </p:style>
+        <p:txBody>
+          <a:bodyPr rtlCol="0" anchor="ctr"/>
+          <a:lstStyle/>
+          <a:p>
+            <a:pPr algn="ctr"/>
+            <a:r>
+              <a:rPr lang="en-US" sz="1000" b="0" dirty="0">
+                <a:solidFill>
+                  <a:schemeClr val="tx1"/>
+                </a:solidFill>
+                <a:sym typeface="Symbol" panose="05050102010706020507" pitchFamily="18" charset="2"/>
+              </a:rPr>
+              <a:t>1</a:t>
+            </a:r>
+            <a:endParaRPr lang="en-US" sz="1000" b="0" dirty="0">
+              <a:solidFill>
+                <a:schemeClr val="tx1"/>
+              </a:solidFill>
+            </a:endParaRPr>
+          </a:p>
+        </p:txBody>
+      </p:sp>
+      <p:cxnSp>
+        <p:nvCxnSpPr>
+          <p:cNvPr id="31" name="Straight Connector 30">
+            <a:extLst>
+              <a:ext uri="{FF2B5EF4-FFF2-40B4-BE49-F238E27FC236}">
+                <a16:creationId xmlns:a16="http://schemas.microsoft.com/office/drawing/2014/main" id="{21B6F33D-C373-4490-8EA9-F50B5DD8B370}"/>
+              </a:ext>
+            </a:extLst>
+          </p:cNvPr>
+          <p:cNvCxnSpPr>
+            <a:cxnSpLocks/>
+          </p:cNvCxnSpPr>
+          <p:nvPr/>
+        </p:nvCxnSpPr>
+        <p:spPr>
+          <a:xfrm flipV="1">
+            <a:off x="3882888" y="1817201"/>
+            <a:ext cx="0" cy="422416"/>
+          </a:xfrm>
+          <a:prstGeom prst="line">
+            <a:avLst/>
+          </a:prstGeom>
+        </p:spPr>
+        <p:style>
+          <a:lnRef idx="1">
+            <a:schemeClr val="accent5"/>
+          </a:lnRef>
+          <a:fillRef idx="0">
+            <a:schemeClr val="accent5"/>
+          </a:fillRef>
+          <a:effectRef idx="0">
+            <a:schemeClr val="accent5"/>
+          </a:effectRef>
+          <a:fontRef idx="minor">
+            <a:schemeClr val="tx1"/>
+          </a:fontRef>
+        </p:style>
+      </p:cxnSp>
+      <p:cxnSp>
+        <p:nvCxnSpPr>
+          <p:cNvPr id="32" name="Straight Connector 31">
+            <a:extLst>
+              <a:ext uri="{FF2B5EF4-FFF2-40B4-BE49-F238E27FC236}">
+                <a16:creationId xmlns:a16="http://schemas.microsoft.com/office/drawing/2014/main" id="{8C0014B3-68D5-4E88-8C81-0E3B5AC627DA}"/>
+              </a:ext>
+            </a:extLst>
+          </p:cNvPr>
+          <p:cNvCxnSpPr>
+            <a:cxnSpLocks/>
+          </p:cNvCxnSpPr>
+          <p:nvPr/>
+        </p:nvCxnSpPr>
+        <p:spPr>
+          <a:xfrm flipV="1">
+            <a:off x="3882888" y="5363819"/>
+            <a:ext cx="0" cy="422416"/>
+          </a:xfrm>
+          <a:prstGeom prst="line">
+            <a:avLst/>
+          </a:prstGeom>
+        </p:spPr>
+        <p:style>
+          <a:lnRef idx="1">
+            <a:schemeClr val="accent5"/>
+          </a:lnRef>
+          <a:fillRef idx="0">
+            <a:schemeClr val="accent5"/>
+          </a:fillRef>
+          <a:effectRef idx="0">
+            <a:schemeClr val="accent5"/>
+          </a:effectRef>
+          <a:fontRef idx="minor">
+            <a:schemeClr val="tx1"/>
+          </a:fontRef>
+        </p:style>
+      </p:cxnSp>
+      <p:cxnSp>
+        <p:nvCxnSpPr>
+          <p:cNvPr id="33" name="Straight Connector 32">
+            <a:extLst>
+              <a:ext uri="{FF2B5EF4-FFF2-40B4-BE49-F238E27FC236}">
+                <a16:creationId xmlns:a16="http://schemas.microsoft.com/office/drawing/2014/main" id="{48931CE4-ACE4-43B4-B0C9-5EA5BB5C9589}"/>
+              </a:ext>
+            </a:extLst>
+          </p:cNvPr>
+          <p:cNvCxnSpPr>
+            <a:cxnSpLocks/>
+          </p:cNvCxnSpPr>
+          <p:nvPr/>
+        </p:nvCxnSpPr>
+        <p:spPr>
+          <a:xfrm flipV="1">
+            <a:off x="3882888" y="3141597"/>
+            <a:ext cx="0" cy="422416"/>
+          </a:xfrm>
+          <a:prstGeom prst="line">
+            <a:avLst/>
+          </a:prstGeom>
+        </p:spPr>
+        <p:style>
+          <a:lnRef idx="1">
+            <a:schemeClr val="accent5"/>
+          </a:lnRef>
+          <a:fillRef idx="0">
+            <a:schemeClr val="accent5"/>
+          </a:fillRef>
+          <a:effectRef idx="0">
+            <a:schemeClr val="accent5"/>
+          </a:effectRef>
+          <a:fontRef idx="minor">
+            <a:schemeClr val="tx1"/>
+          </a:fontRef>
+        </p:style>
+      </p:cxnSp>
+      <p:cxnSp>
+        <p:nvCxnSpPr>
+          <p:cNvPr id="35" name="Straight Connector 34">
+            <a:extLst>
+              <a:ext uri="{FF2B5EF4-FFF2-40B4-BE49-F238E27FC236}">
+                <a16:creationId xmlns:a16="http://schemas.microsoft.com/office/drawing/2014/main" id="{5361297C-C896-4457-AC34-16D18A01DA59}"/>
+              </a:ext>
+            </a:extLst>
+          </p:cNvPr>
+          <p:cNvCxnSpPr>
+            <a:endCxn id="24" idx="1"/>
+          </p:cNvCxnSpPr>
+          <p:nvPr/>
+        </p:nvCxnSpPr>
+        <p:spPr>
+          <a:xfrm>
+            <a:off x="3882888" y="1817201"/>
+            <a:ext cx="159025" cy="1"/>
+          </a:xfrm>
+          <a:prstGeom prst="line">
+            <a:avLst/>
+          </a:prstGeom>
+        </p:spPr>
+        <p:style>
+          <a:lnRef idx="1">
+            <a:schemeClr val="accent5"/>
+          </a:lnRef>
+          <a:fillRef idx="0">
+            <a:schemeClr val="accent5"/>
+          </a:fillRef>
+          <a:effectRef idx="0">
+            <a:schemeClr val="accent5"/>
+          </a:effectRef>
+          <a:fontRef idx="minor">
+            <a:schemeClr val="tx1"/>
+          </a:fontRef>
+        </p:style>
+      </p:cxnSp>
+      <p:cxnSp>
+        <p:nvCxnSpPr>
+          <p:cNvPr id="38" name="Straight Connector 37">
+            <a:extLst>
+              <a:ext uri="{FF2B5EF4-FFF2-40B4-BE49-F238E27FC236}">
+                <a16:creationId xmlns:a16="http://schemas.microsoft.com/office/drawing/2014/main" id="{D1B99A82-B07C-480F-936D-A5913DEB23EC}"/>
+              </a:ext>
+            </a:extLst>
+          </p:cNvPr>
+          <p:cNvCxnSpPr>
+            <a:cxnSpLocks/>
+          </p:cNvCxnSpPr>
+          <p:nvPr/>
+        </p:nvCxnSpPr>
+        <p:spPr>
+          <a:xfrm>
+            <a:off x="3882887" y="2235478"/>
+            <a:ext cx="159025" cy="1"/>
+          </a:xfrm>
+          <a:prstGeom prst="line">
+            <a:avLst/>
+          </a:prstGeom>
+        </p:spPr>
+        <p:style>
+          <a:lnRef idx="1">
+            <a:schemeClr val="accent5"/>
+          </a:lnRef>
+          <a:fillRef idx="0">
+            <a:schemeClr val="accent5"/>
+          </a:fillRef>
+          <a:effectRef idx="0">
+            <a:schemeClr val="accent5"/>
+          </a:effectRef>
+          <a:fontRef idx="minor">
+            <a:schemeClr val="tx1"/>
+          </a:fontRef>
+        </p:style>
+      </p:cxnSp>
+      <p:cxnSp>
+        <p:nvCxnSpPr>
+          <p:cNvPr id="39" name="Straight Connector 38">
+            <a:extLst>
+              <a:ext uri="{FF2B5EF4-FFF2-40B4-BE49-F238E27FC236}">
+                <a16:creationId xmlns:a16="http://schemas.microsoft.com/office/drawing/2014/main" id="{B446985E-F870-4629-B58F-757858E76359}"/>
+              </a:ext>
+            </a:extLst>
+          </p:cNvPr>
+          <p:cNvCxnSpPr>
+            <a:cxnSpLocks/>
+          </p:cNvCxnSpPr>
+          <p:nvPr/>
+        </p:nvCxnSpPr>
+        <p:spPr>
+          <a:xfrm>
+            <a:off x="3882887" y="3149897"/>
+            <a:ext cx="159025" cy="1"/>
+          </a:xfrm>
+          <a:prstGeom prst="line">
+            <a:avLst/>
+          </a:prstGeom>
+        </p:spPr>
+        <p:style>
+          <a:lnRef idx="1">
+            <a:schemeClr val="accent5"/>
+          </a:lnRef>
+          <a:fillRef idx="0">
+            <a:schemeClr val="accent5"/>
+          </a:fillRef>
+          <a:effectRef idx="0">
+            <a:schemeClr val="accent5"/>
+          </a:effectRef>
+          <a:fontRef idx="minor">
+            <a:schemeClr val="tx1"/>
+          </a:fontRef>
+        </p:style>
+      </p:cxnSp>
+      <p:cxnSp>
+        <p:nvCxnSpPr>
+          <p:cNvPr id="40" name="Straight Connector 39">
+            <a:extLst>
+              <a:ext uri="{FF2B5EF4-FFF2-40B4-BE49-F238E27FC236}">
+                <a16:creationId xmlns:a16="http://schemas.microsoft.com/office/drawing/2014/main" id="{CF821014-C9A2-4A69-975D-8965E5A231F0}"/>
+              </a:ext>
+            </a:extLst>
+          </p:cNvPr>
+          <p:cNvCxnSpPr>
+            <a:cxnSpLocks/>
+          </p:cNvCxnSpPr>
+          <p:nvPr/>
+        </p:nvCxnSpPr>
+        <p:spPr>
+          <a:xfrm>
+            <a:off x="3876262" y="3564012"/>
+            <a:ext cx="159025" cy="1"/>
+          </a:xfrm>
+          <a:prstGeom prst="line">
+            <a:avLst/>
+          </a:prstGeom>
+        </p:spPr>
+        <p:style>
+          <a:lnRef idx="1">
+            <a:schemeClr val="accent5"/>
+          </a:lnRef>
+          <a:fillRef idx="0">
+            <a:schemeClr val="accent5"/>
+          </a:fillRef>
+          <a:effectRef idx="0">
+            <a:schemeClr val="accent5"/>
+          </a:effectRef>
+          <a:fontRef idx="minor">
+            <a:schemeClr val="tx1"/>
+          </a:fontRef>
+        </p:style>
+      </p:cxnSp>
+      <p:cxnSp>
+        <p:nvCxnSpPr>
+          <p:cNvPr id="41" name="Straight Connector 40">
+            <a:extLst>
+              <a:ext uri="{FF2B5EF4-FFF2-40B4-BE49-F238E27FC236}">
+                <a16:creationId xmlns:a16="http://schemas.microsoft.com/office/drawing/2014/main" id="{586B8843-5464-4DF8-A18B-428A5EA251CA}"/>
+              </a:ext>
+            </a:extLst>
+          </p:cNvPr>
+          <p:cNvCxnSpPr>
+            <a:cxnSpLocks/>
+          </p:cNvCxnSpPr>
+          <p:nvPr/>
+        </p:nvCxnSpPr>
+        <p:spPr>
+          <a:xfrm>
+            <a:off x="3876263" y="5363819"/>
+            <a:ext cx="159025" cy="1"/>
+          </a:xfrm>
+          <a:prstGeom prst="line">
+            <a:avLst/>
+          </a:prstGeom>
+        </p:spPr>
+        <p:style>
+          <a:lnRef idx="1">
+            <a:schemeClr val="accent5"/>
+          </a:lnRef>
+          <a:fillRef idx="0">
+            <a:schemeClr val="accent5"/>
+          </a:fillRef>
+          <a:effectRef idx="0">
+            <a:schemeClr val="accent5"/>
+          </a:effectRef>
+          <a:fontRef idx="minor">
+            <a:schemeClr val="tx1"/>
+          </a:fontRef>
+        </p:style>
+      </p:cxnSp>
+      <p:cxnSp>
+        <p:nvCxnSpPr>
+          <p:cNvPr id="42" name="Straight Connector 41">
+            <a:extLst>
+              <a:ext uri="{FF2B5EF4-FFF2-40B4-BE49-F238E27FC236}">
+                <a16:creationId xmlns:a16="http://schemas.microsoft.com/office/drawing/2014/main" id="{611E7534-7E97-4636-A9F1-61E1F535A0E5}"/>
+              </a:ext>
+            </a:extLst>
+          </p:cNvPr>
+          <p:cNvCxnSpPr>
+            <a:cxnSpLocks/>
+          </p:cNvCxnSpPr>
+          <p:nvPr/>
+        </p:nvCxnSpPr>
+        <p:spPr>
+          <a:xfrm>
+            <a:off x="3882888" y="5797399"/>
+            <a:ext cx="159025" cy="1"/>
+          </a:xfrm>
+          <a:prstGeom prst="line">
+            <a:avLst/>
+          </a:prstGeom>
+        </p:spPr>
+        <p:style>
+          <a:lnRef idx="1">
+            <a:schemeClr val="accent5"/>
+          </a:lnRef>
+          <a:fillRef idx="0">
+            <a:schemeClr val="accent5"/>
+          </a:fillRef>
+          <a:effectRef idx="0">
+            <a:schemeClr val="accent5"/>
+          </a:effectRef>
+          <a:fontRef idx="minor">
+            <a:schemeClr val="tx1"/>
+          </a:fontRef>
+        </p:style>
+      </p:cxnSp>
+      <p:cxnSp>
+        <p:nvCxnSpPr>
+          <p:cNvPr id="44" name="Straight Connector 43">
+            <a:extLst>
+              <a:ext uri="{FF2B5EF4-FFF2-40B4-BE49-F238E27FC236}">
+                <a16:creationId xmlns:a16="http://schemas.microsoft.com/office/drawing/2014/main" id="{1A901A00-FB3E-4501-9ED8-6194E5989568}"/>
+              </a:ext>
+            </a:extLst>
+          </p:cNvPr>
+          <p:cNvCxnSpPr>
+            <a:stCxn id="18" idx="3"/>
+          </p:cNvCxnSpPr>
+          <p:nvPr/>
+        </p:nvCxnSpPr>
+        <p:spPr>
+          <a:xfrm>
+            <a:off x="3339547" y="2054084"/>
+            <a:ext cx="543340" cy="6630"/>
+          </a:xfrm>
+          <a:prstGeom prst="line">
+            <a:avLst/>
+          </a:prstGeom>
+        </p:spPr>
+        <p:style>
+          <a:lnRef idx="1">
+            <a:schemeClr val="accent1"/>
+          </a:lnRef>
+          <a:fillRef idx="0">
+            <a:schemeClr val="accent1"/>
+          </a:fillRef>
+          <a:effectRef idx="0">
+            <a:schemeClr val="accent1"/>
+          </a:effectRef>
+          <a:fontRef idx="minor">
+            <a:schemeClr val="tx1"/>
+          </a:fontRef>
+        </p:style>
+      </p:cxnSp>
+      <p:cxnSp>
+        <p:nvCxnSpPr>
+          <p:cNvPr id="45" name="Straight Connector 44">
+            <a:extLst>
+              <a:ext uri="{FF2B5EF4-FFF2-40B4-BE49-F238E27FC236}">
+                <a16:creationId xmlns:a16="http://schemas.microsoft.com/office/drawing/2014/main" id="{E451AC54-CDEA-4695-982D-A039C67924FA}"/>
+              </a:ext>
+            </a:extLst>
+          </p:cNvPr>
+          <p:cNvCxnSpPr>
+            <a:cxnSpLocks/>
+          </p:cNvCxnSpPr>
+          <p:nvPr/>
+        </p:nvCxnSpPr>
+        <p:spPr>
+          <a:xfrm>
+            <a:off x="3346172" y="5572540"/>
+            <a:ext cx="543340" cy="6630"/>
+          </a:xfrm>
+          <a:prstGeom prst="line">
+            <a:avLst/>
+          </a:prstGeom>
+        </p:spPr>
+        <p:style>
+          <a:lnRef idx="1">
+            <a:schemeClr val="accent1"/>
+          </a:lnRef>
+          <a:fillRef idx="0">
+            <a:schemeClr val="accent1"/>
+          </a:fillRef>
+          <a:effectRef idx="0">
+            <a:schemeClr val="accent1"/>
+          </a:effectRef>
+          <a:fontRef idx="minor">
+            <a:schemeClr val="tx1"/>
+          </a:fontRef>
+        </p:style>
+      </p:cxnSp>
+      <p:cxnSp>
+        <p:nvCxnSpPr>
+          <p:cNvPr id="46" name="Straight Connector 45">
+            <a:extLst>
+              <a:ext uri="{FF2B5EF4-FFF2-40B4-BE49-F238E27FC236}">
+                <a16:creationId xmlns:a16="http://schemas.microsoft.com/office/drawing/2014/main" id="{5D07C798-8B0C-4956-9E8C-BD37A3B67CD7}"/>
+              </a:ext>
+            </a:extLst>
+          </p:cNvPr>
+          <p:cNvCxnSpPr>
+            <a:cxnSpLocks/>
+          </p:cNvCxnSpPr>
+          <p:nvPr/>
+        </p:nvCxnSpPr>
+        <p:spPr>
+          <a:xfrm>
+            <a:off x="3339547" y="3339947"/>
+            <a:ext cx="543340" cy="6630"/>
+          </a:xfrm>
+          <a:prstGeom prst="line">
+            <a:avLst/>
+          </a:prstGeom>
+        </p:spPr>
+        <p:style>
+          <a:lnRef idx="1">
+            <a:schemeClr val="accent1"/>
+          </a:lnRef>
+          <a:fillRef idx="0">
+            <a:schemeClr val="accent1"/>
+          </a:fillRef>
+          <a:effectRef idx="0">
+            <a:schemeClr val="accent1"/>
+          </a:effectRef>
+          <a:fontRef idx="minor">
+            <a:schemeClr val="tx1"/>
+          </a:fontRef>
+        </p:style>
+      </p:cxnSp>
+      <p:sp>
+        <p:nvSpPr>
+          <p:cNvPr id="48" name="Rectangle 47">
+            <a:extLst>
+              <a:ext uri="{FF2B5EF4-FFF2-40B4-BE49-F238E27FC236}">
+                <a16:creationId xmlns:a16="http://schemas.microsoft.com/office/drawing/2014/main" id="{5700CE11-DC81-41CC-B122-7B81C403D2DA}"/>
+              </a:ext>
+            </a:extLst>
+          </p:cNvPr>
+          <p:cNvSpPr/>
+          <p:nvPr/>
+        </p:nvSpPr>
+        <p:spPr>
+          <a:xfrm>
+            <a:off x="5314122" y="1895882"/>
+            <a:ext cx="404164" cy="3969029"/>
+          </a:xfrm>
+          <a:prstGeom prst="rect">
+            <a:avLst/>
+          </a:prstGeom>
+          <a:solidFill>
+            <a:schemeClr val="tx2">
+              <a:lumMod val="60000"/>
+              <a:lumOff val="40000"/>
+            </a:schemeClr>
+          </a:solidFill>
+          <a:ln>
+            <a:noFill/>
+          </a:ln>
+        </p:spPr>
+        <p:style>
+          <a:lnRef idx="2">
+            <a:schemeClr val="accent1">
+              <a:shade val="50000"/>
+            </a:schemeClr>
+          </a:lnRef>
+          <a:fillRef idx="1">
+            <a:schemeClr val="accent1"/>
+          </a:fillRef>
+          <a:effectRef idx="0">
+            <a:schemeClr val="accent1"/>
+          </a:effectRef>
+          <a:fontRef idx="minor">
+            <a:schemeClr val="lt1"/>
+          </a:fontRef>
+        </p:style>
+        <p:txBody>
+          <a:bodyPr rtlCol="0" anchor="ctr"/>
+          <a:lstStyle/>
+          <a:p>
+            <a:pPr algn="ctr"/>
+            <a:r>
+              <a:rPr lang="en-US" dirty="0"/>
+              <a:t>PoE</a:t>
+            </a:r>
+            <a:endParaRPr lang="en-IN" dirty="0"/>
+          </a:p>
+        </p:txBody>
+      </p:sp>
+      <p:cxnSp>
+        <p:nvCxnSpPr>
+          <p:cNvPr id="52" name="Straight Connector 51">
+            <a:extLst>
+              <a:ext uri="{FF2B5EF4-FFF2-40B4-BE49-F238E27FC236}">
+                <a16:creationId xmlns:a16="http://schemas.microsoft.com/office/drawing/2014/main" id="{484F84F0-2B0A-447B-8561-6A7F00E8C41D}"/>
+              </a:ext>
+            </a:extLst>
+          </p:cNvPr>
+          <p:cNvCxnSpPr>
+            <a:cxnSpLocks/>
+          </p:cNvCxnSpPr>
+          <p:nvPr/>
+        </p:nvCxnSpPr>
+        <p:spPr>
+          <a:xfrm>
+            <a:off x="4757531" y="1994868"/>
+            <a:ext cx="0" cy="3625711"/>
+          </a:xfrm>
+          <a:prstGeom prst="line">
+            <a:avLst/>
+          </a:prstGeom>
+        </p:spPr>
+        <p:style>
+          <a:lnRef idx="1">
+            <a:schemeClr val="accent5"/>
+          </a:lnRef>
+          <a:fillRef idx="0">
+            <a:schemeClr val="accent5"/>
+          </a:fillRef>
+          <a:effectRef idx="0">
+            <a:schemeClr val="accent5"/>
+          </a:effectRef>
+          <a:fontRef idx="minor">
+            <a:schemeClr val="tx1"/>
+          </a:fontRef>
+        </p:style>
+      </p:cxnSp>
+      <p:cxnSp>
+        <p:nvCxnSpPr>
+          <p:cNvPr id="55" name="Straight Connector 54">
+            <a:extLst>
+              <a:ext uri="{FF2B5EF4-FFF2-40B4-BE49-F238E27FC236}">
+                <a16:creationId xmlns:a16="http://schemas.microsoft.com/office/drawing/2014/main" id="{720A2196-6A1B-4CFB-A43D-FF16BB4749D5}"/>
+              </a:ext>
+            </a:extLst>
+          </p:cNvPr>
+          <p:cNvCxnSpPr>
+            <a:cxnSpLocks/>
+          </p:cNvCxnSpPr>
+          <p:nvPr/>
+        </p:nvCxnSpPr>
+        <p:spPr>
+          <a:xfrm flipH="1">
+            <a:off x="4419601" y="2001905"/>
+            <a:ext cx="337930" cy="0"/>
+          </a:xfrm>
+          <a:prstGeom prst="line">
+            <a:avLst/>
+          </a:prstGeom>
+        </p:spPr>
+        <p:style>
+          <a:lnRef idx="1">
+            <a:schemeClr val="accent1"/>
+          </a:lnRef>
+          <a:fillRef idx="0">
+            <a:schemeClr val="accent1"/>
+          </a:fillRef>
+          <a:effectRef idx="0">
+            <a:schemeClr val="accent1"/>
+          </a:effectRef>
+          <a:fontRef idx="minor">
+            <a:schemeClr val="tx1"/>
+          </a:fontRef>
+        </p:style>
+      </p:cxnSp>
+      <p:cxnSp>
+        <p:nvCxnSpPr>
+          <p:cNvPr id="56" name="Straight Connector 55">
+            <a:extLst>
+              <a:ext uri="{FF2B5EF4-FFF2-40B4-BE49-F238E27FC236}">
+                <a16:creationId xmlns:a16="http://schemas.microsoft.com/office/drawing/2014/main" id="{55D44958-606C-4CF5-B8A1-F8C6ED19ECF1}"/>
+              </a:ext>
+            </a:extLst>
+          </p:cNvPr>
+          <p:cNvCxnSpPr>
+            <a:cxnSpLocks/>
+          </p:cNvCxnSpPr>
+          <p:nvPr/>
+        </p:nvCxnSpPr>
+        <p:spPr>
+          <a:xfrm flipH="1">
+            <a:off x="4465955" y="5620579"/>
+            <a:ext cx="284953" cy="0"/>
+          </a:xfrm>
+          <a:prstGeom prst="line">
+            <a:avLst/>
+          </a:prstGeom>
+        </p:spPr>
+        <p:style>
+          <a:lnRef idx="1">
+            <a:schemeClr val="accent1"/>
+          </a:lnRef>
+          <a:fillRef idx="0">
+            <a:schemeClr val="accent1"/>
+          </a:fillRef>
+          <a:effectRef idx="0">
+            <a:schemeClr val="accent1"/>
+          </a:effectRef>
+          <a:fontRef idx="minor">
+            <a:schemeClr val="tx1"/>
+          </a:fontRef>
+        </p:style>
+      </p:cxnSp>
+      <p:cxnSp>
+        <p:nvCxnSpPr>
+          <p:cNvPr id="57" name="Straight Connector 56">
+            <a:extLst>
+              <a:ext uri="{FF2B5EF4-FFF2-40B4-BE49-F238E27FC236}">
+                <a16:creationId xmlns:a16="http://schemas.microsoft.com/office/drawing/2014/main" id="{71984A67-7B28-4339-923F-88B4D817AA3A}"/>
+              </a:ext>
+            </a:extLst>
+          </p:cNvPr>
+          <p:cNvCxnSpPr>
+            <a:cxnSpLocks/>
+          </p:cNvCxnSpPr>
+          <p:nvPr/>
+        </p:nvCxnSpPr>
+        <p:spPr>
+          <a:xfrm flipH="1">
+            <a:off x="4412978" y="3367280"/>
+            <a:ext cx="337930" cy="0"/>
+          </a:xfrm>
+          <a:prstGeom prst="line">
+            <a:avLst/>
+          </a:prstGeom>
+        </p:spPr>
+        <p:style>
+          <a:lnRef idx="1">
+            <a:schemeClr val="accent1"/>
+          </a:lnRef>
+          <a:fillRef idx="0">
+            <a:schemeClr val="accent1"/>
+          </a:fillRef>
+          <a:effectRef idx="0">
+            <a:schemeClr val="accent1"/>
+          </a:effectRef>
+          <a:fontRef idx="minor">
+            <a:schemeClr val="tx1"/>
+          </a:fontRef>
+        </p:style>
+      </p:cxnSp>
+      <p:cxnSp>
+        <p:nvCxnSpPr>
+          <p:cNvPr id="60" name="Straight Arrow Connector 59">
+            <a:extLst>
+              <a:ext uri="{FF2B5EF4-FFF2-40B4-BE49-F238E27FC236}">
+                <a16:creationId xmlns:a16="http://schemas.microsoft.com/office/drawing/2014/main" id="{48FBA66C-B0DC-44D1-BED4-7ACDC99B0294}"/>
+              </a:ext>
+            </a:extLst>
+          </p:cNvPr>
+          <p:cNvCxnSpPr>
+            <a:cxnSpLocks/>
+          </p:cNvCxnSpPr>
+          <p:nvPr/>
+        </p:nvCxnSpPr>
+        <p:spPr>
+          <a:xfrm>
+            <a:off x="4757531" y="3889520"/>
+            <a:ext cx="556591" cy="0"/>
+          </a:xfrm>
+          <a:prstGeom prst="straightConnector1">
+            <a:avLst/>
+          </a:prstGeom>
+          <a:ln>
+            <a:tailEnd type="triangle"/>
+          </a:ln>
+        </p:spPr>
+        <p:style>
+          <a:lnRef idx="1">
+            <a:schemeClr val="accent1"/>
+          </a:lnRef>
+          <a:fillRef idx="0">
+            <a:schemeClr val="accent1"/>
+          </a:fillRef>
+          <a:effectRef idx="0">
+            <a:schemeClr val="accent1"/>
+          </a:effectRef>
+          <a:fontRef idx="minor">
+            <a:schemeClr val="tx1"/>
+          </a:fontRef>
+        </p:style>
+      </p:cxnSp>
+      <p:sp>
+        <p:nvSpPr>
+          <p:cNvPr id="82" name="TextBox 81">
+            <a:extLst>
+              <a:ext uri="{FF2B5EF4-FFF2-40B4-BE49-F238E27FC236}">
+                <a16:creationId xmlns:a16="http://schemas.microsoft.com/office/drawing/2014/main" id="{93ADB053-7717-4E3E-8BA4-C28819C5585D}"/>
+              </a:ext>
+            </a:extLst>
+          </p:cNvPr>
+          <p:cNvSpPr txBox="1"/>
+          <p:nvPr/>
+        </p:nvSpPr>
+        <p:spPr>
+          <a:xfrm>
+            <a:off x="2756431" y="4001008"/>
+            <a:ext cx="145765" cy="923330"/>
+          </a:xfrm>
+          <a:prstGeom prst="rect">
+            <a:avLst/>
+          </a:prstGeom>
+          <a:noFill/>
+        </p:spPr>
+        <p:txBody>
+          <a:bodyPr wrap="square" rtlCol="0">
+            <a:spAutoFit/>
+          </a:bodyPr>
+          <a:lstStyle/>
+          <a:p>
+            <a:r>
+              <a:rPr lang="en-US" dirty="0"/>
+              <a:t>.</a:t>
+            </a:r>
+          </a:p>
+          <a:p>
+            <a:r>
+              <a:rPr lang="en-US" dirty="0"/>
+              <a:t>.</a:t>
+            </a:r>
+          </a:p>
+          <a:p>
+            <a:r>
+              <a:rPr lang="en-US" dirty="0"/>
+              <a:t>.</a:t>
+            </a:r>
+            <a:endParaRPr lang="en-IN" dirty="0"/>
+          </a:p>
+        </p:txBody>
+      </p:sp>
+      <p:sp>
+        <p:nvSpPr>
+          <p:cNvPr id="83" name="Rectangle 82">
+            <a:extLst>
+              <a:ext uri="{FF2B5EF4-FFF2-40B4-BE49-F238E27FC236}">
+                <a16:creationId xmlns:a16="http://schemas.microsoft.com/office/drawing/2014/main" id="{774598C3-5B72-49FE-8908-5B5F32BEF981}"/>
+              </a:ext>
+            </a:extLst>
+          </p:cNvPr>
+          <p:cNvSpPr/>
+          <p:nvPr/>
+        </p:nvSpPr>
+        <p:spPr>
+          <a:xfrm>
+            <a:off x="6384224" y="3378485"/>
+            <a:ext cx="377688" cy="356146"/>
+          </a:xfrm>
+          <a:prstGeom prst="rect">
+            <a:avLst/>
+          </a:prstGeom>
+          <a:solidFill>
+            <a:schemeClr val="accent3">
+              <a:lumMod val="40000"/>
+              <a:lumOff val="60000"/>
+            </a:schemeClr>
+          </a:solidFill>
+          <a:ln>
+            <a:noFill/>
+          </a:ln>
+        </p:spPr>
+        <p:style>
+          <a:lnRef idx="2">
+            <a:schemeClr val="accent1">
+              <a:shade val="50000"/>
+            </a:schemeClr>
+          </a:lnRef>
+          <a:fillRef idx="1">
+            <a:schemeClr val="accent1"/>
+          </a:fillRef>
+          <a:effectRef idx="0">
+            <a:schemeClr val="accent1"/>
+          </a:effectRef>
+          <a:fontRef idx="minor">
+            <a:schemeClr val="lt1"/>
+          </a:fontRef>
+        </p:style>
+        <p:txBody>
+          <a:bodyPr rtlCol="0" anchor="ctr"/>
+          <a:lstStyle/>
+          <a:p>
+            <a:pPr algn="ctr"/>
+            <a:r>
+              <a:rPr lang="en-US" dirty="0">
+                <a:solidFill>
+                  <a:schemeClr val="tx1"/>
+                </a:solidFill>
+              </a:rPr>
+              <a:t>µ</a:t>
+            </a:r>
+            <a:endParaRPr lang="en-IN" dirty="0">
+              <a:solidFill>
+                <a:schemeClr val="tx1"/>
+              </a:solidFill>
+            </a:endParaRPr>
+          </a:p>
+        </p:txBody>
+      </p:sp>
+      <p:sp>
+        <p:nvSpPr>
+          <p:cNvPr id="84" name="Rectangle 83">
+            <a:extLst>
+              <a:ext uri="{FF2B5EF4-FFF2-40B4-BE49-F238E27FC236}">
+                <a16:creationId xmlns:a16="http://schemas.microsoft.com/office/drawing/2014/main" id="{3E69CECB-13AD-4609-B58F-32CD1937257D}"/>
+              </a:ext>
+            </a:extLst>
+          </p:cNvPr>
+          <p:cNvSpPr/>
+          <p:nvPr/>
+        </p:nvSpPr>
+        <p:spPr>
+          <a:xfrm>
+            <a:off x="6377598" y="4022874"/>
+            <a:ext cx="377688" cy="356146"/>
+          </a:xfrm>
+          <a:prstGeom prst="rect">
+            <a:avLst/>
+          </a:prstGeom>
+          <a:solidFill>
+            <a:schemeClr val="accent3">
+              <a:lumMod val="40000"/>
+              <a:lumOff val="60000"/>
+            </a:schemeClr>
+          </a:solidFill>
+          <a:ln>
+            <a:noFill/>
+          </a:ln>
+        </p:spPr>
+        <p:style>
+          <a:lnRef idx="2">
+            <a:schemeClr val="accent1">
+              <a:shade val="50000"/>
+            </a:schemeClr>
+          </a:lnRef>
+          <a:fillRef idx="1">
+            <a:schemeClr val="accent1"/>
+          </a:fillRef>
+          <a:effectRef idx="0">
+            <a:schemeClr val="accent1"/>
+          </a:effectRef>
+          <a:fontRef idx="minor">
+            <a:schemeClr val="lt1"/>
+          </a:fontRef>
+        </p:style>
+        <p:txBody>
+          <a:bodyPr rtlCol="0" anchor="ctr"/>
+          <a:lstStyle/>
+          <a:p>
+            <a:pPr algn="ctr"/>
+            <a:r>
+              <a:rPr lang="en-US" b="0" dirty="0">
+                <a:solidFill>
+                  <a:schemeClr val="tx1"/>
+                </a:solidFill>
+                <a:sym typeface="Symbol" panose="05050102010706020507" pitchFamily="18" charset="2"/>
+              </a:rPr>
+              <a:t></a:t>
+            </a:r>
+            <a:endParaRPr lang="en-IN" dirty="0">
+              <a:solidFill>
+                <a:schemeClr val="tx1"/>
+              </a:solidFill>
+            </a:endParaRPr>
+          </a:p>
+        </p:txBody>
+      </p:sp>
+      <p:cxnSp>
+        <p:nvCxnSpPr>
+          <p:cNvPr id="86" name="Straight Connector 85">
+            <a:extLst>
+              <a:ext uri="{FF2B5EF4-FFF2-40B4-BE49-F238E27FC236}">
+                <a16:creationId xmlns:a16="http://schemas.microsoft.com/office/drawing/2014/main" id="{3BE474E5-7C18-4283-95A3-BDDFE7A29978}"/>
+              </a:ext>
+            </a:extLst>
+          </p:cNvPr>
+          <p:cNvCxnSpPr/>
+          <p:nvPr/>
+        </p:nvCxnSpPr>
+        <p:spPr>
+          <a:xfrm>
+            <a:off x="6082748" y="3596314"/>
+            <a:ext cx="0" cy="617885"/>
+          </a:xfrm>
+          <a:prstGeom prst="line">
+            <a:avLst/>
+          </a:prstGeom>
+        </p:spPr>
+        <p:style>
+          <a:lnRef idx="1">
+            <a:schemeClr val="accent5"/>
+          </a:lnRef>
+          <a:fillRef idx="0">
+            <a:schemeClr val="accent5"/>
+          </a:fillRef>
+          <a:effectRef idx="0">
+            <a:schemeClr val="accent5"/>
+          </a:effectRef>
+          <a:fontRef idx="minor">
+            <a:schemeClr val="tx1"/>
+          </a:fontRef>
+        </p:style>
+      </p:cxnSp>
+      <p:cxnSp>
+        <p:nvCxnSpPr>
+          <p:cNvPr id="88" name="Straight Connector 87">
+            <a:extLst>
+              <a:ext uri="{FF2B5EF4-FFF2-40B4-BE49-F238E27FC236}">
+                <a16:creationId xmlns:a16="http://schemas.microsoft.com/office/drawing/2014/main" id="{E6E4AF03-DD1A-4787-B1FA-2FEC089CC408}"/>
+              </a:ext>
+            </a:extLst>
+          </p:cNvPr>
+          <p:cNvCxnSpPr/>
+          <p:nvPr/>
+        </p:nvCxnSpPr>
+        <p:spPr>
+          <a:xfrm flipH="1">
+            <a:off x="5718286" y="3899442"/>
+            <a:ext cx="364462" cy="0"/>
+          </a:xfrm>
+          <a:prstGeom prst="line">
+            <a:avLst/>
+          </a:prstGeom>
+        </p:spPr>
+        <p:style>
+          <a:lnRef idx="1">
+            <a:schemeClr val="accent1"/>
+          </a:lnRef>
+          <a:fillRef idx="0">
+            <a:schemeClr val="accent1"/>
+          </a:fillRef>
+          <a:effectRef idx="0">
+            <a:schemeClr val="accent1"/>
+          </a:effectRef>
+          <a:fontRef idx="minor">
+            <a:schemeClr val="tx1"/>
+          </a:fontRef>
+        </p:style>
+      </p:cxnSp>
+      <p:cxnSp>
+        <p:nvCxnSpPr>
+          <p:cNvPr id="92" name="Straight Arrow Connector 91">
+            <a:extLst>
+              <a:ext uri="{FF2B5EF4-FFF2-40B4-BE49-F238E27FC236}">
+                <a16:creationId xmlns:a16="http://schemas.microsoft.com/office/drawing/2014/main" id="{2C864439-0CB5-458C-BA54-33EFE109CC79}"/>
+              </a:ext>
+            </a:extLst>
+          </p:cNvPr>
+          <p:cNvCxnSpPr/>
+          <p:nvPr/>
+        </p:nvCxnSpPr>
+        <p:spPr>
+          <a:xfrm>
+            <a:off x="6082748" y="3588849"/>
+            <a:ext cx="294850" cy="7465"/>
+          </a:xfrm>
+          <a:prstGeom prst="straightConnector1">
+            <a:avLst/>
+          </a:prstGeom>
+          <a:ln>
+            <a:tailEnd type="triangle"/>
+          </a:ln>
+        </p:spPr>
+        <p:style>
+          <a:lnRef idx="1">
+            <a:schemeClr val="accent1"/>
+          </a:lnRef>
+          <a:fillRef idx="0">
+            <a:schemeClr val="accent1"/>
+          </a:fillRef>
+          <a:effectRef idx="0">
+            <a:schemeClr val="accent1"/>
+          </a:effectRef>
+          <a:fontRef idx="minor">
+            <a:schemeClr val="tx1"/>
+          </a:fontRef>
+        </p:style>
+      </p:cxnSp>
+      <p:cxnSp>
+        <p:nvCxnSpPr>
+          <p:cNvPr id="93" name="Straight Arrow Connector 92">
+            <a:extLst>
+              <a:ext uri="{FF2B5EF4-FFF2-40B4-BE49-F238E27FC236}">
+                <a16:creationId xmlns:a16="http://schemas.microsoft.com/office/drawing/2014/main" id="{C80CA795-F3A2-48D5-A581-022C4D267C3C}"/>
+              </a:ext>
+            </a:extLst>
+          </p:cNvPr>
+          <p:cNvCxnSpPr/>
+          <p:nvPr/>
+        </p:nvCxnSpPr>
+        <p:spPr>
+          <a:xfrm>
+            <a:off x="6089374" y="4204253"/>
+            <a:ext cx="294850" cy="7465"/>
+          </a:xfrm>
+          <a:prstGeom prst="straightConnector1">
+            <a:avLst/>
+          </a:prstGeom>
+          <a:ln>
+            <a:tailEnd type="triangle"/>
+          </a:ln>
+        </p:spPr>
+        <p:style>
+          <a:lnRef idx="1">
+            <a:schemeClr val="accent1"/>
+          </a:lnRef>
+          <a:fillRef idx="0">
+            <a:schemeClr val="accent1"/>
+          </a:fillRef>
+          <a:effectRef idx="0">
+            <a:schemeClr val="accent1"/>
+          </a:effectRef>
+          <a:fontRef idx="minor">
+            <a:schemeClr val="tx1"/>
+          </a:fontRef>
+        </p:style>
+      </p:cxnSp>
+      <p:sp>
+        <p:nvSpPr>
+          <p:cNvPr id="94" name="Rectangle 93">
+            <a:extLst>
+              <a:ext uri="{FF2B5EF4-FFF2-40B4-BE49-F238E27FC236}">
+                <a16:creationId xmlns:a16="http://schemas.microsoft.com/office/drawing/2014/main" id="{06A3813B-0AFC-4489-A731-16B5D14131C1}"/>
+              </a:ext>
+            </a:extLst>
+          </p:cNvPr>
+          <p:cNvSpPr/>
+          <p:nvPr/>
+        </p:nvSpPr>
+        <p:spPr>
+          <a:xfrm>
+            <a:off x="7070011" y="3702323"/>
+            <a:ext cx="377688" cy="356146"/>
+          </a:xfrm>
+          <a:prstGeom prst="rect">
+            <a:avLst/>
+          </a:prstGeom>
+          <a:solidFill>
+            <a:schemeClr val="accent3">
+              <a:lumMod val="40000"/>
+              <a:lumOff val="60000"/>
+            </a:schemeClr>
+          </a:solidFill>
+          <a:ln>
+            <a:noFill/>
+          </a:ln>
+        </p:spPr>
+        <p:style>
+          <a:lnRef idx="2">
+            <a:schemeClr val="accent1">
+              <a:shade val="50000"/>
+            </a:schemeClr>
+          </a:lnRef>
+          <a:fillRef idx="1">
+            <a:schemeClr val="accent1"/>
+          </a:fillRef>
+          <a:effectRef idx="0">
+            <a:schemeClr val="accent1"/>
+          </a:effectRef>
+          <a:fontRef idx="minor">
+            <a:schemeClr val="lt1"/>
+          </a:fontRef>
+        </p:style>
+        <p:txBody>
+          <a:bodyPr rtlCol="0" anchor="ctr"/>
+          <a:lstStyle/>
+          <a:p>
+            <a:pPr algn="ctr"/>
+            <a:r>
+              <a:rPr lang="en-US" dirty="0">
+                <a:solidFill>
+                  <a:schemeClr val="tx1"/>
+                </a:solidFill>
+              </a:rPr>
+              <a:t>z</a:t>
+            </a:r>
+            <a:endParaRPr lang="en-IN" dirty="0">
+              <a:solidFill>
+                <a:schemeClr val="tx1"/>
+              </a:solidFill>
+            </a:endParaRPr>
+          </a:p>
+        </p:txBody>
+      </p:sp>
+      <p:cxnSp>
+        <p:nvCxnSpPr>
+          <p:cNvPr id="95" name="Straight Arrow Connector 94">
+            <a:extLst>
+              <a:ext uri="{FF2B5EF4-FFF2-40B4-BE49-F238E27FC236}">
+                <a16:creationId xmlns:a16="http://schemas.microsoft.com/office/drawing/2014/main" id="{9F552887-EAB0-410B-B0B6-1A574BC92550}"/>
+              </a:ext>
+            </a:extLst>
+          </p:cNvPr>
+          <p:cNvCxnSpPr>
+            <a:cxnSpLocks/>
+          </p:cNvCxnSpPr>
+          <p:nvPr/>
+        </p:nvCxnSpPr>
+        <p:spPr>
+          <a:xfrm>
+            <a:off x="6742060" y="3596314"/>
+            <a:ext cx="301476" cy="170608"/>
+          </a:xfrm>
+          <a:prstGeom prst="straightConnector1">
+            <a:avLst/>
+          </a:prstGeom>
+          <a:ln>
+            <a:tailEnd type="triangle"/>
+          </a:ln>
+        </p:spPr>
+        <p:style>
+          <a:lnRef idx="1">
+            <a:schemeClr val="accent1"/>
+          </a:lnRef>
+          <a:fillRef idx="0">
+            <a:schemeClr val="accent1"/>
+          </a:fillRef>
+          <a:effectRef idx="0">
+            <a:schemeClr val="accent1"/>
+          </a:effectRef>
+          <a:fontRef idx="minor">
+            <a:schemeClr val="tx1"/>
+          </a:fontRef>
+        </p:style>
+      </p:cxnSp>
+      <p:cxnSp>
+        <p:nvCxnSpPr>
+          <p:cNvPr id="97" name="Straight Arrow Connector 96">
+            <a:extLst>
+              <a:ext uri="{FF2B5EF4-FFF2-40B4-BE49-F238E27FC236}">
+                <a16:creationId xmlns:a16="http://schemas.microsoft.com/office/drawing/2014/main" id="{31E9A91F-9F0D-4CF6-8B48-9D52A9C9356A}"/>
+              </a:ext>
+            </a:extLst>
+          </p:cNvPr>
+          <p:cNvCxnSpPr>
+            <a:cxnSpLocks/>
+          </p:cNvCxnSpPr>
+          <p:nvPr/>
+        </p:nvCxnSpPr>
+        <p:spPr>
+          <a:xfrm flipV="1">
+            <a:off x="6742060" y="4022874"/>
+            <a:ext cx="301450" cy="182631"/>
+          </a:xfrm>
+          <a:prstGeom prst="straightConnector1">
+            <a:avLst/>
+          </a:prstGeom>
+          <a:ln>
+            <a:tailEnd type="triangle"/>
+          </a:ln>
+        </p:spPr>
+        <p:style>
+          <a:lnRef idx="1">
+            <a:schemeClr val="accent1"/>
+          </a:lnRef>
+          <a:fillRef idx="0">
+            <a:schemeClr val="accent1"/>
+          </a:fillRef>
+          <a:effectRef idx="0">
+            <a:schemeClr val="accent1"/>
+          </a:effectRef>
+          <a:fontRef idx="minor">
+            <a:schemeClr val="tx1"/>
+          </a:fontRef>
+        </p:style>
+      </p:cxnSp>
+      <p:sp>
+        <p:nvSpPr>
+          <p:cNvPr id="99" name="Trapezoid 98">
+            <a:extLst>
+              <a:ext uri="{FF2B5EF4-FFF2-40B4-BE49-F238E27FC236}">
+                <a16:creationId xmlns:a16="http://schemas.microsoft.com/office/drawing/2014/main" id="{F6248E50-D5E9-4D2D-9B43-4F9EFF68EF2F}"/>
+              </a:ext>
+            </a:extLst>
+          </p:cNvPr>
+          <p:cNvSpPr/>
+          <p:nvPr/>
+        </p:nvSpPr>
+        <p:spPr>
+          <a:xfrm rot="16200000">
+            <a:off x="7964556" y="3534801"/>
+            <a:ext cx="1285460" cy="691189"/>
+          </a:xfrm>
+          <a:prstGeom prst="trapezoid">
+            <a:avLst/>
+          </a:prstGeom>
+          <a:solidFill>
+            <a:schemeClr val="accent2">
+              <a:lumMod val="60000"/>
+              <a:lumOff val="40000"/>
+            </a:schemeClr>
+          </a:solidFill>
+          <a:ln>
+            <a:noFill/>
+          </a:ln>
+        </p:spPr>
+        <p:style>
+          <a:lnRef idx="2">
+            <a:schemeClr val="accent1">
+              <a:shade val="50000"/>
+            </a:schemeClr>
+          </a:lnRef>
+          <a:fillRef idx="1">
+            <a:schemeClr val="accent1"/>
+          </a:fillRef>
+          <a:effectRef idx="0">
+            <a:schemeClr val="accent1"/>
+          </a:effectRef>
+          <a:fontRef idx="minor">
+            <a:schemeClr val="lt1"/>
+          </a:fontRef>
+        </p:style>
+        <p:txBody>
+          <a:bodyPr rtlCol="0" anchor="ctr"/>
+          <a:lstStyle/>
+          <a:p>
+            <a:pPr algn="ctr"/>
+            <a:endParaRPr lang="en-IN" dirty="0"/>
+          </a:p>
+        </p:txBody>
+      </p:sp>
+      <p:cxnSp>
+        <p:nvCxnSpPr>
+          <p:cNvPr id="101" name="Straight Arrow Connector 100">
+            <a:extLst>
+              <a:ext uri="{FF2B5EF4-FFF2-40B4-BE49-F238E27FC236}">
+                <a16:creationId xmlns:a16="http://schemas.microsoft.com/office/drawing/2014/main" id="{FB4862DF-F3CA-45F1-82E5-7141AFE9BAEB}"/>
+              </a:ext>
+            </a:extLst>
+          </p:cNvPr>
+          <p:cNvCxnSpPr>
+            <a:stCxn id="94" idx="3"/>
+            <a:endCxn id="99" idx="0"/>
+          </p:cNvCxnSpPr>
+          <p:nvPr/>
+        </p:nvCxnSpPr>
+        <p:spPr>
+          <a:xfrm>
+            <a:off x="7447699" y="3880396"/>
+            <a:ext cx="813993" cy="0"/>
+          </a:xfrm>
+          <a:prstGeom prst="straightConnector1">
+            <a:avLst/>
+          </a:prstGeom>
+          <a:ln>
+            <a:tailEnd type="triangle"/>
+          </a:ln>
+        </p:spPr>
+        <p:style>
+          <a:lnRef idx="1">
+            <a:schemeClr val="accent1"/>
+          </a:lnRef>
+          <a:fillRef idx="0">
+            <a:schemeClr val="accent1"/>
+          </a:fillRef>
+          <a:effectRef idx="0">
+            <a:schemeClr val="accent1"/>
+          </a:effectRef>
+          <a:fontRef idx="minor">
+            <a:schemeClr val="tx1"/>
+          </a:fontRef>
+        </p:style>
+      </p:cxnSp>
+      <p:sp>
+        <p:nvSpPr>
+          <p:cNvPr id="102" name="Rectangle 101">
+            <a:extLst>
+              <a:ext uri="{FF2B5EF4-FFF2-40B4-BE49-F238E27FC236}">
+                <a16:creationId xmlns:a16="http://schemas.microsoft.com/office/drawing/2014/main" id="{CA9CE449-0FC9-4BC2-A798-8DA5A69DDB82}"/>
+              </a:ext>
+            </a:extLst>
+          </p:cNvPr>
+          <p:cNvSpPr/>
+          <p:nvPr/>
+        </p:nvSpPr>
+        <p:spPr>
+          <a:xfrm>
+            <a:off x="9133235" y="3246789"/>
+            <a:ext cx="172082" cy="1285461"/>
+          </a:xfrm>
+          <a:prstGeom prst="rect">
+            <a:avLst/>
+          </a:prstGeom>
+          <a:solidFill>
+            <a:schemeClr val="accent4">
+              <a:lumMod val="60000"/>
+              <a:lumOff val="40000"/>
+            </a:schemeClr>
+          </a:solidFill>
+          <a:ln>
+            <a:noFill/>
+          </a:ln>
+        </p:spPr>
+        <p:style>
+          <a:lnRef idx="2">
+            <a:schemeClr val="accent1">
+              <a:shade val="50000"/>
+            </a:schemeClr>
+          </a:lnRef>
+          <a:fillRef idx="1">
+            <a:schemeClr val="accent1"/>
+          </a:fillRef>
+          <a:effectRef idx="0">
+            <a:schemeClr val="accent1"/>
+          </a:effectRef>
+          <a:fontRef idx="minor">
+            <a:schemeClr val="lt1"/>
+          </a:fontRef>
+        </p:style>
+        <p:txBody>
+          <a:bodyPr rtlCol="0" anchor="ctr"/>
+          <a:lstStyle/>
+          <a:p>
+            <a:pPr algn="ctr"/>
+            <a:endParaRPr lang="en-IN"/>
+          </a:p>
+        </p:txBody>
+      </p:sp>
+      <p:cxnSp>
+        <p:nvCxnSpPr>
+          <p:cNvPr id="104" name="Straight Arrow Connector 103">
+            <a:extLst>
+              <a:ext uri="{FF2B5EF4-FFF2-40B4-BE49-F238E27FC236}">
+                <a16:creationId xmlns:a16="http://schemas.microsoft.com/office/drawing/2014/main" id="{8364910E-73A6-41AD-979C-D0AB3B4C8468}"/>
+              </a:ext>
+            </a:extLst>
+          </p:cNvPr>
+          <p:cNvCxnSpPr>
+            <a:stCxn id="102" idx="3"/>
+          </p:cNvCxnSpPr>
+          <p:nvPr/>
+        </p:nvCxnSpPr>
+        <p:spPr>
+          <a:xfrm>
+            <a:off x="9305317" y="3889520"/>
+            <a:ext cx="421779" cy="9922"/>
+          </a:xfrm>
+          <a:prstGeom prst="straightConnector1">
+            <a:avLst/>
+          </a:prstGeom>
+          <a:ln>
+            <a:tailEnd type="triangle"/>
+          </a:ln>
+        </p:spPr>
+        <p:style>
+          <a:lnRef idx="1">
+            <a:schemeClr val="accent2"/>
+          </a:lnRef>
+          <a:fillRef idx="0">
+            <a:schemeClr val="accent2"/>
+          </a:fillRef>
+          <a:effectRef idx="0">
+            <a:schemeClr val="accent2"/>
+          </a:effectRef>
+          <a:fontRef idx="minor">
+            <a:schemeClr val="tx1"/>
+          </a:fontRef>
+        </p:style>
+      </p:cxnSp>
+      <p:sp>
+        <p:nvSpPr>
+          <p:cNvPr id="105" name="TextBox 104">
+            <a:extLst>
+              <a:ext uri="{FF2B5EF4-FFF2-40B4-BE49-F238E27FC236}">
+                <a16:creationId xmlns:a16="http://schemas.microsoft.com/office/drawing/2014/main" id="{BA7145C0-61FF-4A2E-BDF4-E6E4E09B89CF}"/>
+              </a:ext>
+            </a:extLst>
+          </p:cNvPr>
+          <p:cNvSpPr txBox="1"/>
+          <p:nvPr/>
+        </p:nvSpPr>
+        <p:spPr>
+          <a:xfrm>
+            <a:off x="9450896" y="3323117"/>
+            <a:ext cx="2186608" cy="646331"/>
+          </a:xfrm>
+          <a:prstGeom prst="rect">
+            <a:avLst/>
+          </a:prstGeom>
+          <a:noFill/>
+        </p:spPr>
+        <p:txBody>
+          <a:bodyPr wrap="square" rtlCol="0">
+            <a:spAutoFit/>
+          </a:bodyPr>
+          <a:lstStyle/>
+          <a:p>
+            <a:pPr algn="ctr"/>
+            <a:r>
+              <a:rPr lang="en-US" dirty="0"/>
+              <a:t>Reconstructed Output</a:t>
+            </a:r>
+            <a:endParaRPr lang="en-IN" dirty="0"/>
+          </a:p>
+        </p:txBody>
+      </p:sp>
+      <p:sp>
+        <p:nvSpPr>
+          <p:cNvPr id="114" name="TextBox 113">
+            <a:extLst>
+              <a:ext uri="{FF2B5EF4-FFF2-40B4-BE49-F238E27FC236}">
+                <a16:creationId xmlns:a16="http://schemas.microsoft.com/office/drawing/2014/main" id="{4BBF0CD1-C336-45B8-AD25-0733D37FBD0B}"/>
+              </a:ext>
+            </a:extLst>
+          </p:cNvPr>
+          <p:cNvSpPr txBox="1"/>
+          <p:nvPr/>
+        </p:nvSpPr>
+        <p:spPr>
+          <a:xfrm>
+            <a:off x="2150137" y="6088223"/>
+            <a:ext cx="1504117" cy="553998"/>
+          </a:xfrm>
+          <a:prstGeom prst="rect">
+            <a:avLst/>
+          </a:prstGeom>
+          <a:noFill/>
+        </p:spPr>
+        <p:txBody>
+          <a:bodyPr wrap="square" rtlCol="0">
+            <a:spAutoFit/>
+          </a:bodyPr>
+          <a:lstStyle/>
+          <a:p>
+            <a:pPr algn="ctr"/>
+            <a:r>
+              <a:rPr lang="en-US" sz="1500" dirty="0">
+                <a:latin typeface="Times New Roman" panose="02020603050405020304" pitchFamily="18" charset="0"/>
+                <a:cs typeface="Times New Roman" panose="02020603050405020304" pitchFamily="18" charset="0"/>
+              </a:rPr>
+              <a:t>Probabilistic Encoders</a:t>
+            </a:r>
+            <a:endParaRPr lang="en-IN" sz="1500" dirty="0">
+              <a:latin typeface="Times New Roman" panose="02020603050405020304" pitchFamily="18" charset="0"/>
+              <a:cs typeface="Times New Roman" panose="02020603050405020304" pitchFamily="18" charset="0"/>
+            </a:endParaRPr>
+          </a:p>
+        </p:txBody>
+      </p:sp>
+      <p:sp>
+        <p:nvSpPr>
+          <p:cNvPr id="115" name="TextBox 114">
+            <a:extLst>
+              <a:ext uri="{FF2B5EF4-FFF2-40B4-BE49-F238E27FC236}">
+                <a16:creationId xmlns:a16="http://schemas.microsoft.com/office/drawing/2014/main" id="{15F8C206-350D-4D83-8AD6-CFFA2D7B2194}"/>
+              </a:ext>
+            </a:extLst>
+          </p:cNvPr>
+          <p:cNvSpPr txBox="1"/>
+          <p:nvPr/>
+        </p:nvSpPr>
+        <p:spPr>
+          <a:xfrm>
+            <a:off x="7941496" y="4701199"/>
+            <a:ext cx="1331580" cy="553998"/>
+          </a:xfrm>
+          <a:prstGeom prst="rect">
+            <a:avLst/>
+          </a:prstGeom>
+          <a:noFill/>
+        </p:spPr>
+        <p:txBody>
+          <a:bodyPr wrap="square" rtlCol="0">
+            <a:spAutoFit/>
+          </a:bodyPr>
+          <a:lstStyle/>
+          <a:p>
+            <a:pPr algn="ctr"/>
+            <a:r>
+              <a:rPr lang="en-US" sz="1500" dirty="0">
+                <a:latin typeface="Times New Roman" panose="02020603050405020304" pitchFamily="18" charset="0"/>
+                <a:cs typeface="Times New Roman" panose="02020603050405020304" pitchFamily="18" charset="0"/>
+              </a:rPr>
+              <a:t>Probabilistic Decoder</a:t>
+            </a:r>
+            <a:endParaRPr lang="en-IN" sz="1500" dirty="0">
+              <a:latin typeface="Times New Roman" panose="02020603050405020304" pitchFamily="18" charset="0"/>
+              <a:cs typeface="Times New Roman" panose="02020603050405020304" pitchFamily="18" charset="0"/>
+            </a:endParaRPr>
+          </a:p>
+        </p:txBody>
+      </p:sp>
+      <p:pic>
+        <p:nvPicPr>
+          <p:cNvPr id="116" name="Picture 115">
+            <a:extLst>
+              <a:ext uri="{FF2B5EF4-FFF2-40B4-BE49-F238E27FC236}">
+                <a16:creationId xmlns:a16="http://schemas.microsoft.com/office/drawing/2014/main" id="{741060B7-0859-475D-9153-B894829E9321}"/>
+              </a:ext>
+            </a:extLst>
+          </p:cNvPr>
+          <p:cNvPicPr>
+            <a:picLocks noChangeAspect="1"/>
+          </p:cNvPicPr>
+          <p:nvPr/>
+        </p:nvPicPr>
+        <p:blipFill>
+          <a:blip r:embed="rId2"/>
+          <a:stretch>
+            <a:fillRect/>
+          </a:stretch>
+        </p:blipFill>
+        <p:spPr>
+          <a:xfrm>
+            <a:off x="5580020" y="1048631"/>
+            <a:ext cx="6615316" cy="851476"/>
+          </a:xfrm>
+          <a:prstGeom prst="rect">
+            <a:avLst/>
+          </a:prstGeom>
+        </p:spPr>
+      </p:pic>
+      <p:sp>
+        <p:nvSpPr>
+          <p:cNvPr id="3" name="TextBox 2">
+            <a:extLst>
+              <a:ext uri="{FF2B5EF4-FFF2-40B4-BE49-F238E27FC236}">
+                <a16:creationId xmlns:a16="http://schemas.microsoft.com/office/drawing/2014/main" id="{46CC1F59-5B82-4613-80B4-F0352C454771}"/>
+              </a:ext>
+            </a:extLst>
+          </p:cNvPr>
+          <p:cNvSpPr txBox="1"/>
+          <p:nvPr/>
+        </p:nvSpPr>
+        <p:spPr>
+          <a:xfrm>
+            <a:off x="4991961" y="5883127"/>
+            <a:ext cx="1176117" cy="584775"/>
+          </a:xfrm>
+          <a:prstGeom prst="rect">
+            <a:avLst/>
+          </a:prstGeom>
+          <a:noFill/>
+        </p:spPr>
+        <p:txBody>
+          <a:bodyPr wrap="square" rtlCol="0">
+            <a:spAutoFit/>
+          </a:bodyPr>
+          <a:lstStyle/>
+          <a:p>
+            <a:pPr algn="ctr"/>
+            <a:r>
+              <a:rPr lang="en-US" sz="1600" dirty="0">
+                <a:latin typeface="Times New Roman" panose="02020603050405020304" pitchFamily="18" charset="0"/>
+                <a:cs typeface="Times New Roman" panose="02020603050405020304" pitchFamily="18" charset="0"/>
+              </a:rPr>
+              <a:t>Product of Experts</a:t>
+            </a:r>
+            <a:endParaRPr lang="en-IN" sz="1600" dirty="0">
+              <a:latin typeface="Times New Roman" panose="02020603050405020304" pitchFamily="18" charset="0"/>
+              <a:cs typeface="Times New Roman" panose="02020603050405020304" pitchFamily="18" charset="0"/>
+            </a:endParaRPr>
+          </a:p>
+        </p:txBody>
+      </p:sp>
+      <mc:AlternateContent xmlns:mc="http://schemas.openxmlformats.org/markup-compatibility/2006">
+        <mc:Choice xmlns:a14="http://schemas.microsoft.com/office/drawing/2010/main" Requires="a14">
+          <p:sp>
+            <p:nvSpPr>
+              <p:cNvPr id="62" name="TextBox 61">
+                <a:extLst>
+                  <a:ext uri="{FF2B5EF4-FFF2-40B4-BE49-F238E27FC236}">
+                    <a16:creationId xmlns:a16="http://schemas.microsoft.com/office/drawing/2014/main" id="{7EDA7B1D-22D0-4033-9A25-65C05F0200B5}"/>
+                  </a:ext>
+                </a:extLst>
+              </p:cNvPr>
+              <p:cNvSpPr txBox="1"/>
+              <p:nvPr/>
+            </p:nvSpPr>
+            <p:spPr>
+              <a:xfrm>
+                <a:off x="8030772" y="3621984"/>
+                <a:ext cx="1331580" cy="400110"/>
+              </a:xfrm>
+              <a:prstGeom prst="rect">
+                <a:avLst/>
+              </a:prstGeom>
+              <a:noFill/>
+            </p:spPr>
+            <p:txBody>
+              <a:bodyPr wrap="square" rtlCol="0">
+                <a:spAutoFit/>
+              </a:bodyPr>
+              <a:lstStyle/>
+              <a:p>
+                <a:pPr algn="ctr"/>
+                <a14:m>
+                  <m:oMathPara xmlns:m="http://schemas.openxmlformats.org/officeDocument/2006/math">
+                    <m:oMathParaPr>
+                      <m:jc m:val="centerGroup"/>
+                    </m:oMathParaPr>
+                    <m:oMath xmlns:m="http://schemas.openxmlformats.org/officeDocument/2006/math">
+                      <m:sSub>
+                        <m:sSubPr>
+                          <m:ctrlPr>
+                            <a:rPr lang="en-US" sz="2000" b="0" i="1" smtClean="0">
+                              <a:latin typeface="Cambria Math" panose="02040503050406030204" pitchFamily="18" charset="0"/>
+                              <a:ea typeface="Cambria Math" panose="02040503050406030204" pitchFamily="18" charset="0"/>
+                              <a:cs typeface="Times New Roman" panose="02020603050405020304" pitchFamily="18" charset="0"/>
+                            </a:rPr>
+                          </m:ctrlPr>
+                        </m:sSubPr>
+                        <m:e>
+                          <m:r>
+                            <a:rPr lang="en-US" sz="2000" b="0" i="1" smtClean="0">
+                              <a:latin typeface="Cambria Math" panose="02040503050406030204" pitchFamily="18" charset="0"/>
+                              <a:ea typeface="Cambria Math" panose="02040503050406030204" pitchFamily="18" charset="0"/>
+                              <a:cs typeface="Times New Roman" panose="02020603050405020304" pitchFamily="18" charset="0"/>
+                            </a:rPr>
+                            <m:t>𝑝</m:t>
+                          </m:r>
+                        </m:e>
+                        <m:sub>
+                          <m:r>
+                            <a:rPr lang="en-US" sz="2000" b="0" i="1" smtClean="0">
+                              <a:latin typeface="Cambria Math" panose="02040503050406030204" pitchFamily="18" charset="0"/>
+                              <a:ea typeface="Cambria Math" panose="02040503050406030204" pitchFamily="18" charset="0"/>
+                              <a:cs typeface="Times New Roman" panose="02020603050405020304" pitchFamily="18" charset="0"/>
+                            </a:rPr>
+                            <m:t>𝜃</m:t>
+                          </m:r>
+                        </m:sub>
+                      </m:sSub>
+                    </m:oMath>
+                  </m:oMathPara>
+                </a14:m>
+                <a:endParaRPr lang="en-US" sz="2000" b="0" dirty="0">
+                  <a:latin typeface="Times New Roman" panose="02020603050405020304" pitchFamily="18" charset="0"/>
+                  <a:ea typeface="Cambria Math" panose="02040503050406030204" pitchFamily="18" charset="0"/>
+                  <a:cs typeface="Times New Roman" panose="02020603050405020304" pitchFamily="18" charset="0"/>
+                </a:endParaRPr>
+              </a:p>
+            </p:txBody>
+          </p:sp>
+        </mc:Choice>
+        <mc:Fallback>
+          <p:sp>
+            <p:nvSpPr>
+              <p:cNvPr id="62" name="TextBox 61">
+                <a:extLst>
+                  <a:ext uri="{FF2B5EF4-FFF2-40B4-BE49-F238E27FC236}">
+                    <a16:creationId xmlns:a16="http://schemas.microsoft.com/office/drawing/2014/main" id="{7EDA7B1D-22D0-4033-9A25-65C05F0200B5}"/>
+                  </a:ext>
+                </a:extLst>
+              </p:cNvPr>
+              <p:cNvSpPr txBox="1">
+                <a:spLocks noRot="1" noChangeAspect="1" noMove="1" noResize="1" noEditPoints="1" noAdjustHandles="1" noChangeArrowheads="1" noChangeShapeType="1" noTextEdit="1"/>
+              </p:cNvSpPr>
+              <p:nvPr/>
+            </p:nvSpPr>
+            <p:spPr>
+              <a:xfrm>
+                <a:off x="8030772" y="3621984"/>
+                <a:ext cx="1331580" cy="400110"/>
+              </a:xfrm>
+              <a:prstGeom prst="rect">
+                <a:avLst/>
+              </a:prstGeom>
+              <a:blipFill>
+                <a:blip r:embed="rId3"/>
+                <a:stretch>
+                  <a:fillRect b="-9091"/>
+                </a:stretch>
+              </a:blipFill>
+            </p:spPr>
+            <p:txBody>
+              <a:bodyPr/>
+              <a:lstStyle/>
+              <a:p>
+                <a:r>
+                  <a:rPr lang="en-IN">
+                    <a:noFill/>
+                  </a:rPr>
+                  <a:t> </a:t>
+                </a:r>
+              </a:p>
+            </p:txBody>
+          </p:sp>
+        </mc:Fallback>
+      </mc:AlternateContent>
+      <mc:AlternateContent xmlns:mc="http://schemas.openxmlformats.org/markup-compatibility/2006">
+        <mc:Choice xmlns:a14="http://schemas.microsoft.com/office/drawing/2010/main" Requires="a14">
+          <p:sp>
+            <p:nvSpPr>
+              <p:cNvPr id="8" name="TextBox 7">
+                <a:extLst>
+                  <a:ext uri="{FF2B5EF4-FFF2-40B4-BE49-F238E27FC236}">
+                    <a16:creationId xmlns:a16="http://schemas.microsoft.com/office/drawing/2014/main" id="{F16462DA-E9C0-4039-B06B-15B13329350A}"/>
+                  </a:ext>
+                </a:extLst>
+              </p:cNvPr>
+              <p:cNvSpPr txBox="1"/>
+              <p:nvPr/>
+            </p:nvSpPr>
+            <p:spPr>
+              <a:xfrm>
+                <a:off x="2690143" y="1880149"/>
+                <a:ext cx="178925" cy="373307"/>
+              </a:xfrm>
+              <a:prstGeom prst="rect">
+                <a:avLst/>
+              </a:prstGeom>
+              <a:noFill/>
+            </p:spPr>
+            <p:txBody>
+              <a:bodyPr wrap="square" rtlCol="0">
+                <a:spAutoFit/>
+              </a:bodyPr>
+              <a:lstStyle/>
+              <a:p>
+                <a14:m>
+                  <m:oMathPara xmlns:m="http://schemas.openxmlformats.org/officeDocument/2006/math">
+                    <m:oMathParaPr>
+                      <m:jc m:val="centerGroup"/>
+                    </m:oMathParaPr>
+                    <m:oMath xmlns:m="http://schemas.openxmlformats.org/officeDocument/2006/math">
+                      <m:sSub>
+                        <m:sSubPr>
+                          <m:ctrlPr>
+                            <a:rPr lang="en-US" b="0" i="1" smtClean="0">
+                              <a:latin typeface="Cambria Math" panose="02040503050406030204" pitchFamily="18" charset="0"/>
+                            </a:rPr>
+                          </m:ctrlPr>
+                        </m:sSubPr>
+                        <m:e>
+                          <m:r>
+                            <a:rPr lang="en-US" b="0" i="1" smtClean="0">
+                              <a:latin typeface="Cambria Math" panose="02040503050406030204" pitchFamily="18" charset="0"/>
+                            </a:rPr>
+                            <m:t>𝑞</m:t>
+                          </m:r>
+                        </m:e>
+                        <m:sub>
+                          <m:r>
+                            <a:rPr lang="en-US" b="0" i="1" smtClean="0">
+                              <a:latin typeface="Cambria Math" panose="02040503050406030204" pitchFamily="18" charset="0"/>
+                              <a:ea typeface="Cambria Math" panose="02040503050406030204" pitchFamily="18" charset="0"/>
+                            </a:rPr>
+                            <m:t>∅</m:t>
+                          </m:r>
+                        </m:sub>
+                      </m:sSub>
+                    </m:oMath>
+                  </m:oMathPara>
+                </a14:m>
+                <a:endParaRPr lang="en-US" b="0" dirty="0">
+                  <a:ea typeface="Cambria Math" panose="02040503050406030204" pitchFamily="18" charset="0"/>
+                </a:endParaRPr>
+              </a:p>
+            </p:txBody>
+          </p:sp>
+        </mc:Choice>
+        <mc:Fallback>
+          <p:sp>
+            <p:nvSpPr>
+              <p:cNvPr id="8" name="TextBox 7">
+                <a:extLst>
+                  <a:ext uri="{FF2B5EF4-FFF2-40B4-BE49-F238E27FC236}">
+                    <a16:creationId xmlns:a16="http://schemas.microsoft.com/office/drawing/2014/main" id="{F16462DA-E9C0-4039-B06B-15B13329350A}"/>
+                  </a:ext>
+                </a:extLst>
+              </p:cNvPr>
+              <p:cNvSpPr txBox="1">
+                <a:spLocks noRot="1" noChangeAspect="1" noMove="1" noResize="1" noEditPoints="1" noAdjustHandles="1" noChangeArrowheads="1" noChangeShapeType="1" noTextEdit="1"/>
+              </p:cNvSpPr>
+              <p:nvPr/>
+            </p:nvSpPr>
+            <p:spPr>
+              <a:xfrm>
+                <a:off x="2690143" y="1880149"/>
+                <a:ext cx="178925" cy="373307"/>
+              </a:xfrm>
+              <a:prstGeom prst="rect">
+                <a:avLst/>
+              </a:prstGeom>
+              <a:blipFill>
+                <a:blip r:embed="rId4"/>
+                <a:stretch>
+                  <a:fillRect r="-110000" b="-6452"/>
+                </a:stretch>
+              </a:blipFill>
+            </p:spPr>
+            <p:txBody>
+              <a:bodyPr/>
+              <a:lstStyle/>
+              <a:p>
+                <a:r>
+                  <a:rPr lang="en-IN">
+                    <a:noFill/>
+                  </a:rPr>
+                  <a:t> </a:t>
+                </a:r>
+              </a:p>
+            </p:txBody>
+          </p:sp>
+        </mc:Fallback>
+      </mc:AlternateContent>
+      <mc:AlternateContent xmlns:mc="http://schemas.openxmlformats.org/markup-compatibility/2006">
+        <mc:Choice xmlns:a14="http://schemas.microsoft.com/office/drawing/2010/main" Requires="a14">
+          <p:sp>
+            <p:nvSpPr>
+              <p:cNvPr id="64" name="TextBox 63">
+                <a:extLst>
+                  <a:ext uri="{FF2B5EF4-FFF2-40B4-BE49-F238E27FC236}">
+                    <a16:creationId xmlns:a16="http://schemas.microsoft.com/office/drawing/2014/main" id="{61CBDB51-290A-4B4F-9ADC-17ED6ED43B85}"/>
+                  </a:ext>
+                </a:extLst>
+              </p:cNvPr>
+              <p:cNvSpPr txBox="1"/>
+              <p:nvPr/>
+            </p:nvSpPr>
+            <p:spPr>
+              <a:xfrm>
+                <a:off x="2630533" y="3159923"/>
+                <a:ext cx="178925" cy="373307"/>
+              </a:xfrm>
+              <a:prstGeom prst="rect">
+                <a:avLst/>
+              </a:prstGeom>
+              <a:noFill/>
+            </p:spPr>
+            <p:txBody>
+              <a:bodyPr wrap="square" rtlCol="0">
+                <a:spAutoFit/>
+              </a:bodyPr>
+              <a:lstStyle/>
+              <a:p>
+                <a14:m>
+                  <m:oMathPara xmlns:m="http://schemas.openxmlformats.org/officeDocument/2006/math">
+                    <m:oMathParaPr>
+                      <m:jc m:val="centerGroup"/>
+                    </m:oMathParaPr>
+                    <m:oMath xmlns:m="http://schemas.openxmlformats.org/officeDocument/2006/math">
+                      <m:sSub>
+                        <m:sSubPr>
+                          <m:ctrlPr>
+                            <a:rPr lang="en-US" b="0" i="1" smtClean="0">
+                              <a:latin typeface="Cambria Math" panose="02040503050406030204" pitchFamily="18" charset="0"/>
+                            </a:rPr>
+                          </m:ctrlPr>
+                        </m:sSubPr>
+                        <m:e>
+                          <m:r>
+                            <a:rPr lang="en-US" b="0" i="1" smtClean="0">
+                              <a:latin typeface="Cambria Math" panose="02040503050406030204" pitchFamily="18" charset="0"/>
+                            </a:rPr>
+                            <m:t>𝑞</m:t>
+                          </m:r>
+                        </m:e>
+                        <m:sub>
+                          <m:r>
+                            <a:rPr lang="en-US" b="0" i="1" smtClean="0">
+                              <a:latin typeface="Cambria Math" panose="02040503050406030204" pitchFamily="18" charset="0"/>
+                              <a:ea typeface="Cambria Math" panose="02040503050406030204" pitchFamily="18" charset="0"/>
+                            </a:rPr>
+                            <m:t>∅</m:t>
+                          </m:r>
+                        </m:sub>
+                      </m:sSub>
+                    </m:oMath>
+                  </m:oMathPara>
+                </a14:m>
+                <a:endParaRPr lang="en-US" b="0" dirty="0">
+                  <a:ea typeface="Cambria Math" panose="02040503050406030204" pitchFamily="18" charset="0"/>
+                </a:endParaRPr>
+              </a:p>
+            </p:txBody>
+          </p:sp>
+        </mc:Choice>
+        <mc:Fallback>
+          <p:sp>
+            <p:nvSpPr>
+              <p:cNvPr id="64" name="TextBox 63">
+                <a:extLst>
+                  <a:ext uri="{FF2B5EF4-FFF2-40B4-BE49-F238E27FC236}">
+                    <a16:creationId xmlns:a16="http://schemas.microsoft.com/office/drawing/2014/main" id="{61CBDB51-290A-4B4F-9ADC-17ED6ED43B85}"/>
+                  </a:ext>
+                </a:extLst>
+              </p:cNvPr>
+              <p:cNvSpPr txBox="1">
+                <a:spLocks noRot="1" noChangeAspect="1" noMove="1" noResize="1" noEditPoints="1" noAdjustHandles="1" noChangeArrowheads="1" noChangeShapeType="1" noTextEdit="1"/>
+              </p:cNvSpPr>
+              <p:nvPr/>
+            </p:nvSpPr>
+            <p:spPr>
+              <a:xfrm>
+                <a:off x="2630533" y="3159923"/>
+                <a:ext cx="178925" cy="373307"/>
+              </a:xfrm>
+              <a:prstGeom prst="rect">
+                <a:avLst/>
+              </a:prstGeom>
+              <a:blipFill>
+                <a:blip r:embed="rId5"/>
+                <a:stretch>
+                  <a:fillRect r="-117241" b="-6452"/>
+                </a:stretch>
+              </a:blipFill>
+            </p:spPr>
+            <p:txBody>
+              <a:bodyPr/>
+              <a:lstStyle/>
+              <a:p>
+                <a:r>
+                  <a:rPr lang="en-IN">
+                    <a:noFill/>
+                  </a:rPr>
+                  <a:t> </a:t>
+                </a:r>
+              </a:p>
+            </p:txBody>
+          </p:sp>
+        </mc:Fallback>
+      </mc:AlternateContent>
+      <mc:AlternateContent xmlns:mc="http://schemas.openxmlformats.org/markup-compatibility/2006">
+        <mc:Choice xmlns:a14="http://schemas.microsoft.com/office/drawing/2010/main" Requires="a14">
+          <p:sp>
+            <p:nvSpPr>
+              <p:cNvPr id="66" name="TextBox 65">
+                <a:extLst>
+                  <a:ext uri="{FF2B5EF4-FFF2-40B4-BE49-F238E27FC236}">
+                    <a16:creationId xmlns:a16="http://schemas.microsoft.com/office/drawing/2014/main" id="{CD65BAF5-FE6D-4E48-98D6-D3218331828E}"/>
+                  </a:ext>
+                </a:extLst>
+              </p:cNvPr>
+              <p:cNvSpPr txBox="1"/>
+              <p:nvPr/>
+            </p:nvSpPr>
+            <p:spPr>
+              <a:xfrm>
+                <a:off x="2657012" y="5345079"/>
+                <a:ext cx="178925" cy="373307"/>
+              </a:xfrm>
+              <a:prstGeom prst="rect">
+                <a:avLst/>
+              </a:prstGeom>
+              <a:noFill/>
+            </p:spPr>
+            <p:txBody>
+              <a:bodyPr wrap="square" rtlCol="0">
+                <a:spAutoFit/>
+              </a:bodyPr>
+              <a:lstStyle/>
+              <a:p>
+                <a14:m>
+                  <m:oMathPara xmlns:m="http://schemas.openxmlformats.org/officeDocument/2006/math">
+                    <m:oMathParaPr>
+                      <m:jc m:val="centerGroup"/>
+                    </m:oMathParaPr>
+                    <m:oMath xmlns:m="http://schemas.openxmlformats.org/officeDocument/2006/math">
+                      <m:sSub>
+                        <m:sSubPr>
+                          <m:ctrlPr>
+                            <a:rPr lang="en-US" b="0" i="1" smtClean="0">
+                              <a:latin typeface="Cambria Math" panose="02040503050406030204" pitchFamily="18" charset="0"/>
+                            </a:rPr>
+                          </m:ctrlPr>
+                        </m:sSubPr>
+                        <m:e>
+                          <m:r>
+                            <a:rPr lang="en-US" b="0" i="1" smtClean="0">
+                              <a:latin typeface="Cambria Math" panose="02040503050406030204" pitchFamily="18" charset="0"/>
+                            </a:rPr>
+                            <m:t>𝑞</m:t>
+                          </m:r>
+                        </m:e>
+                        <m:sub>
+                          <m:r>
+                            <a:rPr lang="en-US" b="0" i="1" smtClean="0">
+                              <a:latin typeface="Cambria Math" panose="02040503050406030204" pitchFamily="18" charset="0"/>
+                              <a:ea typeface="Cambria Math" panose="02040503050406030204" pitchFamily="18" charset="0"/>
+                            </a:rPr>
+                            <m:t>∅</m:t>
+                          </m:r>
+                        </m:sub>
+                      </m:sSub>
+                    </m:oMath>
+                  </m:oMathPara>
+                </a14:m>
+                <a:endParaRPr lang="en-US" b="0" dirty="0">
+                  <a:ea typeface="Cambria Math" panose="02040503050406030204" pitchFamily="18" charset="0"/>
+                </a:endParaRPr>
+              </a:p>
+            </p:txBody>
+          </p:sp>
+        </mc:Choice>
+        <mc:Fallback>
+          <p:sp>
+            <p:nvSpPr>
+              <p:cNvPr id="66" name="TextBox 65">
+                <a:extLst>
+                  <a:ext uri="{FF2B5EF4-FFF2-40B4-BE49-F238E27FC236}">
+                    <a16:creationId xmlns:a16="http://schemas.microsoft.com/office/drawing/2014/main" id="{CD65BAF5-FE6D-4E48-98D6-D3218331828E}"/>
+                  </a:ext>
+                </a:extLst>
+              </p:cNvPr>
+              <p:cNvSpPr txBox="1">
+                <a:spLocks noRot="1" noChangeAspect="1" noMove="1" noResize="1" noEditPoints="1" noAdjustHandles="1" noChangeArrowheads="1" noChangeShapeType="1" noTextEdit="1"/>
+              </p:cNvSpPr>
+              <p:nvPr/>
+            </p:nvSpPr>
+            <p:spPr>
+              <a:xfrm>
+                <a:off x="2657012" y="5345079"/>
+                <a:ext cx="178925" cy="373307"/>
+              </a:xfrm>
+              <a:prstGeom prst="rect">
+                <a:avLst/>
+              </a:prstGeom>
+              <a:blipFill>
+                <a:blip r:embed="rId6"/>
+                <a:stretch>
+                  <a:fillRect r="-117241" b="-6557"/>
+                </a:stretch>
+              </a:blipFill>
+            </p:spPr>
+            <p:txBody>
+              <a:bodyPr/>
+              <a:lstStyle/>
+              <a:p>
+                <a:r>
+                  <a:rPr lang="en-IN">
+                    <a:noFill/>
+                  </a:rPr>
+                  <a:t> </a:t>
+                </a:r>
+              </a:p>
+            </p:txBody>
+          </p:sp>
+        </mc:Fallback>
+      </mc:AlternateContent>
+      <p:sp>
+        <p:nvSpPr>
+          <p:cNvPr id="67" name="TextBox 66">
+            <a:extLst>
+              <a:ext uri="{FF2B5EF4-FFF2-40B4-BE49-F238E27FC236}">
+                <a16:creationId xmlns:a16="http://schemas.microsoft.com/office/drawing/2014/main" id="{31A8B07B-1B2B-4CF7-9CB4-304E7D691184}"/>
+              </a:ext>
+            </a:extLst>
+          </p:cNvPr>
+          <p:cNvSpPr txBox="1"/>
+          <p:nvPr/>
+        </p:nvSpPr>
+        <p:spPr>
+          <a:xfrm>
+            <a:off x="173528" y="1266681"/>
+            <a:ext cx="2377514" cy="307777"/>
+          </a:xfrm>
+          <a:prstGeom prst="rect">
+            <a:avLst/>
+          </a:prstGeom>
+          <a:noFill/>
+        </p:spPr>
+        <p:txBody>
+          <a:bodyPr wrap="square" rtlCol="0">
+            <a:spAutoFit/>
+          </a:bodyPr>
+          <a:lstStyle/>
+          <a:p>
+            <a:r>
+              <a:rPr lang="en-US" sz="1400" dirty="0">
+                <a:latin typeface="Times New Roman" panose="02020603050405020304" pitchFamily="18" charset="0"/>
+                <a:cs typeface="Times New Roman" panose="02020603050405020304" pitchFamily="18" charset="0"/>
+              </a:rPr>
+              <a:t>x1, x2, ..xM – M modalities</a:t>
+            </a:r>
+            <a:endParaRPr lang="en-IN" sz="1400" dirty="0">
+              <a:latin typeface="Times New Roman" panose="02020603050405020304" pitchFamily="18" charset="0"/>
+              <a:cs typeface="Times New Roman" panose="02020603050405020304" pitchFamily="18" charset="0"/>
+            </a:endParaRPr>
+          </a:p>
+        </p:txBody>
+      </p:sp>
+    </p:spTree>
+    <p:extLst>
+      <p:ext uri="{BB962C8B-B14F-4D97-AF65-F5344CB8AC3E}">
+        <p14:creationId xmlns:p14="http://schemas.microsoft.com/office/powerpoint/2010/main" val="1041367255"/>
+      </p:ext>
+    </p:extLst>
+  </p:cSld>
+  <p:clrMapOvr>
+    <a:masterClrMapping/>
+  </p:clrMapOvr>
+</p:sld>
+</file>
+
+<file path=ppt/slides/slide11.xml><?xml version="1.0" encoding="utf-8"?>
+<p:sld xmlns:a="http://schemas.openxmlformats.org/drawingml/2006/main" xmlns:r="http://schemas.openxmlformats.org/officeDocument/2006/relationships" xmlns:p="http://schemas.openxmlformats.org/presentationml/2006/main">
+  <p:cSld>
+    <p:spTree>
+      <p:nvGrpSpPr>
+        <p:cNvPr id="1" name=""/>
+        <p:cNvGrpSpPr/>
+        <p:nvPr/>
+      </p:nvGrpSpPr>
+      <p:grpSpPr>
+        <a:xfrm>
+          <a:off x="0" y="0"/>
+          <a:ext cx="0" cy="0"/>
+          <a:chOff x="0" y="0"/>
+          <a:chExt cx="0" cy="0"/>
+        </a:xfrm>
+      </p:grpSpPr>
+      <mc:AlternateContent xmlns:mc="http://schemas.openxmlformats.org/markup-compatibility/2006">
+        <mc:Choice xmlns:a14="http://schemas.microsoft.com/office/drawing/2010/main" Requires="a14">
+          <p:sp>
+            <p:nvSpPr>
+              <p:cNvPr id="3" name="Content Placeholder 2">
+                <a:extLst>
+                  <a:ext uri="{FF2B5EF4-FFF2-40B4-BE49-F238E27FC236}">
+                    <a16:creationId xmlns:a16="http://schemas.microsoft.com/office/drawing/2014/main" id="{00E4F001-F3F3-4C37-A7F2-C043387A13C9}"/>
+                  </a:ext>
+                </a:extLst>
+              </p:cNvPr>
+              <p:cNvSpPr>
+                <a:spLocks noGrp="1"/>
+              </p:cNvSpPr>
+              <p:nvPr>
+                <p:ph idx="1"/>
+              </p:nvPr>
+            </p:nvSpPr>
+            <p:spPr>
+              <a:xfrm>
+                <a:off x="838200" y="367886"/>
+                <a:ext cx="10515600" cy="599523"/>
+              </a:xfrm>
+            </p:spPr>
+            <p:txBody>
+              <a:bodyPr/>
+              <a:lstStyle/>
+              <a:p>
+                <a:r>
+                  <a:rPr lang="en-IN" sz="2500" dirty="0">
+                    <a:effectLst/>
+                    <a:latin typeface="Times New Roman" panose="02020603050405020304" pitchFamily="18" charset="0"/>
+                    <a:ea typeface="Calibri" panose="020F0502020204030204" pitchFamily="34" charset="0"/>
+                    <a:cs typeface="Times New Roman" panose="02020603050405020304" pitchFamily="18" charset="0"/>
+                  </a:rPr>
+                  <a:t>L(θ, φ; x</a:t>
+                </a:r>
+                <a:r>
+                  <a:rPr lang="en-IN" sz="2500" baseline="30000" dirty="0">
+                    <a:effectLst/>
+                    <a:latin typeface="Times New Roman" panose="02020603050405020304" pitchFamily="18" charset="0"/>
+                    <a:ea typeface="Calibri" panose="020F0502020204030204" pitchFamily="34" charset="0"/>
+                    <a:cs typeface="Times New Roman" panose="02020603050405020304" pitchFamily="18" charset="0"/>
+                  </a:rPr>
+                  <a:t>(i)</a:t>
+                </a:r>
+                <a:r>
+                  <a:rPr lang="en-IN" sz="2500" dirty="0">
+                    <a:effectLst/>
+                    <a:latin typeface="Times New Roman" panose="02020603050405020304" pitchFamily="18" charset="0"/>
+                    <a:ea typeface="Calibri" panose="020F0502020204030204" pitchFamily="34" charset="0"/>
+                    <a:cs typeface="Times New Roman" panose="02020603050405020304" pitchFamily="18" charset="0"/>
+                  </a:rPr>
+                  <a:t> ) = −D</a:t>
+                </a:r>
+                <a:r>
+                  <a:rPr lang="en-IN" sz="2500" baseline="-25000" dirty="0">
+                    <a:effectLst/>
+                    <a:latin typeface="Times New Roman" panose="02020603050405020304" pitchFamily="18" charset="0"/>
+                    <a:ea typeface="Calibri" panose="020F0502020204030204" pitchFamily="34" charset="0"/>
+                    <a:cs typeface="Times New Roman" panose="02020603050405020304" pitchFamily="18" charset="0"/>
+                  </a:rPr>
+                  <a:t>KL</a:t>
+                </a:r>
+                <a:r>
+                  <a:rPr lang="en-IN" sz="2500" dirty="0">
+                    <a:effectLst/>
+                    <a:latin typeface="Times New Roman" panose="02020603050405020304" pitchFamily="18" charset="0"/>
+                    <a:ea typeface="Calibri" panose="020F0502020204030204" pitchFamily="34" charset="0"/>
+                    <a:cs typeface="Times New Roman" panose="02020603050405020304" pitchFamily="18" charset="0"/>
+                  </a:rPr>
+                  <a:t>(</a:t>
+                </a:r>
+                <a:r>
+                  <a:rPr lang="en-IN" sz="2500" dirty="0" err="1">
+                    <a:effectLst/>
+                    <a:latin typeface="Times New Roman" panose="02020603050405020304" pitchFamily="18" charset="0"/>
+                    <a:ea typeface="Calibri" panose="020F0502020204030204" pitchFamily="34" charset="0"/>
+                    <a:cs typeface="Times New Roman" panose="02020603050405020304" pitchFamily="18" charset="0"/>
+                  </a:rPr>
+                  <a:t>q</a:t>
+                </a:r>
+                <a:r>
+                  <a:rPr lang="en-IN" sz="2500" baseline="-25000" dirty="0" err="1">
+                    <a:effectLst/>
+                    <a:latin typeface="Times New Roman" panose="02020603050405020304" pitchFamily="18" charset="0"/>
+                    <a:ea typeface="Calibri" panose="020F0502020204030204" pitchFamily="34" charset="0"/>
+                    <a:cs typeface="Times New Roman" panose="02020603050405020304" pitchFamily="18" charset="0"/>
+                  </a:rPr>
+                  <a:t>φ</a:t>
+                </a:r>
+                <a:r>
+                  <a:rPr lang="en-IN" sz="2500" dirty="0">
+                    <a:effectLst/>
+                    <a:latin typeface="Times New Roman" panose="02020603050405020304" pitchFamily="18" charset="0"/>
+                    <a:ea typeface="Calibri" panose="020F0502020204030204" pitchFamily="34" charset="0"/>
+                    <a:cs typeface="Times New Roman" panose="02020603050405020304" pitchFamily="18" charset="0"/>
+                  </a:rPr>
+                  <a:t>(z |x , </a:t>
+                </a:r>
+                <a:r>
+                  <a:rPr lang="en-IN" sz="2500" dirty="0">
+                    <a:latin typeface="Times New Roman" panose="02020603050405020304" pitchFamily="18" charset="0"/>
+                    <a:ea typeface="Calibri" panose="020F0502020204030204" pitchFamily="34" charset="0"/>
+                    <a:cs typeface="Times New Roman" panose="02020603050405020304" pitchFamily="18" charset="0"/>
+                  </a:rPr>
+                  <a:t>C</a:t>
+                </a:r>
+                <a:r>
+                  <a:rPr lang="en-IN" sz="2500" dirty="0">
+                    <a:effectLst/>
+                    <a:latin typeface="Times New Roman" panose="02020603050405020304" pitchFamily="18" charset="0"/>
+                    <a:ea typeface="Calibri" panose="020F0502020204030204" pitchFamily="34" charset="0"/>
+                    <a:cs typeface="Times New Roman" panose="02020603050405020304" pitchFamily="18" charset="0"/>
+                  </a:rPr>
+                  <a:t>)|| </a:t>
+                </a:r>
+                <a:r>
+                  <a:rPr lang="en-IN" sz="2500" dirty="0" err="1">
+                    <a:effectLst/>
+                    <a:latin typeface="Times New Roman" panose="02020603050405020304" pitchFamily="18" charset="0"/>
+                    <a:ea typeface="Calibri" panose="020F0502020204030204" pitchFamily="34" charset="0"/>
+                    <a:cs typeface="Times New Roman" panose="02020603050405020304" pitchFamily="18" charset="0"/>
+                  </a:rPr>
+                  <a:t>p</a:t>
+                </a:r>
+                <a:r>
+                  <a:rPr lang="en-IN" sz="2500" baseline="-25000" dirty="0" err="1">
+                    <a:effectLst/>
+                    <a:latin typeface="Times New Roman" panose="02020603050405020304" pitchFamily="18" charset="0"/>
+                    <a:ea typeface="Calibri" panose="020F0502020204030204" pitchFamily="34" charset="0"/>
+                    <a:cs typeface="Times New Roman" panose="02020603050405020304" pitchFamily="18" charset="0"/>
+                  </a:rPr>
+                  <a:t>θ</a:t>
+                </a:r>
+                <a:r>
+                  <a:rPr lang="en-IN" sz="2500" dirty="0">
+                    <a:effectLst/>
+                    <a:latin typeface="Times New Roman" panose="02020603050405020304" pitchFamily="18" charset="0"/>
+                    <a:ea typeface="Calibri" panose="020F0502020204030204" pitchFamily="34" charset="0"/>
+                    <a:cs typeface="Times New Roman" panose="02020603050405020304" pitchFamily="18" charset="0"/>
+                  </a:rPr>
+                  <a:t>(z)) + </a:t>
+                </a:r>
+                <a14:m>
+                  <m:oMath xmlns:m="http://schemas.openxmlformats.org/officeDocument/2006/math">
+                    <m:sSub>
+                      <m:sSubPr>
+                        <m:ctrlPr>
+                          <a:rPr lang="en-US" sz="2500" b="0" i="1" smtClean="0">
+                            <a:effectLst/>
+                            <a:latin typeface="Cambria Math" panose="02040503050406030204" pitchFamily="18" charset="0"/>
+                            <a:ea typeface="Calibri" panose="020F0502020204030204" pitchFamily="34" charset="0"/>
+                            <a:cs typeface="Times New Roman" panose="02020603050405020304" pitchFamily="18" charset="0"/>
+                          </a:rPr>
+                        </m:ctrlPr>
+                      </m:sSubPr>
+                      <m:e>
+                        <m:r>
+                          <m:rPr>
+                            <m:sty m:val="p"/>
+                          </m:rPr>
+                          <a:rPr lang="en-US" sz="2500" b="0" i="0" smtClean="0">
+                            <a:effectLst/>
+                            <a:latin typeface="Cambria Math" panose="02040503050406030204" pitchFamily="18" charset="0"/>
+                            <a:ea typeface="Calibri" panose="020F0502020204030204" pitchFamily="34" charset="0"/>
+                            <a:cs typeface="Times New Roman" panose="02020603050405020304" pitchFamily="18" charset="0"/>
+                          </a:rPr>
+                          <m:t>Σ</m:t>
+                        </m:r>
+                      </m:e>
+                      <m:sub>
+                        <m:r>
+                          <a:rPr lang="en-US" sz="2500" b="0" i="1" smtClean="0">
+                            <a:effectLst/>
+                            <a:latin typeface="Cambria Math" panose="02040503050406030204" pitchFamily="18" charset="0"/>
+                            <a:ea typeface="Calibri" panose="020F0502020204030204" pitchFamily="34" charset="0"/>
+                            <a:cs typeface="Times New Roman" panose="02020603050405020304" pitchFamily="18" charset="0"/>
+                          </a:rPr>
+                          <m:t>𝑘</m:t>
+                        </m:r>
+                      </m:sub>
+                    </m:sSub>
+                  </m:oMath>
+                </a14:m>
+                <a:r>
+                  <a:rPr lang="en-US" sz="2500" dirty="0">
+                    <a:latin typeface="Times New Roman" panose="02020603050405020304" pitchFamily="18" charset="0"/>
+                    <a:ea typeface="Calibri" panose="020F0502020204030204" pitchFamily="34" charset="0"/>
+                    <a:cs typeface="Times New Roman" panose="02020603050405020304" pitchFamily="18" charset="0"/>
+                  </a:rPr>
+                  <a:t> </a:t>
+                </a:r>
+                <a:r>
+                  <a:rPr lang="en-IN" sz="2500" dirty="0" err="1">
+                    <a:effectLst/>
+                    <a:latin typeface="Times New Roman" panose="02020603050405020304" pitchFamily="18" charset="0"/>
+                    <a:ea typeface="Calibri" panose="020F0502020204030204" pitchFamily="34" charset="0"/>
+                    <a:cs typeface="Times New Roman" panose="02020603050405020304" pitchFamily="18" charset="0"/>
+                  </a:rPr>
+                  <a:t>E</a:t>
+                </a:r>
+                <a:r>
+                  <a:rPr lang="en-IN" sz="2500" baseline="-25000" dirty="0" err="1">
+                    <a:effectLst/>
+                    <a:latin typeface="Times New Roman" panose="02020603050405020304" pitchFamily="18" charset="0"/>
+                    <a:ea typeface="Calibri" panose="020F0502020204030204" pitchFamily="34" charset="0"/>
+                    <a:cs typeface="Times New Roman" panose="02020603050405020304" pitchFamily="18" charset="0"/>
+                  </a:rPr>
+                  <a:t>qφ</a:t>
+                </a:r>
+                <a:r>
+                  <a:rPr lang="en-IN" sz="2500" baseline="-25000" dirty="0">
+                    <a:effectLst/>
+                    <a:latin typeface="Times New Roman" panose="02020603050405020304" pitchFamily="18" charset="0"/>
+                    <a:ea typeface="Calibri" panose="020F0502020204030204" pitchFamily="34" charset="0"/>
+                    <a:cs typeface="Times New Roman" panose="02020603050405020304" pitchFamily="18" charset="0"/>
+                  </a:rPr>
+                  <a:t>(</a:t>
+                </a:r>
+                <a:r>
+                  <a:rPr lang="en-IN" sz="2500" baseline="-25000" dirty="0" err="1">
+                    <a:effectLst/>
+                    <a:latin typeface="Times New Roman" panose="02020603050405020304" pitchFamily="18" charset="0"/>
+                    <a:ea typeface="Calibri" panose="020F0502020204030204" pitchFamily="34" charset="0"/>
+                    <a:cs typeface="Times New Roman" panose="02020603050405020304" pitchFamily="18" charset="0"/>
+                  </a:rPr>
+                  <a:t>z|x</a:t>
+                </a:r>
+                <a:r>
+                  <a:rPr lang="en-IN" sz="2500" baseline="-25000" dirty="0">
+                    <a:effectLst/>
+                    <a:latin typeface="Times New Roman" panose="02020603050405020304" pitchFamily="18" charset="0"/>
+                    <a:ea typeface="Calibri" panose="020F0502020204030204" pitchFamily="34" charset="0"/>
+                    <a:cs typeface="Times New Roman" panose="02020603050405020304" pitchFamily="18" charset="0"/>
+                  </a:rPr>
+                  <a:t>(i))</a:t>
+                </a:r>
+                <a:r>
+                  <a:rPr lang="en-IN" sz="2500" dirty="0">
+                    <a:effectLst/>
+                    <a:latin typeface="Times New Roman" panose="02020603050405020304" pitchFamily="18" charset="0"/>
+                    <a:ea typeface="Calibri" panose="020F0502020204030204" pitchFamily="34" charset="0"/>
+                    <a:cs typeface="Times New Roman" panose="02020603050405020304" pitchFamily="18" charset="0"/>
+                  </a:rPr>
+                  <a:t> [log </a:t>
+                </a:r>
+                <a:r>
+                  <a:rPr lang="en-IN" sz="2500" dirty="0" err="1">
+                    <a:effectLst/>
+                    <a:latin typeface="Times New Roman" panose="02020603050405020304" pitchFamily="18" charset="0"/>
+                    <a:ea typeface="Calibri" panose="020F0502020204030204" pitchFamily="34" charset="0"/>
+                    <a:cs typeface="Times New Roman" panose="02020603050405020304" pitchFamily="18" charset="0"/>
+                  </a:rPr>
+                  <a:t>p</a:t>
+                </a:r>
+                <a:r>
+                  <a:rPr lang="en-IN" sz="2500" baseline="-25000" dirty="0" err="1">
+                    <a:effectLst/>
+                    <a:latin typeface="Times New Roman" panose="02020603050405020304" pitchFamily="18" charset="0"/>
+                    <a:ea typeface="Calibri" panose="020F0502020204030204" pitchFamily="34" charset="0"/>
+                    <a:cs typeface="Times New Roman" panose="02020603050405020304" pitchFamily="18" charset="0"/>
+                  </a:rPr>
+                  <a:t>θ</a:t>
+                </a:r>
+                <a:r>
+                  <a:rPr lang="en-IN" sz="2500" dirty="0">
+                    <a:effectLst/>
+                    <a:latin typeface="Times New Roman" panose="02020603050405020304" pitchFamily="18" charset="0"/>
+                    <a:ea typeface="Calibri" panose="020F0502020204030204" pitchFamily="34" charset="0"/>
+                    <a:cs typeface="Times New Roman" panose="02020603050405020304" pitchFamily="18" charset="0"/>
+                  </a:rPr>
+                  <a:t>(x</a:t>
+                </a:r>
+                <a:r>
+                  <a:rPr lang="en-IN" sz="2500" baseline="30000" dirty="0">
+                    <a:effectLst/>
+                    <a:latin typeface="Times New Roman" panose="02020603050405020304" pitchFamily="18" charset="0"/>
+                    <a:ea typeface="Calibri" panose="020F0502020204030204" pitchFamily="34" charset="0"/>
+                    <a:cs typeface="Times New Roman" panose="02020603050405020304" pitchFamily="18" charset="0"/>
+                  </a:rPr>
+                  <a:t>(k)</a:t>
+                </a:r>
+                <a:r>
+                  <a:rPr lang="en-IN" sz="2500" dirty="0">
+                    <a:effectLst/>
+                    <a:latin typeface="Times New Roman" panose="02020603050405020304" pitchFamily="18" charset="0"/>
+                    <a:ea typeface="Calibri" panose="020F0502020204030204" pitchFamily="34" charset="0"/>
+                    <a:cs typeface="Times New Roman" panose="02020603050405020304" pitchFamily="18" charset="0"/>
+                  </a:rPr>
+                  <a:t> |z, c) ]</a:t>
+                </a:r>
+              </a:p>
+              <a:p>
+                <a:pPr marL="0" indent="0">
+                  <a:buNone/>
+                </a:pPr>
+                <a:endParaRPr lang="en-IN" dirty="0"/>
+              </a:p>
+            </p:txBody>
+          </p:sp>
+        </mc:Choice>
+        <mc:Fallback>
+          <p:sp>
+            <p:nvSpPr>
+              <p:cNvPr id="3" name="Content Placeholder 2">
+                <a:extLst>
+                  <a:ext uri="{FF2B5EF4-FFF2-40B4-BE49-F238E27FC236}">
+                    <a16:creationId xmlns:a16="http://schemas.microsoft.com/office/drawing/2014/main" id="{00E4F001-F3F3-4C37-A7F2-C043387A13C9}"/>
+                  </a:ext>
+                </a:extLst>
+              </p:cNvPr>
+              <p:cNvSpPr>
+                <a:spLocks noGrp="1" noRot="1" noChangeAspect="1" noMove="1" noResize="1" noEditPoints="1" noAdjustHandles="1" noChangeArrowheads="1" noChangeShapeType="1" noTextEdit="1"/>
+              </p:cNvSpPr>
+              <p:nvPr>
+                <p:ph idx="1"/>
+              </p:nvPr>
+            </p:nvSpPr>
+            <p:spPr>
+              <a:xfrm>
+                <a:off x="838200" y="367886"/>
+                <a:ext cx="10515600" cy="599523"/>
+              </a:xfrm>
+              <a:blipFill>
+                <a:blip r:embed="rId2"/>
+                <a:stretch>
+                  <a:fillRect l="-870" t="-14141"/>
+                </a:stretch>
+              </a:blipFill>
+            </p:spPr>
+            <p:txBody>
+              <a:bodyPr/>
+              <a:lstStyle/>
+              <a:p>
+                <a:r>
+                  <a:rPr lang="en-IN">
+                    <a:noFill/>
+                  </a:rPr>
+                  <a:t> </a:t>
+                </a:r>
+              </a:p>
+            </p:txBody>
+          </p:sp>
+        </mc:Fallback>
+      </mc:AlternateContent>
+      <p:sp>
+        <p:nvSpPr>
+          <p:cNvPr id="4" name="Trapezoid 3">
+            <a:extLst>
+              <a:ext uri="{FF2B5EF4-FFF2-40B4-BE49-F238E27FC236}">
+                <a16:creationId xmlns:a16="http://schemas.microsoft.com/office/drawing/2014/main" id="{A183A761-7965-45FF-AC2F-E6C5B642F3B3}"/>
+              </a:ext>
+            </a:extLst>
+          </p:cNvPr>
+          <p:cNvSpPr/>
+          <p:nvPr/>
+        </p:nvSpPr>
+        <p:spPr>
+          <a:xfrm rot="5400000">
+            <a:off x="2232991" y="1775793"/>
+            <a:ext cx="1205948" cy="569843"/>
+          </a:xfrm>
+          <a:prstGeom prst="trapezoid">
+            <a:avLst/>
+          </a:prstGeom>
+          <a:solidFill>
+            <a:schemeClr val="accent1">
+              <a:lumMod val="40000"/>
+              <a:lumOff val="60000"/>
+            </a:schemeClr>
+          </a:solidFill>
+          <a:ln>
+            <a:noFill/>
+          </a:ln>
+        </p:spPr>
+        <p:style>
+          <a:lnRef idx="2">
+            <a:schemeClr val="accent1">
+              <a:shade val="50000"/>
+            </a:schemeClr>
+          </a:lnRef>
+          <a:fillRef idx="1">
+            <a:schemeClr val="accent1"/>
+          </a:fillRef>
+          <a:effectRef idx="0">
+            <a:schemeClr val="accent1"/>
+          </a:effectRef>
+          <a:fontRef idx="minor">
+            <a:schemeClr val="lt1"/>
+          </a:fontRef>
+        </p:style>
+        <p:txBody>
+          <a:bodyPr rtlCol="0" anchor="ctr"/>
+          <a:lstStyle/>
+          <a:p>
+            <a:pPr algn="ctr"/>
+            <a:endParaRPr lang="en-IN"/>
+          </a:p>
+        </p:txBody>
+      </p:sp>
+      <p:sp>
+        <p:nvSpPr>
+          <p:cNvPr id="5" name="Trapezoid 4">
+            <a:extLst>
+              <a:ext uri="{FF2B5EF4-FFF2-40B4-BE49-F238E27FC236}">
+                <a16:creationId xmlns:a16="http://schemas.microsoft.com/office/drawing/2014/main" id="{CDF7A17B-6668-493C-BEB4-36518C1E38E2}"/>
+              </a:ext>
+            </a:extLst>
+          </p:cNvPr>
+          <p:cNvSpPr/>
+          <p:nvPr/>
+        </p:nvSpPr>
+        <p:spPr>
+          <a:xfrm rot="5400000">
+            <a:off x="2232991" y="3067884"/>
+            <a:ext cx="1205948" cy="569843"/>
+          </a:xfrm>
+          <a:prstGeom prst="trapezoid">
+            <a:avLst/>
+          </a:prstGeom>
+          <a:solidFill>
+            <a:schemeClr val="accent1">
+              <a:lumMod val="40000"/>
+              <a:lumOff val="60000"/>
+            </a:schemeClr>
+          </a:solidFill>
+          <a:ln>
+            <a:noFill/>
+          </a:ln>
+        </p:spPr>
+        <p:style>
+          <a:lnRef idx="2">
+            <a:schemeClr val="accent1">
+              <a:shade val="50000"/>
+            </a:schemeClr>
+          </a:lnRef>
+          <a:fillRef idx="1">
+            <a:schemeClr val="accent1"/>
+          </a:fillRef>
+          <a:effectRef idx="0">
+            <a:schemeClr val="accent1"/>
+          </a:effectRef>
+          <a:fontRef idx="minor">
+            <a:schemeClr val="lt1"/>
+          </a:fontRef>
+        </p:style>
+        <p:txBody>
+          <a:bodyPr rtlCol="0" anchor="ctr"/>
+          <a:lstStyle/>
+          <a:p>
+            <a:pPr algn="ctr"/>
+            <a:endParaRPr lang="en-IN"/>
+          </a:p>
+        </p:txBody>
+      </p:sp>
+      <p:sp>
+        <p:nvSpPr>
+          <p:cNvPr id="6" name="Trapezoid 5">
+            <a:extLst>
+              <a:ext uri="{FF2B5EF4-FFF2-40B4-BE49-F238E27FC236}">
+                <a16:creationId xmlns:a16="http://schemas.microsoft.com/office/drawing/2014/main" id="{0088EDD2-04B5-4CDB-B519-7C6795733389}"/>
+              </a:ext>
+            </a:extLst>
+          </p:cNvPr>
+          <p:cNvSpPr/>
+          <p:nvPr/>
+        </p:nvSpPr>
+        <p:spPr>
+          <a:xfrm rot="5400000">
+            <a:off x="2232991" y="5287619"/>
+            <a:ext cx="1205948" cy="569843"/>
+          </a:xfrm>
+          <a:prstGeom prst="trapezoid">
+            <a:avLst/>
+          </a:prstGeom>
+          <a:solidFill>
+            <a:schemeClr val="accent1">
+              <a:lumMod val="40000"/>
+              <a:lumOff val="60000"/>
+            </a:schemeClr>
+          </a:solidFill>
+          <a:ln>
+            <a:noFill/>
+          </a:ln>
+        </p:spPr>
+        <p:style>
+          <a:lnRef idx="2">
+            <a:schemeClr val="accent1">
+              <a:shade val="50000"/>
+            </a:schemeClr>
+          </a:lnRef>
+          <a:fillRef idx="1">
+            <a:schemeClr val="accent1"/>
+          </a:fillRef>
+          <a:effectRef idx="0">
+            <a:schemeClr val="accent1"/>
+          </a:effectRef>
+          <a:fontRef idx="minor">
+            <a:schemeClr val="lt1"/>
+          </a:fontRef>
+        </p:style>
+        <p:txBody>
+          <a:bodyPr rtlCol="0" anchor="ctr"/>
+          <a:lstStyle/>
+          <a:p>
+            <a:pPr algn="ctr"/>
+            <a:endParaRPr lang="en-IN"/>
+          </a:p>
+        </p:txBody>
+      </p:sp>
+      <p:cxnSp>
+        <p:nvCxnSpPr>
+          <p:cNvPr id="7" name="Straight Connector 6">
+            <a:extLst>
+              <a:ext uri="{FF2B5EF4-FFF2-40B4-BE49-F238E27FC236}">
+                <a16:creationId xmlns:a16="http://schemas.microsoft.com/office/drawing/2014/main" id="{AB494F29-9D28-4E7F-AF81-12CEE069B40B}"/>
+              </a:ext>
+            </a:extLst>
+          </p:cNvPr>
+          <p:cNvCxnSpPr>
+            <a:cxnSpLocks/>
+          </p:cNvCxnSpPr>
+          <p:nvPr/>
+        </p:nvCxnSpPr>
+        <p:spPr>
+          <a:xfrm flipH="1" flipV="1">
+            <a:off x="1842052" y="1967950"/>
+            <a:ext cx="708992" cy="1"/>
+          </a:xfrm>
+          <a:prstGeom prst="line">
+            <a:avLst/>
+          </a:prstGeom>
+        </p:spPr>
+        <p:style>
+          <a:lnRef idx="1">
+            <a:schemeClr val="accent2"/>
+          </a:lnRef>
+          <a:fillRef idx="0">
+            <a:schemeClr val="accent2"/>
+          </a:fillRef>
+          <a:effectRef idx="0">
+            <a:schemeClr val="accent2"/>
+          </a:effectRef>
+          <a:fontRef idx="minor">
+            <a:schemeClr val="tx1"/>
+          </a:fontRef>
+        </p:style>
+      </p:cxnSp>
+      <p:cxnSp>
+        <p:nvCxnSpPr>
+          <p:cNvPr id="8" name="Straight Connector 7">
+            <a:extLst>
+              <a:ext uri="{FF2B5EF4-FFF2-40B4-BE49-F238E27FC236}">
+                <a16:creationId xmlns:a16="http://schemas.microsoft.com/office/drawing/2014/main" id="{7AB5F92B-1BFB-480A-83FE-F22E05FF981F}"/>
+              </a:ext>
+            </a:extLst>
+          </p:cNvPr>
+          <p:cNvCxnSpPr>
+            <a:cxnSpLocks/>
+          </p:cNvCxnSpPr>
+          <p:nvPr/>
+        </p:nvCxnSpPr>
+        <p:spPr>
+          <a:xfrm flipH="1" flipV="1">
+            <a:off x="1842051" y="5493028"/>
+            <a:ext cx="708992" cy="1"/>
+          </a:xfrm>
+          <a:prstGeom prst="line">
+            <a:avLst/>
+          </a:prstGeom>
+        </p:spPr>
+        <p:style>
+          <a:lnRef idx="1">
+            <a:schemeClr val="accent2"/>
+          </a:lnRef>
+          <a:fillRef idx="0">
+            <a:schemeClr val="accent2"/>
+          </a:fillRef>
+          <a:effectRef idx="0">
+            <a:schemeClr val="accent2"/>
+          </a:effectRef>
+          <a:fontRef idx="minor">
+            <a:schemeClr val="tx1"/>
+          </a:fontRef>
+        </p:style>
+      </p:cxnSp>
+      <p:cxnSp>
+        <p:nvCxnSpPr>
+          <p:cNvPr id="9" name="Straight Connector 8">
+            <a:extLst>
+              <a:ext uri="{FF2B5EF4-FFF2-40B4-BE49-F238E27FC236}">
+                <a16:creationId xmlns:a16="http://schemas.microsoft.com/office/drawing/2014/main" id="{5E9E2F84-DFAE-46C2-A91C-055C44F47B71}"/>
+              </a:ext>
+            </a:extLst>
+          </p:cNvPr>
+          <p:cNvCxnSpPr>
+            <a:cxnSpLocks/>
+          </p:cNvCxnSpPr>
+          <p:nvPr/>
+        </p:nvCxnSpPr>
+        <p:spPr>
+          <a:xfrm flipH="1" flipV="1">
+            <a:off x="1842051" y="3299797"/>
+            <a:ext cx="708992" cy="1"/>
+          </a:xfrm>
+          <a:prstGeom prst="line">
+            <a:avLst/>
+          </a:prstGeom>
+        </p:spPr>
+        <p:style>
+          <a:lnRef idx="1">
+            <a:schemeClr val="accent2"/>
+          </a:lnRef>
+          <a:fillRef idx="0">
+            <a:schemeClr val="accent2"/>
+          </a:fillRef>
+          <a:effectRef idx="0">
+            <a:schemeClr val="accent2"/>
+          </a:effectRef>
+          <a:fontRef idx="minor">
+            <a:schemeClr val="tx1"/>
+          </a:fontRef>
+        </p:style>
+      </p:cxnSp>
+      <p:sp>
+        <p:nvSpPr>
+          <p:cNvPr id="10" name="Rectangle 9">
+            <a:extLst>
+              <a:ext uri="{FF2B5EF4-FFF2-40B4-BE49-F238E27FC236}">
+                <a16:creationId xmlns:a16="http://schemas.microsoft.com/office/drawing/2014/main" id="{22CE7427-B103-46D4-AFE1-1F260BBA5657}"/>
+              </a:ext>
+            </a:extLst>
+          </p:cNvPr>
+          <p:cNvSpPr/>
+          <p:nvPr/>
+        </p:nvSpPr>
+        <p:spPr>
+          <a:xfrm>
+            <a:off x="3200399" y="1603511"/>
+            <a:ext cx="139148" cy="901146"/>
+          </a:xfrm>
+          <a:prstGeom prst="rect">
+            <a:avLst/>
+          </a:prstGeom>
+          <a:solidFill>
+            <a:schemeClr val="accent6">
+              <a:lumMod val="40000"/>
+              <a:lumOff val="60000"/>
+            </a:schemeClr>
+          </a:solidFill>
+          <a:ln>
+            <a:noFill/>
+          </a:ln>
+        </p:spPr>
+        <p:style>
+          <a:lnRef idx="2">
+            <a:schemeClr val="accent1">
+              <a:shade val="50000"/>
+            </a:schemeClr>
+          </a:lnRef>
+          <a:fillRef idx="1">
+            <a:schemeClr val="accent1"/>
+          </a:fillRef>
+          <a:effectRef idx="0">
+            <a:schemeClr val="accent1"/>
+          </a:effectRef>
+          <a:fontRef idx="minor">
+            <a:schemeClr val="lt1"/>
+          </a:fontRef>
+        </p:style>
+        <p:txBody>
+          <a:bodyPr rtlCol="0" anchor="ctr"/>
+          <a:lstStyle/>
+          <a:p>
+            <a:pPr algn="ctr"/>
+            <a:endParaRPr lang="en-IN"/>
+          </a:p>
+        </p:txBody>
+      </p:sp>
+      <p:sp>
+        <p:nvSpPr>
+          <p:cNvPr id="11" name="Rectangle 10">
+            <a:extLst>
+              <a:ext uri="{FF2B5EF4-FFF2-40B4-BE49-F238E27FC236}">
+                <a16:creationId xmlns:a16="http://schemas.microsoft.com/office/drawing/2014/main" id="{24074F09-442B-4825-87E3-B290B953C9FF}"/>
+              </a:ext>
+            </a:extLst>
+          </p:cNvPr>
+          <p:cNvSpPr/>
+          <p:nvPr/>
+        </p:nvSpPr>
+        <p:spPr>
+          <a:xfrm>
+            <a:off x="3200399" y="5121967"/>
+            <a:ext cx="139148" cy="901146"/>
+          </a:xfrm>
+          <a:prstGeom prst="rect">
+            <a:avLst/>
+          </a:prstGeom>
+          <a:solidFill>
+            <a:schemeClr val="accent6">
+              <a:lumMod val="40000"/>
+              <a:lumOff val="60000"/>
+            </a:schemeClr>
+          </a:solidFill>
+          <a:ln>
+            <a:noFill/>
+          </a:ln>
+        </p:spPr>
+        <p:style>
+          <a:lnRef idx="2">
+            <a:schemeClr val="accent1">
+              <a:shade val="50000"/>
+            </a:schemeClr>
+          </a:lnRef>
+          <a:fillRef idx="1">
+            <a:schemeClr val="accent1"/>
+          </a:fillRef>
+          <a:effectRef idx="0">
+            <a:schemeClr val="accent1"/>
+          </a:effectRef>
+          <a:fontRef idx="minor">
+            <a:schemeClr val="lt1"/>
+          </a:fontRef>
+        </p:style>
+        <p:txBody>
+          <a:bodyPr rtlCol="0" anchor="ctr"/>
+          <a:lstStyle/>
+          <a:p>
+            <a:pPr algn="ctr"/>
+            <a:endParaRPr lang="en-IN"/>
+          </a:p>
+        </p:txBody>
+      </p:sp>
+      <p:sp>
+        <p:nvSpPr>
+          <p:cNvPr id="12" name="Rectangle 11">
+            <a:extLst>
+              <a:ext uri="{FF2B5EF4-FFF2-40B4-BE49-F238E27FC236}">
+                <a16:creationId xmlns:a16="http://schemas.microsoft.com/office/drawing/2014/main" id="{93A63EEC-8963-402E-A6AD-0E92F494276A}"/>
+              </a:ext>
+            </a:extLst>
+          </p:cNvPr>
+          <p:cNvSpPr/>
+          <p:nvPr/>
+        </p:nvSpPr>
+        <p:spPr>
+          <a:xfrm>
+            <a:off x="3200399" y="2902232"/>
+            <a:ext cx="139148" cy="901146"/>
+          </a:xfrm>
+          <a:prstGeom prst="rect">
+            <a:avLst/>
+          </a:prstGeom>
+          <a:solidFill>
+            <a:schemeClr val="accent6">
+              <a:lumMod val="40000"/>
+              <a:lumOff val="60000"/>
+            </a:schemeClr>
+          </a:solidFill>
+          <a:ln>
+            <a:noFill/>
+          </a:ln>
+        </p:spPr>
+        <p:style>
+          <a:lnRef idx="2">
+            <a:schemeClr val="accent1">
+              <a:shade val="50000"/>
+            </a:schemeClr>
+          </a:lnRef>
+          <a:fillRef idx="1">
+            <a:schemeClr val="accent1"/>
+          </a:fillRef>
+          <a:effectRef idx="0">
+            <a:schemeClr val="accent1"/>
+          </a:effectRef>
+          <a:fontRef idx="minor">
+            <a:schemeClr val="lt1"/>
+          </a:fontRef>
+        </p:style>
+        <p:txBody>
+          <a:bodyPr rtlCol="0" anchor="ctr"/>
+          <a:lstStyle/>
+          <a:p>
+            <a:pPr algn="ctr"/>
+            <a:endParaRPr lang="en-IN"/>
+          </a:p>
+        </p:txBody>
+      </p:sp>
+      <p:sp>
+        <p:nvSpPr>
+          <p:cNvPr id="13" name="TextBox 12">
+            <a:extLst>
+              <a:ext uri="{FF2B5EF4-FFF2-40B4-BE49-F238E27FC236}">
+                <a16:creationId xmlns:a16="http://schemas.microsoft.com/office/drawing/2014/main" id="{A6D01372-8AAA-42DE-B2CC-15FA468912D4}"/>
+              </a:ext>
+            </a:extLst>
+          </p:cNvPr>
+          <p:cNvSpPr txBox="1"/>
+          <p:nvPr/>
+        </p:nvSpPr>
+        <p:spPr>
+          <a:xfrm>
+            <a:off x="1712640" y="1565488"/>
+            <a:ext cx="490331" cy="369332"/>
+          </a:xfrm>
+          <a:prstGeom prst="rect">
+            <a:avLst/>
+          </a:prstGeom>
+          <a:noFill/>
+        </p:spPr>
+        <p:txBody>
+          <a:bodyPr wrap="square" rtlCol="0">
+            <a:spAutoFit/>
+          </a:bodyPr>
+          <a:lstStyle/>
+          <a:p>
+            <a:r>
+              <a:rPr lang="en-US" dirty="0">
+                <a:latin typeface="Times New Roman" panose="02020603050405020304" pitchFamily="18" charset="0"/>
+                <a:cs typeface="Times New Roman" panose="02020603050405020304" pitchFamily="18" charset="0"/>
+              </a:rPr>
+              <a:t>x1</a:t>
+            </a:r>
+            <a:endParaRPr lang="en-IN" dirty="0">
+              <a:latin typeface="Times New Roman" panose="02020603050405020304" pitchFamily="18" charset="0"/>
+              <a:cs typeface="Times New Roman" panose="02020603050405020304" pitchFamily="18" charset="0"/>
+            </a:endParaRPr>
+          </a:p>
+        </p:txBody>
+      </p:sp>
+      <p:sp>
+        <p:nvSpPr>
+          <p:cNvPr id="14" name="TextBox 13">
+            <a:extLst>
+              <a:ext uri="{FF2B5EF4-FFF2-40B4-BE49-F238E27FC236}">
+                <a16:creationId xmlns:a16="http://schemas.microsoft.com/office/drawing/2014/main" id="{8EFC5F0D-B2BD-43DC-B59E-5DB315DF0D71}"/>
+              </a:ext>
+            </a:extLst>
+          </p:cNvPr>
+          <p:cNvSpPr txBox="1"/>
+          <p:nvPr/>
+        </p:nvSpPr>
+        <p:spPr>
+          <a:xfrm>
+            <a:off x="1659678" y="5027043"/>
+            <a:ext cx="543341" cy="369332"/>
+          </a:xfrm>
+          <a:prstGeom prst="rect">
+            <a:avLst/>
+          </a:prstGeom>
+          <a:noFill/>
+        </p:spPr>
+        <p:txBody>
+          <a:bodyPr wrap="square" rtlCol="0">
+            <a:spAutoFit/>
+          </a:bodyPr>
+          <a:lstStyle/>
+          <a:p>
+            <a:r>
+              <a:rPr lang="en-US" dirty="0" err="1">
+                <a:latin typeface="Times New Roman" panose="02020603050405020304" pitchFamily="18" charset="0"/>
+                <a:cs typeface="Times New Roman" panose="02020603050405020304" pitchFamily="18" charset="0"/>
+              </a:rPr>
+              <a:t>xK</a:t>
+            </a:r>
+            <a:endParaRPr lang="en-IN" dirty="0">
+              <a:latin typeface="Times New Roman" panose="02020603050405020304" pitchFamily="18" charset="0"/>
+              <a:cs typeface="Times New Roman" panose="02020603050405020304" pitchFamily="18" charset="0"/>
+            </a:endParaRPr>
+          </a:p>
+        </p:txBody>
+      </p:sp>
+      <p:sp>
+        <p:nvSpPr>
+          <p:cNvPr id="15" name="TextBox 14">
+            <a:extLst>
+              <a:ext uri="{FF2B5EF4-FFF2-40B4-BE49-F238E27FC236}">
+                <a16:creationId xmlns:a16="http://schemas.microsoft.com/office/drawing/2014/main" id="{321794AB-D24B-45DB-808D-CDB871E228E1}"/>
+              </a:ext>
+            </a:extLst>
+          </p:cNvPr>
+          <p:cNvSpPr txBox="1"/>
+          <p:nvPr/>
+        </p:nvSpPr>
+        <p:spPr>
+          <a:xfrm>
+            <a:off x="1696250" y="2906408"/>
+            <a:ext cx="490331" cy="369332"/>
+          </a:xfrm>
+          <a:prstGeom prst="rect">
+            <a:avLst/>
+          </a:prstGeom>
+          <a:noFill/>
+        </p:spPr>
+        <p:txBody>
+          <a:bodyPr wrap="square" rtlCol="0">
+            <a:spAutoFit/>
+          </a:bodyPr>
+          <a:lstStyle/>
+          <a:p>
+            <a:r>
+              <a:rPr lang="en-US" dirty="0">
+                <a:latin typeface="Times New Roman" panose="02020603050405020304" pitchFamily="18" charset="0"/>
+                <a:cs typeface="Times New Roman" panose="02020603050405020304" pitchFamily="18" charset="0"/>
+              </a:rPr>
+              <a:t>x2</a:t>
+            </a:r>
+            <a:endParaRPr lang="en-IN" dirty="0">
+              <a:latin typeface="Times New Roman" panose="02020603050405020304" pitchFamily="18" charset="0"/>
+              <a:cs typeface="Times New Roman" panose="02020603050405020304" pitchFamily="18" charset="0"/>
+            </a:endParaRPr>
+          </a:p>
+        </p:txBody>
+      </p:sp>
+      <p:sp>
+        <p:nvSpPr>
+          <p:cNvPr id="16" name="Rectangle 15">
+            <a:extLst>
+              <a:ext uri="{FF2B5EF4-FFF2-40B4-BE49-F238E27FC236}">
+                <a16:creationId xmlns:a16="http://schemas.microsoft.com/office/drawing/2014/main" id="{AD33334B-1D7A-469B-951E-9B6AC1DECD4E}"/>
+              </a:ext>
+            </a:extLst>
+          </p:cNvPr>
+          <p:cNvSpPr/>
+          <p:nvPr/>
+        </p:nvSpPr>
+        <p:spPr>
+          <a:xfrm>
+            <a:off x="4041913" y="1661487"/>
+            <a:ext cx="318052" cy="311429"/>
+          </a:xfrm>
+          <a:prstGeom prst="rect">
+            <a:avLst/>
+          </a:prstGeom>
+          <a:solidFill>
+            <a:schemeClr val="accent3">
+              <a:lumMod val="40000"/>
+              <a:lumOff val="60000"/>
+            </a:schemeClr>
+          </a:solidFill>
+          <a:ln>
+            <a:noFill/>
+          </a:ln>
+        </p:spPr>
+        <p:style>
+          <a:lnRef idx="2">
+            <a:schemeClr val="accent1">
+              <a:shade val="50000"/>
+            </a:schemeClr>
+          </a:lnRef>
+          <a:fillRef idx="1">
+            <a:schemeClr val="accent1"/>
+          </a:fillRef>
+          <a:effectRef idx="0">
+            <a:schemeClr val="accent1"/>
+          </a:effectRef>
+          <a:fontRef idx="minor">
+            <a:schemeClr val="lt1"/>
+          </a:fontRef>
+        </p:style>
+        <p:txBody>
+          <a:bodyPr rtlCol="0" anchor="ctr"/>
+          <a:lstStyle/>
+          <a:p>
+            <a:pPr algn="ctr"/>
+            <a:r>
+              <a:rPr lang="en-US" sz="1000" dirty="0">
+                <a:solidFill>
+                  <a:schemeClr val="tx1"/>
+                </a:solidFill>
+              </a:rPr>
+              <a:t>µ1</a:t>
+            </a:r>
+            <a:endParaRPr lang="en-IN" sz="1000" dirty="0">
+              <a:solidFill>
+                <a:schemeClr val="tx1"/>
+              </a:solidFill>
+            </a:endParaRPr>
+          </a:p>
+        </p:txBody>
+      </p:sp>
+      <p:sp>
+        <p:nvSpPr>
+          <p:cNvPr id="17" name="Rectangle 16">
+            <a:extLst>
+              <a:ext uri="{FF2B5EF4-FFF2-40B4-BE49-F238E27FC236}">
+                <a16:creationId xmlns:a16="http://schemas.microsoft.com/office/drawing/2014/main" id="{0CA09DCF-459C-41DC-B3DB-B170522AD4EC}"/>
+              </a:ext>
+            </a:extLst>
+          </p:cNvPr>
+          <p:cNvSpPr/>
+          <p:nvPr/>
+        </p:nvSpPr>
+        <p:spPr>
+          <a:xfrm>
+            <a:off x="4041912" y="3410776"/>
+            <a:ext cx="384318" cy="356146"/>
+          </a:xfrm>
+          <a:prstGeom prst="rect">
+            <a:avLst/>
+          </a:prstGeom>
+          <a:solidFill>
+            <a:schemeClr val="accent3">
+              <a:lumMod val="40000"/>
+              <a:lumOff val="60000"/>
+            </a:schemeClr>
+          </a:solidFill>
+          <a:ln>
+            <a:noFill/>
+          </a:ln>
+        </p:spPr>
+        <p:style>
+          <a:lnRef idx="2">
+            <a:schemeClr val="accent1">
+              <a:shade val="50000"/>
+            </a:schemeClr>
+          </a:lnRef>
+          <a:fillRef idx="1">
+            <a:schemeClr val="accent1"/>
+          </a:fillRef>
+          <a:effectRef idx="0">
+            <a:schemeClr val="accent1"/>
+          </a:effectRef>
+          <a:fontRef idx="minor">
+            <a:schemeClr val="lt1"/>
+          </a:fontRef>
+        </p:style>
+        <p:txBody>
+          <a:bodyPr rtlCol="0" anchor="ctr"/>
+          <a:lstStyle/>
+          <a:p>
+            <a:pPr algn="ctr"/>
+            <a:endParaRPr lang="en-US" sz="1100" b="0" dirty="0">
+              <a:solidFill>
+                <a:schemeClr val="tx1"/>
+              </a:solidFill>
+              <a:sym typeface="Symbol" panose="05050102010706020507" pitchFamily="18" charset="2"/>
+            </a:endParaRPr>
+          </a:p>
+          <a:p>
+            <a:pPr algn="ctr"/>
+            <a:r>
+              <a:rPr lang="en-US" sz="1100" b="0" dirty="0">
+                <a:solidFill>
+                  <a:schemeClr val="tx1"/>
+                </a:solidFill>
+                <a:sym typeface="Symbol" panose="05050102010706020507" pitchFamily="18" charset="2"/>
+              </a:rPr>
+              <a:t></a:t>
+            </a:r>
+            <a:r>
+              <a:rPr lang="en-US" sz="1100" dirty="0">
+                <a:solidFill>
+                  <a:schemeClr val="tx1"/>
+                </a:solidFill>
+                <a:sym typeface="Symbol" panose="05050102010706020507" pitchFamily="18" charset="2"/>
+              </a:rPr>
+              <a:t>2</a:t>
+            </a:r>
+            <a:endParaRPr lang="en-US" sz="1100" b="0" dirty="0">
+              <a:solidFill>
+                <a:schemeClr val="tx1"/>
+              </a:solidFill>
+            </a:endParaRPr>
+          </a:p>
+          <a:p>
+            <a:pPr algn="ctr"/>
+            <a:endParaRPr lang="en-IN" sz="1100" dirty="0"/>
+          </a:p>
+        </p:txBody>
+      </p:sp>
+      <p:sp>
+        <p:nvSpPr>
+          <p:cNvPr id="18" name="Rectangle 17">
+            <a:extLst>
+              <a:ext uri="{FF2B5EF4-FFF2-40B4-BE49-F238E27FC236}">
+                <a16:creationId xmlns:a16="http://schemas.microsoft.com/office/drawing/2014/main" id="{C8771E52-DAD4-4EC9-AD3E-01570065EE7E}"/>
+              </a:ext>
+            </a:extLst>
+          </p:cNvPr>
+          <p:cNvSpPr/>
+          <p:nvPr/>
+        </p:nvSpPr>
+        <p:spPr>
+          <a:xfrm>
+            <a:off x="4041913" y="2965176"/>
+            <a:ext cx="377688" cy="356146"/>
+          </a:xfrm>
+          <a:prstGeom prst="rect">
+            <a:avLst/>
+          </a:prstGeom>
+          <a:solidFill>
+            <a:schemeClr val="accent3">
+              <a:lumMod val="40000"/>
+              <a:lumOff val="60000"/>
+            </a:schemeClr>
+          </a:solidFill>
+          <a:ln>
+            <a:noFill/>
+          </a:ln>
+        </p:spPr>
+        <p:style>
+          <a:lnRef idx="2">
+            <a:schemeClr val="accent1">
+              <a:shade val="50000"/>
+            </a:schemeClr>
+          </a:lnRef>
+          <a:fillRef idx="1">
+            <a:schemeClr val="accent1"/>
+          </a:fillRef>
+          <a:effectRef idx="0">
+            <a:schemeClr val="accent1"/>
+          </a:effectRef>
+          <a:fontRef idx="minor">
+            <a:schemeClr val="lt1"/>
+          </a:fontRef>
+        </p:style>
+        <p:txBody>
+          <a:bodyPr rtlCol="0" anchor="ctr"/>
+          <a:lstStyle/>
+          <a:p>
+            <a:pPr algn="ctr"/>
+            <a:r>
+              <a:rPr lang="en-US" sz="1000" dirty="0">
+                <a:solidFill>
+                  <a:schemeClr val="tx1"/>
+                </a:solidFill>
+              </a:rPr>
+              <a:t>µ2</a:t>
+            </a:r>
+            <a:endParaRPr lang="en-IN" sz="1000" dirty="0">
+              <a:solidFill>
+                <a:schemeClr val="tx1"/>
+              </a:solidFill>
+            </a:endParaRPr>
+          </a:p>
+        </p:txBody>
+      </p:sp>
+      <p:sp>
+        <p:nvSpPr>
+          <p:cNvPr id="19" name="Rectangle 18">
+            <a:extLst>
+              <a:ext uri="{FF2B5EF4-FFF2-40B4-BE49-F238E27FC236}">
+                <a16:creationId xmlns:a16="http://schemas.microsoft.com/office/drawing/2014/main" id="{C1EE3E17-CA5B-4340-B04D-4F0202A35EEF}"/>
+              </a:ext>
+            </a:extLst>
+          </p:cNvPr>
+          <p:cNvSpPr/>
+          <p:nvPr/>
+        </p:nvSpPr>
+        <p:spPr>
+          <a:xfrm>
+            <a:off x="4061790" y="5658675"/>
+            <a:ext cx="404165" cy="412473"/>
+          </a:xfrm>
+          <a:prstGeom prst="rect">
+            <a:avLst/>
+          </a:prstGeom>
+          <a:solidFill>
+            <a:schemeClr val="accent3">
+              <a:lumMod val="40000"/>
+              <a:lumOff val="60000"/>
+            </a:schemeClr>
+          </a:solidFill>
+          <a:ln>
+            <a:noFill/>
+          </a:ln>
+        </p:spPr>
+        <p:style>
+          <a:lnRef idx="2">
+            <a:schemeClr val="accent1">
+              <a:shade val="50000"/>
+            </a:schemeClr>
+          </a:lnRef>
+          <a:fillRef idx="1">
+            <a:schemeClr val="accent1"/>
+          </a:fillRef>
+          <a:effectRef idx="0">
+            <a:schemeClr val="accent1"/>
+          </a:effectRef>
+          <a:fontRef idx="minor">
+            <a:schemeClr val="lt1"/>
+          </a:fontRef>
+        </p:style>
+        <p:txBody>
+          <a:bodyPr rtlCol="0" anchor="ctr"/>
+          <a:lstStyle/>
+          <a:p>
+            <a:pPr algn="ctr"/>
+            <a:r>
+              <a:rPr lang="en-US" sz="1000" b="0" dirty="0">
+                <a:solidFill>
+                  <a:schemeClr val="tx1"/>
+                </a:solidFill>
+                <a:sym typeface="Symbol" panose="05050102010706020507" pitchFamily="18" charset="2"/>
+              </a:rPr>
+              <a:t>M</a:t>
+            </a:r>
+            <a:endParaRPr lang="en-US" sz="1000" b="0" dirty="0">
+              <a:solidFill>
+                <a:schemeClr val="tx1"/>
+              </a:solidFill>
+            </a:endParaRPr>
+          </a:p>
+        </p:txBody>
+      </p:sp>
+      <p:sp>
+        <p:nvSpPr>
+          <p:cNvPr id="20" name="Rectangle 19">
+            <a:extLst>
+              <a:ext uri="{FF2B5EF4-FFF2-40B4-BE49-F238E27FC236}">
+                <a16:creationId xmlns:a16="http://schemas.microsoft.com/office/drawing/2014/main" id="{76723527-D151-42E4-A205-B8CD8D82110A}"/>
+              </a:ext>
+            </a:extLst>
+          </p:cNvPr>
+          <p:cNvSpPr/>
+          <p:nvPr/>
+        </p:nvSpPr>
+        <p:spPr>
+          <a:xfrm>
+            <a:off x="4041912" y="5208105"/>
+            <a:ext cx="404193" cy="412474"/>
+          </a:xfrm>
+          <a:prstGeom prst="rect">
+            <a:avLst/>
+          </a:prstGeom>
+          <a:solidFill>
+            <a:schemeClr val="accent3">
+              <a:lumMod val="40000"/>
+              <a:lumOff val="60000"/>
+            </a:schemeClr>
+          </a:solidFill>
+          <a:ln>
+            <a:noFill/>
+          </a:ln>
+        </p:spPr>
+        <p:style>
+          <a:lnRef idx="2">
+            <a:schemeClr val="accent1">
+              <a:shade val="50000"/>
+            </a:schemeClr>
+          </a:lnRef>
+          <a:fillRef idx="1">
+            <a:schemeClr val="accent1"/>
+          </a:fillRef>
+          <a:effectRef idx="0">
+            <a:schemeClr val="accent1"/>
+          </a:effectRef>
+          <a:fontRef idx="minor">
+            <a:schemeClr val="lt1"/>
+          </a:fontRef>
+        </p:style>
+        <p:txBody>
+          <a:bodyPr rtlCol="0" anchor="ctr"/>
+          <a:lstStyle/>
+          <a:p>
+            <a:pPr algn="ctr"/>
+            <a:r>
+              <a:rPr lang="en-US" sz="1050" dirty="0">
+                <a:solidFill>
+                  <a:schemeClr val="tx1"/>
+                </a:solidFill>
+              </a:rPr>
+              <a:t>µM</a:t>
+            </a:r>
+            <a:endParaRPr lang="en-IN" sz="1050" dirty="0">
+              <a:solidFill>
+                <a:schemeClr val="tx1"/>
+              </a:solidFill>
+            </a:endParaRPr>
+          </a:p>
+        </p:txBody>
+      </p:sp>
+      <p:sp>
+        <p:nvSpPr>
+          <p:cNvPr id="21" name="Rectangle 20">
+            <a:extLst>
+              <a:ext uri="{FF2B5EF4-FFF2-40B4-BE49-F238E27FC236}">
+                <a16:creationId xmlns:a16="http://schemas.microsoft.com/office/drawing/2014/main" id="{97878092-127F-40C2-9156-0C156D519628}"/>
+              </a:ext>
+            </a:extLst>
+          </p:cNvPr>
+          <p:cNvSpPr/>
+          <p:nvPr/>
+        </p:nvSpPr>
+        <p:spPr>
+          <a:xfrm>
+            <a:off x="4041913" y="2083903"/>
+            <a:ext cx="331306" cy="356146"/>
+          </a:xfrm>
+          <a:prstGeom prst="rect">
+            <a:avLst/>
+          </a:prstGeom>
+          <a:solidFill>
+            <a:schemeClr val="accent3">
+              <a:lumMod val="40000"/>
+              <a:lumOff val="60000"/>
+            </a:schemeClr>
+          </a:solidFill>
+          <a:ln>
+            <a:noFill/>
+          </a:ln>
+        </p:spPr>
+        <p:style>
+          <a:lnRef idx="2">
+            <a:schemeClr val="accent1">
+              <a:shade val="50000"/>
+            </a:schemeClr>
+          </a:lnRef>
+          <a:fillRef idx="1">
+            <a:schemeClr val="accent1"/>
+          </a:fillRef>
+          <a:effectRef idx="0">
+            <a:schemeClr val="accent1"/>
+          </a:effectRef>
+          <a:fontRef idx="minor">
+            <a:schemeClr val="lt1"/>
+          </a:fontRef>
+        </p:style>
+        <p:txBody>
+          <a:bodyPr rtlCol="0" anchor="ctr"/>
+          <a:lstStyle/>
+          <a:p>
+            <a:pPr algn="ctr"/>
+            <a:r>
+              <a:rPr lang="en-US" sz="1000" b="0" dirty="0">
+                <a:solidFill>
+                  <a:schemeClr val="tx1"/>
+                </a:solidFill>
+                <a:sym typeface="Symbol" panose="05050102010706020507" pitchFamily="18" charset="2"/>
+              </a:rPr>
+              <a:t>1</a:t>
+            </a:r>
+            <a:endParaRPr lang="en-US" sz="1000" b="0" dirty="0">
+              <a:solidFill>
+                <a:schemeClr val="tx1"/>
+              </a:solidFill>
+            </a:endParaRPr>
+          </a:p>
+        </p:txBody>
+      </p:sp>
+      <p:cxnSp>
+        <p:nvCxnSpPr>
+          <p:cNvPr id="22" name="Straight Connector 21">
+            <a:extLst>
+              <a:ext uri="{FF2B5EF4-FFF2-40B4-BE49-F238E27FC236}">
+                <a16:creationId xmlns:a16="http://schemas.microsoft.com/office/drawing/2014/main" id="{99F395A7-EB37-4B27-B504-D347E4F2BC38}"/>
+              </a:ext>
+            </a:extLst>
+          </p:cNvPr>
+          <p:cNvCxnSpPr>
+            <a:cxnSpLocks/>
+          </p:cNvCxnSpPr>
+          <p:nvPr/>
+        </p:nvCxnSpPr>
+        <p:spPr>
+          <a:xfrm flipV="1">
+            <a:off x="3882888" y="1817201"/>
+            <a:ext cx="0" cy="422416"/>
+          </a:xfrm>
+          <a:prstGeom prst="line">
+            <a:avLst/>
+          </a:prstGeom>
+        </p:spPr>
+        <p:style>
+          <a:lnRef idx="1">
+            <a:schemeClr val="accent5"/>
+          </a:lnRef>
+          <a:fillRef idx="0">
+            <a:schemeClr val="accent5"/>
+          </a:fillRef>
+          <a:effectRef idx="0">
+            <a:schemeClr val="accent5"/>
+          </a:effectRef>
+          <a:fontRef idx="minor">
+            <a:schemeClr val="tx1"/>
+          </a:fontRef>
+        </p:style>
+      </p:cxnSp>
+      <p:cxnSp>
+        <p:nvCxnSpPr>
+          <p:cNvPr id="23" name="Straight Connector 22">
+            <a:extLst>
+              <a:ext uri="{FF2B5EF4-FFF2-40B4-BE49-F238E27FC236}">
+                <a16:creationId xmlns:a16="http://schemas.microsoft.com/office/drawing/2014/main" id="{F4226617-A882-4CFE-971B-B6B86B350CD4}"/>
+              </a:ext>
+            </a:extLst>
+          </p:cNvPr>
+          <p:cNvCxnSpPr>
+            <a:cxnSpLocks/>
+          </p:cNvCxnSpPr>
+          <p:nvPr/>
+        </p:nvCxnSpPr>
+        <p:spPr>
+          <a:xfrm flipV="1">
+            <a:off x="3882888" y="5363819"/>
+            <a:ext cx="0" cy="422416"/>
+          </a:xfrm>
+          <a:prstGeom prst="line">
+            <a:avLst/>
+          </a:prstGeom>
+        </p:spPr>
+        <p:style>
+          <a:lnRef idx="1">
+            <a:schemeClr val="accent5"/>
+          </a:lnRef>
+          <a:fillRef idx="0">
+            <a:schemeClr val="accent5"/>
+          </a:fillRef>
+          <a:effectRef idx="0">
+            <a:schemeClr val="accent5"/>
+          </a:effectRef>
+          <a:fontRef idx="minor">
+            <a:schemeClr val="tx1"/>
+          </a:fontRef>
+        </p:style>
+      </p:cxnSp>
+      <p:cxnSp>
+        <p:nvCxnSpPr>
+          <p:cNvPr id="24" name="Straight Connector 23">
+            <a:extLst>
+              <a:ext uri="{FF2B5EF4-FFF2-40B4-BE49-F238E27FC236}">
+                <a16:creationId xmlns:a16="http://schemas.microsoft.com/office/drawing/2014/main" id="{E67A8E9D-F419-4A45-B2D7-443D79AC3219}"/>
+              </a:ext>
+            </a:extLst>
+          </p:cNvPr>
+          <p:cNvCxnSpPr>
+            <a:cxnSpLocks/>
+          </p:cNvCxnSpPr>
+          <p:nvPr/>
+        </p:nvCxnSpPr>
+        <p:spPr>
+          <a:xfrm flipV="1">
+            <a:off x="3882888" y="3141597"/>
+            <a:ext cx="0" cy="422416"/>
+          </a:xfrm>
+          <a:prstGeom prst="line">
+            <a:avLst/>
+          </a:prstGeom>
+        </p:spPr>
+        <p:style>
+          <a:lnRef idx="1">
+            <a:schemeClr val="accent5"/>
+          </a:lnRef>
+          <a:fillRef idx="0">
+            <a:schemeClr val="accent5"/>
+          </a:fillRef>
+          <a:effectRef idx="0">
+            <a:schemeClr val="accent5"/>
+          </a:effectRef>
+          <a:fontRef idx="minor">
+            <a:schemeClr val="tx1"/>
+          </a:fontRef>
+        </p:style>
+      </p:cxnSp>
+      <p:cxnSp>
+        <p:nvCxnSpPr>
+          <p:cNvPr id="25" name="Straight Connector 24">
+            <a:extLst>
+              <a:ext uri="{FF2B5EF4-FFF2-40B4-BE49-F238E27FC236}">
+                <a16:creationId xmlns:a16="http://schemas.microsoft.com/office/drawing/2014/main" id="{32EDE478-02C5-4F14-98C1-6405F8EEF371}"/>
+              </a:ext>
+            </a:extLst>
+          </p:cNvPr>
+          <p:cNvCxnSpPr>
+            <a:endCxn id="16" idx="1"/>
+          </p:cNvCxnSpPr>
+          <p:nvPr/>
+        </p:nvCxnSpPr>
+        <p:spPr>
+          <a:xfrm>
+            <a:off x="3882888" y="1817201"/>
+            <a:ext cx="159025" cy="1"/>
+          </a:xfrm>
+          <a:prstGeom prst="line">
+            <a:avLst/>
+          </a:prstGeom>
+        </p:spPr>
+        <p:style>
+          <a:lnRef idx="1">
+            <a:schemeClr val="accent5"/>
+          </a:lnRef>
+          <a:fillRef idx="0">
+            <a:schemeClr val="accent5"/>
+          </a:fillRef>
+          <a:effectRef idx="0">
+            <a:schemeClr val="accent5"/>
+          </a:effectRef>
+          <a:fontRef idx="minor">
+            <a:schemeClr val="tx1"/>
+          </a:fontRef>
+        </p:style>
+      </p:cxnSp>
+      <p:cxnSp>
+        <p:nvCxnSpPr>
+          <p:cNvPr id="26" name="Straight Connector 25">
+            <a:extLst>
+              <a:ext uri="{FF2B5EF4-FFF2-40B4-BE49-F238E27FC236}">
+                <a16:creationId xmlns:a16="http://schemas.microsoft.com/office/drawing/2014/main" id="{59396DE3-16C6-42F3-85C7-CF708CCC5259}"/>
+              </a:ext>
+            </a:extLst>
+          </p:cNvPr>
+          <p:cNvCxnSpPr>
+            <a:cxnSpLocks/>
+          </p:cNvCxnSpPr>
+          <p:nvPr/>
+        </p:nvCxnSpPr>
+        <p:spPr>
+          <a:xfrm>
+            <a:off x="3882887" y="2235478"/>
+            <a:ext cx="159025" cy="1"/>
+          </a:xfrm>
+          <a:prstGeom prst="line">
+            <a:avLst/>
+          </a:prstGeom>
+        </p:spPr>
+        <p:style>
+          <a:lnRef idx="1">
+            <a:schemeClr val="accent5"/>
+          </a:lnRef>
+          <a:fillRef idx="0">
+            <a:schemeClr val="accent5"/>
+          </a:fillRef>
+          <a:effectRef idx="0">
+            <a:schemeClr val="accent5"/>
+          </a:effectRef>
+          <a:fontRef idx="minor">
+            <a:schemeClr val="tx1"/>
+          </a:fontRef>
+        </p:style>
+      </p:cxnSp>
+      <p:cxnSp>
+        <p:nvCxnSpPr>
+          <p:cNvPr id="27" name="Straight Connector 26">
+            <a:extLst>
+              <a:ext uri="{FF2B5EF4-FFF2-40B4-BE49-F238E27FC236}">
+                <a16:creationId xmlns:a16="http://schemas.microsoft.com/office/drawing/2014/main" id="{48177E32-2B05-44BC-96AB-A3EADB02DA08}"/>
+              </a:ext>
+            </a:extLst>
+          </p:cNvPr>
+          <p:cNvCxnSpPr>
+            <a:cxnSpLocks/>
+          </p:cNvCxnSpPr>
+          <p:nvPr/>
+        </p:nvCxnSpPr>
+        <p:spPr>
+          <a:xfrm>
+            <a:off x="3882887" y="3149897"/>
+            <a:ext cx="159025" cy="1"/>
+          </a:xfrm>
+          <a:prstGeom prst="line">
+            <a:avLst/>
+          </a:prstGeom>
+        </p:spPr>
+        <p:style>
+          <a:lnRef idx="1">
+            <a:schemeClr val="accent5"/>
+          </a:lnRef>
+          <a:fillRef idx="0">
+            <a:schemeClr val="accent5"/>
+          </a:fillRef>
+          <a:effectRef idx="0">
+            <a:schemeClr val="accent5"/>
+          </a:effectRef>
+          <a:fontRef idx="minor">
+            <a:schemeClr val="tx1"/>
+          </a:fontRef>
+        </p:style>
+      </p:cxnSp>
+      <p:cxnSp>
+        <p:nvCxnSpPr>
+          <p:cNvPr id="28" name="Straight Connector 27">
+            <a:extLst>
+              <a:ext uri="{FF2B5EF4-FFF2-40B4-BE49-F238E27FC236}">
+                <a16:creationId xmlns:a16="http://schemas.microsoft.com/office/drawing/2014/main" id="{699FCD36-625C-4063-A5AF-60955398C252}"/>
+              </a:ext>
+            </a:extLst>
+          </p:cNvPr>
+          <p:cNvCxnSpPr>
+            <a:cxnSpLocks/>
+          </p:cNvCxnSpPr>
+          <p:nvPr/>
+        </p:nvCxnSpPr>
+        <p:spPr>
+          <a:xfrm>
+            <a:off x="3876262" y="3564012"/>
+            <a:ext cx="159025" cy="1"/>
+          </a:xfrm>
+          <a:prstGeom prst="line">
+            <a:avLst/>
+          </a:prstGeom>
+        </p:spPr>
+        <p:style>
+          <a:lnRef idx="1">
+            <a:schemeClr val="accent5"/>
+          </a:lnRef>
+          <a:fillRef idx="0">
+            <a:schemeClr val="accent5"/>
+          </a:fillRef>
+          <a:effectRef idx="0">
+            <a:schemeClr val="accent5"/>
+          </a:effectRef>
+          <a:fontRef idx="minor">
+            <a:schemeClr val="tx1"/>
+          </a:fontRef>
+        </p:style>
+      </p:cxnSp>
+      <p:cxnSp>
+        <p:nvCxnSpPr>
+          <p:cNvPr id="29" name="Straight Connector 28">
+            <a:extLst>
+              <a:ext uri="{FF2B5EF4-FFF2-40B4-BE49-F238E27FC236}">
+                <a16:creationId xmlns:a16="http://schemas.microsoft.com/office/drawing/2014/main" id="{D605B9B4-4D5E-46BC-BCE3-0A9DB7DC5B8D}"/>
+              </a:ext>
+            </a:extLst>
+          </p:cNvPr>
+          <p:cNvCxnSpPr>
+            <a:cxnSpLocks/>
+          </p:cNvCxnSpPr>
+          <p:nvPr/>
+        </p:nvCxnSpPr>
+        <p:spPr>
+          <a:xfrm>
+            <a:off x="3876263" y="5363819"/>
+            <a:ext cx="159025" cy="1"/>
+          </a:xfrm>
+          <a:prstGeom prst="line">
+            <a:avLst/>
+          </a:prstGeom>
+        </p:spPr>
+        <p:style>
+          <a:lnRef idx="1">
+            <a:schemeClr val="accent5"/>
+          </a:lnRef>
+          <a:fillRef idx="0">
+            <a:schemeClr val="accent5"/>
+          </a:fillRef>
+          <a:effectRef idx="0">
+            <a:schemeClr val="accent5"/>
+          </a:effectRef>
+          <a:fontRef idx="minor">
+            <a:schemeClr val="tx1"/>
+          </a:fontRef>
+        </p:style>
+      </p:cxnSp>
+      <p:cxnSp>
+        <p:nvCxnSpPr>
+          <p:cNvPr id="30" name="Straight Connector 29">
+            <a:extLst>
+              <a:ext uri="{FF2B5EF4-FFF2-40B4-BE49-F238E27FC236}">
+                <a16:creationId xmlns:a16="http://schemas.microsoft.com/office/drawing/2014/main" id="{392F9B1C-695F-4E24-8735-5112C25E8E80}"/>
+              </a:ext>
+            </a:extLst>
+          </p:cNvPr>
+          <p:cNvCxnSpPr>
+            <a:cxnSpLocks/>
+          </p:cNvCxnSpPr>
+          <p:nvPr/>
+        </p:nvCxnSpPr>
+        <p:spPr>
+          <a:xfrm>
+            <a:off x="3882888" y="5797399"/>
+            <a:ext cx="159025" cy="1"/>
+          </a:xfrm>
+          <a:prstGeom prst="line">
+            <a:avLst/>
+          </a:prstGeom>
+        </p:spPr>
+        <p:style>
+          <a:lnRef idx="1">
+            <a:schemeClr val="accent5"/>
+          </a:lnRef>
+          <a:fillRef idx="0">
+            <a:schemeClr val="accent5"/>
+          </a:fillRef>
+          <a:effectRef idx="0">
+            <a:schemeClr val="accent5"/>
+          </a:effectRef>
+          <a:fontRef idx="minor">
+            <a:schemeClr val="tx1"/>
+          </a:fontRef>
+        </p:style>
+      </p:cxnSp>
+      <p:cxnSp>
+        <p:nvCxnSpPr>
+          <p:cNvPr id="31" name="Straight Connector 30">
+            <a:extLst>
+              <a:ext uri="{FF2B5EF4-FFF2-40B4-BE49-F238E27FC236}">
+                <a16:creationId xmlns:a16="http://schemas.microsoft.com/office/drawing/2014/main" id="{86654211-6198-4A1F-B282-93A84913664B}"/>
+              </a:ext>
+            </a:extLst>
+          </p:cNvPr>
+          <p:cNvCxnSpPr>
+            <a:stCxn id="10" idx="3"/>
+          </p:cNvCxnSpPr>
+          <p:nvPr/>
+        </p:nvCxnSpPr>
+        <p:spPr>
+          <a:xfrm>
+            <a:off x="3339547" y="2054084"/>
+            <a:ext cx="543340" cy="6630"/>
+          </a:xfrm>
+          <a:prstGeom prst="line">
+            <a:avLst/>
+          </a:prstGeom>
+        </p:spPr>
+        <p:style>
+          <a:lnRef idx="1">
+            <a:schemeClr val="accent1"/>
+          </a:lnRef>
+          <a:fillRef idx="0">
+            <a:schemeClr val="accent1"/>
+          </a:fillRef>
+          <a:effectRef idx="0">
+            <a:schemeClr val="accent1"/>
+          </a:effectRef>
+          <a:fontRef idx="minor">
+            <a:schemeClr val="tx1"/>
+          </a:fontRef>
+        </p:style>
+      </p:cxnSp>
+      <p:cxnSp>
+        <p:nvCxnSpPr>
+          <p:cNvPr id="32" name="Straight Connector 31">
+            <a:extLst>
+              <a:ext uri="{FF2B5EF4-FFF2-40B4-BE49-F238E27FC236}">
+                <a16:creationId xmlns:a16="http://schemas.microsoft.com/office/drawing/2014/main" id="{161389D5-EEA0-4D73-9018-77A7E3232AC3}"/>
+              </a:ext>
+            </a:extLst>
+          </p:cNvPr>
+          <p:cNvCxnSpPr>
+            <a:cxnSpLocks/>
+          </p:cNvCxnSpPr>
+          <p:nvPr/>
+        </p:nvCxnSpPr>
+        <p:spPr>
+          <a:xfrm>
+            <a:off x="3346172" y="5572540"/>
+            <a:ext cx="543340" cy="6630"/>
+          </a:xfrm>
+          <a:prstGeom prst="line">
+            <a:avLst/>
+          </a:prstGeom>
+        </p:spPr>
+        <p:style>
+          <a:lnRef idx="1">
+            <a:schemeClr val="accent1"/>
+          </a:lnRef>
+          <a:fillRef idx="0">
+            <a:schemeClr val="accent1"/>
+          </a:fillRef>
+          <a:effectRef idx="0">
+            <a:schemeClr val="accent1"/>
+          </a:effectRef>
+          <a:fontRef idx="minor">
+            <a:schemeClr val="tx1"/>
+          </a:fontRef>
+        </p:style>
+      </p:cxnSp>
+      <p:cxnSp>
+        <p:nvCxnSpPr>
+          <p:cNvPr id="33" name="Straight Connector 32">
+            <a:extLst>
+              <a:ext uri="{FF2B5EF4-FFF2-40B4-BE49-F238E27FC236}">
+                <a16:creationId xmlns:a16="http://schemas.microsoft.com/office/drawing/2014/main" id="{ABC296A5-5A1E-4299-AE67-FED0C16006EB}"/>
+              </a:ext>
+            </a:extLst>
+          </p:cNvPr>
+          <p:cNvCxnSpPr>
+            <a:cxnSpLocks/>
+          </p:cNvCxnSpPr>
+          <p:nvPr/>
+        </p:nvCxnSpPr>
+        <p:spPr>
+          <a:xfrm>
+            <a:off x="3339547" y="3339947"/>
+            <a:ext cx="543340" cy="6630"/>
+          </a:xfrm>
+          <a:prstGeom prst="line">
+            <a:avLst/>
+          </a:prstGeom>
+        </p:spPr>
+        <p:style>
+          <a:lnRef idx="1">
+            <a:schemeClr val="accent1"/>
+          </a:lnRef>
+          <a:fillRef idx="0">
+            <a:schemeClr val="accent1"/>
+          </a:fillRef>
+          <a:effectRef idx="0">
+            <a:schemeClr val="accent1"/>
+          </a:effectRef>
+          <a:fontRef idx="minor">
+            <a:schemeClr val="tx1"/>
+          </a:fontRef>
+        </p:style>
+      </p:cxnSp>
+      <p:sp>
+        <p:nvSpPr>
+          <p:cNvPr id="34" name="Rectangle 33">
+            <a:extLst>
+              <a:ext uri="{FF2B5EF4-FFF2-40B4-BE49-F238E27FC236}">
+                <a16:creationId xmlns:a16="http://schemas.microsoft.com/office/drawing/2014/main" id="{01D4EEB4-028C-40DC-818A-3D352ED757C3}"/>
+              </a:ext>
+            </a:extLst>
+          </p:cNvPr>
+          <p:cNvSpPr/>
+          <p:nvPr/>
+        </p:nvSpPr>
+        <p:spPr>
+          <a:xfrm>
+            <a:off x="5314122" y="1895882"/>
+            <a:ext cx="404164" cy="3969029"/>
+          </a:xfrm>
+          <a:prstGeom prst="rect">
+            <a:avLst/>
+          </a:prstGeom>
+          <a:solidFill>
+            <a:schemeClr val="tx2">
+              <a:lumMod val="60000"/>
+              <a:lumOff val="40000"/>
+            </a:schemeClr>
+          </a:solidFill>
+          <a:ln>
+            <a:noFill/>
+          </a:ln>
+        </p:spPr>
+        <p:style>
+          <a:lnRef idx="2">
+            <a:schemeClr val="accent1">
+              <a:shade val="50000"/>
+            </a:schemeClr>
+          </a:lnRef>
+          <a:fillRef idx="1">
+            <a:schemeClr val="accent1"/>
+          </a:fillRef>
+          <a:effectRef idx="0">
+            <a:schemeClr val="accent1"/>
+          </a:effectRef>
+          <a:fontRef idx="minor">
+            <a:schemeClr val="lt1"/>
+          </a:fontRef>
+        </p:style>
+        <p:txBody>
+          <a:bodyPr rtlCol="0" anchor="ctr"/>
+          <a:lstStyle/>
+          <a:p>
+            <a:pPr algn="ctr"/>
+            <a:r>
+              <a:rPr lang="en-US" dirty="0"/>
+              <a:t>PoE</a:t>
+            </a:r>
+            <a:endParaRPr lang="en-IN" dirty="0"/>
+          </a:p>
+        </p:txBody>
+      </p:sp>
+      <p:cxnSp>
+        <p:nvCxnSpPr>
+          <p:cNvPr id="35" name="Straight Connector 34">
+            <a:extLst>
+              <a:ext uri="{FF2B5EF4-FFF2-40B4-BE49-F238E27FC236}">
+                <a16:creationId xmlns:a16="http://schemas.microsoft.com/office/drawing/2014/main" id="{016D0441-7012-49C2-957A-B0C0A15E1207}"/>
+              </a:ext>
+            </a:extLst>
+          </p:cNvPr>
+          <p:cNvCxnSpPr>
+            <a:cxnSpLocks/>
+          </p:cNvCxnSpPr>
+          <p:nvPr/>
+        </p:nvCxnSpPr>
+        <p:spPr>
+          <a:xfrm>
+            <a:off x="4757531" y="1994868"/>
+            <a:ext cx="0" cy="3625711"/>
+          </a:xfrm>
+          <a:prstGeom prst="line">
+            <a:avLst/>
+          </a:prstGeom>
+        </p:spPr>
+        <p:style>
+          <a:lnRef idx="1">
+            <a:schemeClr val="accent5"/>
+          </a:lnRef>
+          <a:fillRef idx="0">
+            <a:schemeClr val="accent5"/>
+          </a:fillRef>
+          <a:effectRef idx="0">
+            <a:schemeClr val="accent5"/>
+          </a:effectRef>
+          <a:fontRef idx="minor">
+            <a:schemeClr val="tx1"/>
+          </a:fontRef>
+        </p:style>
+      </p:cxnSp>
+      <p:cxnSp>
+        <p:nvCxnSpPr>
+          <p:cNvPr id="36" name="Straight Connector 35">
+            <a:extLst>
+              <a:ext uri="{FF2B5EF4-FFF2-40B4-BE49-F238E27FC236}">
+                <a16:creationId xmlns:a16="http://schemas.microsoft.com/office/drawing/2014/main" id="{92FC33EE-3396-45B3-9BAD-C206AB528230}"/>
+              </a:ext>
+            </a:extLst>
+          </p:cNvPr>
+          <p:cNvCxnSpPr>
+            <a:cxnSpLocks/>
+          </p:cNvCxnSpPr>
+          <p:nvPr/>
+        </p:nvCxnSpPr>
+        <p:spPr>
+          <a:xfrm flipH="1">
+            <a:off x="4419601" y="2001905"/>
+            <a:ext cx="337930" cy="0"/>
+          </a:xfrm>
+          <a:prstGeom prst="line">
+            <a:avLst/>
+          </a:prstGeom>
+        </p:spPr>
+        <p:style>
+          <a:lnRef idx="1">
+            <a:schemeClr val="accent1"/>
+          </a:lnRef>
+          <a:fillRef idx="0">
+            <a:schemeClr val="accent1"/>
+          </a:fillRef>
+          <a:effectRef idx="0">
+            <a:schemeClr val="accent1"/>
+          </a:effectRef>
+          <a:fontRef idx="minor">
+            <a:schemeClr val="tx1"/>
+          </a:fontRef>
+        </p:style>
+      </p:cxnSp>
+      <p:cxnSp>
+        <p:nvCxnSpPr>
+          <p:cNvPr id="37" name="Straight Connector 36">
+            <a:extLst>
+              <a:ext uri="{FF2B5EF4-FFF2-40B4-BE49-F238E27FC236}">
+                <a16:creationId xmlns:a16="http://schemas.microsoft.com/office/drawing/2014/main" id="{C0431E26-F734-410C-9E8C-52B952FED1AA}"/>
+              </a:ext>
+            </a:extLst>
+          </p:cNvPr>
+          <p:cNvCxnSpPr>
+            <a:cxnSpLocks/>
+          </p:cNvCxnSpPr>
+          <p:nvPr/>
+        </p:nvCxnSpPr>
+        <p:spPr>
+          <a:xfrm flipH="1">
+            <a:off x="4465955" y="5620579"/>
+            <a:ext cx="284953" cy="0"/>
+          </a:xfrm>
+          <a:prstGeom prst="line">
+            <a:avLst/>
+          </a:prstGeom>
+        </p:spPr>
+        <p:style>
+          <a:lnRef idx="1">
+            <a:schemeClr val="accent1"/>
+          </a:lnRef>
+          <a:fillRef idx="0">
+            <a:schemeClr val="accent1"/>
+          </a:fillRef>
+          <a:effectRef idx="0">
+            <a:schemeClr val="accent1"/>
+          </a:effectRef>
+          <a:fontRef idx="minor">
+            <a:schemeClr val="tx1"/>
+          </a:fontRef>
+        </p:style>
+      </p:cxnSp>
+      <p:cxnSp>
+        <p:nvCxnSpPr>
+          <p:cNvPr id="38" name="Straight Connector 37">
+            <a:extLst>
+              <a:ext uri="{FF2B5EF4-FFF2-40B4-BE49-F238E27FC236}">
+                <a16:creationId xmlns:a16="http://schemas.microsoft.com/office/drawing/2014/main" id="{C84C3351-781B-4D04-B8C1-E5863E895F6C}"/>
+              </a:ext>
+            </a:extLst>
+          </p:cNvPr>
+          <p:cNvCxnSpPr>
+            <a:cxnSpLocks/>
+          </p:cNvCxnSpPr>
+          <p:nvPr/>
+        </p:nvCxnSpPr>
+        <p:spPr>
+          <a:xfrm flipH="1">
+            <a:off x="4412978" y="3367280"/>
+            <a:ext cx="337930" cy="0"/>
+          </a:xfrm>
+          <a:prstGeom prst="line">
+            <a:avLst/>
+          </a:prstGeom>
+        </p:spPr>
+        <p:style>
+          <a:lnRef idx="1">
+            <a:schemeClr val="accent1"/>
+          </a:lnRef>
+          <a:fillRef idx="0">
+            <a:schemeClr val="accent1"/>
+          </a:fillRef>
+          <a:effectRef idx="0">
+            <a:schemeClr val="accent1"/>
+          </a:effectRef>
+          <a:fontRef idx="minor">
+            <a:schemeClr val="tx1"/>
+          </a:fontRef>
+        </p:style>
+      </p:cxnSp>
+      <p:cxnSp>
+        <p:nvCxnSpPr>
+          <p:cNvPr id="39" name="Straight Arrow Connector 38">
+            <a:extLst>
+              <a:ext uri="{FF2B5EF4-FFF2-40B4-BE49-F238E27FC236}">
+                <a16:creationId xmlns:a16="http://schemas.microsoft.com/office/drawing/2014/main" id="{BA55F20B-8903-42F8-84E7-450E43DB0EE1}"/>
+              </a:ext>
+            </a:extLst>
+          </p:cNvPr>
+          <p:cNvCxnSpPr>
+            <a:cxnSpLocks/>
+          </p:cNvCxnSpPr>
+          <p:nvPr/>
+        </p:nvCxnSpPr>
+        <p:spPr>
+          <a:xfrm>
+            <a:off x="4757531" y="3889520"/>
+            <a:ext cx="556591" cy="0"/>
+          </a:xfrm>
+          <a:prstGeom prst="straightConnector1">
+            <a:avLst/>
+          </a:prstGeom>
+          <a:ln>
+            <a:tailEnd type="triangle"/>
+          </a:ln>
+        </p:spPr>
+        <p:style>
+          <a:lnRef idx="1">
+            <a:schemeClr val="accent1"/>
+          </a:lnRef>
+          <a:fillRef idx="0">
+            <a:schemeClr val="accent1"/>
+          </a:fillRef>
+          <a:effectRef idx="0">
+            <a:schemeClr val="accent1"/>
+          </a:effectRef>
+          <a:fontRef idx="minor">
+            <a:schemeClr val="tx1"/>
+          </a:fontRef>
+        </p:style>
+      </p:cxnSp>
+      <p:sp>
+        <p:nvSpPr>
+          <p:cNvPr id="40" name="TextBox 39">
+            <a:extLst>
+              <a:ext uri="{FF2B5EF4-FFF2-40B4-BE49-F238E27FC236}">
+                <a16:creationId xmlns:a16="http://schemas.microsoft.com/office/drawing/2014/main" id="{045C5264-AE0E-4402-BF1B-C8D322083498}"/>
+              </a:ext>
+            </a:extLst>
+          </p:cNvPr>
+          <p:cNvSpPr txBox="1"/>
+          <p:nvPr/>
+        </p:nvSpPr>
+        <p:spPr>
+          <a:xfrm>
+            <a:off x="2756431" y="4001008"/>
+            <a:ext cx="145765" cy="923330"/>
+          </a:xfrm>
+          <a:prstGeom prst="rect">
+            <a:avLst/>
+          </a:prstGeom>
+          <a:noFill/>
+        </p:spPr>
+        <p:txBody>
+          <a:bodyPr wrap="square" rtlCol="0">
+            <a:spAutoFit/>
+          </a:bodyPr>
+          <a:lstStyle/>
+          <a:p>
+            <a:r>
+              <a:rPr lang="en-US" dirty="0"/>
+              <a:t>.</a:t>
+            </a:r>
+          </a:p>
+          <a:p>
+            <a:r>
+              <a:rPr lang="en-US" dirty="0"/>
+              <a:t>.</a:t>
+            </a:r>
+          </a:p>
+          <a:p>
+            <a:r>
+              <a:rPr lang="en-US" dirty="0"/>
+              <a:t>.</a:t>
+            </a:r>
+            <a:endParaRPr lang="en-IN" dirty="0"/>
+          </a:p>
+        </p:txBody>
+      </p:sp>
+      <p:sp>
+        <p:nvSpPr>
+          <p:cNvPr id="41" name="Rectangle 40">
+            <a:extLst>
+              <a:ext uri="{FF2B5EF4-FFF2-40B4-BE49-F238E27FC236}">
+                <a16:creationId xmlns:a16="http://schemas.microsoft.com/office/drawing/2014/main" id="{CF29813C-7998-4AD7-AB09-3AA4A9D2DA1F}"/>
+              </a:ext>
+            </a:extLst>
+          </p:cNvPr>
+          <p:cNvSpPr/>
+          <p:nvPr/>
+        </p:nvSpPr>
+        <p:spPr>
+          <a:xfrm>
+            <a:off x="6384224" y="3378485"/>
+            <a:ext cx="377688" cy="356146"/>
+          </a:xfrm>
+          <a:prstGeom prst="rect">
+            <a:avLst/>
+          </a:prstGeom>
+          <a:solidFill>
+            <a:schemeClr val="accent3">
+              <a:lumMod val="40000"/>
+              <a:lumOff val="60000"/>
+            </a:schemeClr>
+          </a:solidFill>
+          <a:ln>
+            <a:noFill/>
+          </a:ln>
+        </p:spPr>
+        <p:style>
+          <a:lnRef idx="2">
+            <a:schemeClr val="accent1">
+              <a:shade val="50000"/>
+            </a:schemeClr>
+          </a:lnRef>
+          <a:fillRef idx="1">
+            <a:schemeClr val="accent1"/>
+          </a:fillRef>
+          <a:effectRef idx="0">
+            <a:schemeClr val="accent1"/>
+          </a:effectRef>
+          <a:fontRef idx="minor">
+            <a:schemeClr val="lt1"/>
+          </a:fontRef>
+        </p:style>
+        <p:txBody>
+          <a:bodyPr rtlCol="0" anchor="ctr"/>
+          <a:lstStyle/>
+          <a:p>
+            <a:pPr algn="ctr"/>
+            <a:r>
+              <a:rPr lang="en-US" dirty="0">
+                <a:solidFill>
+                  <a:schemeClr val="tx1"/>
+                </a:solidFill>
+              </a:rPr>
+              <a:t>µ</a:t>
+            </a:r>
+            <a:endParaRPr lang="en-IN" dirty="0">
+              <a:solidFill>
+                <a:schemeClr val="tx1"/>
+              </a:solidFill>
+            </a:endParaRPr>
+          </a:p>
+        </p:txBody>
+      </p:sp>
+      <p:sp>
+        <p:nvSpPr>
+          <p:cNvPr id="42" name="Rectangle 41">
+            <a:extLst>
+              <a:ext uri="{FF2B5EF4-FFF2-40B4-BE49-F238E27FC236}">
+                <a16:creationId xmlns:a16="http://schemas.microsoft.com/office/drawing/2014/main" id="{04929543-73EC-4153-A6D1-3301B8EDE369}"/>
+              </a:ext>
+            </a:extLst>
+          </p:cNvPr>
+          <p:cNvSpPr/>
+          <p:nvPr/>
+        </p:nvSpPr>
+        <p:spPr>
+          <a:xfrm>
+            <a:off x="6377598" y="4022874"/>
+            <a:ext cx="377688" cy="356146"/>
+          </a:xfrm>
+          <a:prstGeom prst="rect">
+            <a:avLst/>
+          </a:prstGeom>
+          <a:solidFill>
+            <a:schemeClr val="accent3">
+              <a:lumMod val="40000"/>
+              <a:lumOff val="60000"/>
+            </a:schemeClr>
+          </a:solidFill>
+          <a:ln>
+            <a:noFill/>
+          </a:ln>
+        </p:spPr>
+        <p:style>
+          <a:lnRef idx="2">
+            <a:schemeClr val="accent1">
+              <a:shade val="50000"/>
+            </a:schemeClr>
+          </a:lnRef>
+          <a:fillRef idx="1">
+            <a:schemeClr val="accent1"/>
+          </a:fillRef>
+          <a:effectRef idx="0">
+            <a:schemeClr val="accent1"/>
+          </a:effectRef>
+          <a:fontRef idx="minor">
+            <a:schemeClr val="lt1"/>
+          </a:fontRef>
+        </p:style>
+        <p:txBody>
+          <a:bodyPr rtlCol="0" anchor="ctr"/>
+          <a:lstStyle/>
+          <a:p>
+            <a:pPr algn="ctr"/>
+            <a:r>
+              <a:rPr lang="en-US" b="0" dirty="0">
+                <a:solidFill>
+                  <a:schemeClr val="tx1"/>
+                </a:solidFill>
+                <a:sym typeface="Symbol" panose="05050102010706020507" pitchFamily="18" charset="2"/>
+              </a:rPr>
+              <a:t></a:t>
+            </a:r>
+            <a:endParaRPr lang="en-IN" dirty="0">
+              <a:solidFill>
+                <a:schemeClr val="tx1"/>
+              </a:solidFill>
+            </a:endParaRPr>
+          </a:p>
+        </p:txBody>
+      </p:sp>
+      <p:cxnSp>
+        <p:nvCxnSpPr>
+          <p:cNvPr id="43" name="Straight Connector 42">
+            <a:extLst>
+              <a:ext uri="{FF2B5EF4-FFF2-40B4-BE49-F238E27FC236}">
+                <a16:creationId xmlns:a16="http://schemas.microsoft.com/office/drawing/2014/main" id="{285FDE83-CC04-40FE-97B5-2E7CBA961595}"/>
+              </a:ext>
+            </a:extLst>
+          </p:cNvPr>
+          <p:cNvCxnSpPr/>
+          <p:nvPr/>
+        </p:nvCxnSpPr>
+        <p:spPr>
+          <a:xfrm>
+            <a:off x="6082748" y="3596314"/>
+            <a:ext cx="0" cy="617885"/>
+          </a:xfrm>
+          <a:prstGeom prst="line">
+            <a:avLst/>
+          </a:prstGeom>
+        </p:spPr>
+        <p:style>
+          <a:lnRef idx="1">
+            <a:schemeClr val="accent5"/>
+          </a:lnRef>
+          <a:fillRef idx="0">
+            <a:schemeClr val="accent5"/>
+          </a:fillRef>
+          <a:effectRef idx="0">
+            <a:schemeClr val="accent5"/>
+          </a:effectRef>
+          <a:fontRef idx="minor">
+            <a:schemeClr val="tx1"/>
+          </a:fontRef>
+        </p:style>
+      </p:cxnSp>
+      <p:cxnSp>
+        <p:nvCxnSpPr>
+          <p:cNvPr id="44" name="Straight Connector 43">
+            <a:extLst>
+              <a:ext uri="{FF2B5EF4-FFF2-40B4-BE49-F238E27FC236}">
+                <a16:creationId xmlns:a16="http://schemas.microsoft.com/office/drawing/2014/main" id="{F8D313FA-AF2A-4C4C-BF8F-C1B62BDAC8E9}"/>
+              </a:ext>
+            </a:extLst>
+          </p:cNvPr>
+          <p:cNvCxnSpPr/>
+          <p:nvPr/>
+        </p:nvCxnSpPr>
+        <p:spPr>
+          <a:xfrm flipH="1">
+            <a:off x="5718286" y="3899442"/>
+            <a:ext cx="364462" cy="0"/>
+          </a:xfrm>
+          <a:prstGeom prst="line">
+            <a:avLst/>
+          </a:prstGeom>
+        </p:spPr>
+        <p:style>
+          <a:lnRef idx="1">
+            <a:schemeClr val="accent1"/>
+          </a:lnRef>
+          <a:fillRef idx="0">
+            <a:schemeClr val="accent1"/>
+          </a:fillRef>
+          <a:effectRef idx="0">
+            <a:schemeClr val="accent1"/>
+          </a:effectRef>
+          <a:fontRef idx="minor">
+            <a:schemeClr val="tx1"/>
+          </a:fontRef>
+        </p:style>
+      </p:cxnSp>
+      <p:cxnSp>
+        <p:nvCxnSpPr>
+          <p:cNvPr id="45" name="Straight Arrow Connector 44">
+            <a:extLst>
+              <a:ext uri="{FF2B5EF4-FFF2-40B4-BE49-F238E27FC236}">
+                <a16:creationId xmlns:a16="http://schemas.microsoft.com/office/drawing/2014/main" id="{AD57EBC3-21D9-43D4-99C6-C68D52F64887}"/>
+              </a:ext>
+            </a:extLst>
+          </p:cNvPr>
+          <p:cNvCxnSpPr/>
+          <p:nvPr/>
+        </p:nvCxnSpPr>
+        <p:spPr>
+          <a:xfrm>
+            <a:off x="6082748" y="3588849"/>
+            <a:ext cx="294850" cy="7465"/>
+          </a:xfrm>
+          <a:prstGeom prst="straightConnector1">
+            <a:avLst/>
+          </a:prstGeom>
+          <a:ln>
+            <a:tailEnd type="triangle"/>
+          </a:ln>
+        </p:spPr>
+        <p:style>
+          <a:lnRef idx="1">
+            <a:schemeClr val="accent1"/>
+          </a:lnRef>
+          <a:fillRef idx="0">
+            <a:schemeClr val="accent1"/>
+          </a:fillRef>
+          <a:effectRef idx="0">
+            <a:schemeClr val="accent1"/>
+          </a:effectRef>
+          <a:fontRef idx="minor">
+            <a:schemeClr val="tx1"/>
+          </a:fontRef>
+        </p:style>
+      </p:cxnSp>
+      <p:cxnSp>
+        <p:nvCxnSpPr>
+          <p:cNvPr id="46" name="Straight Arrow Connector 45">
+            <a:extLst>
+              <a:ext uri="{FF2B5EF4-FFF2-40B4-BE49-F238E27FC236}">
+                <a16:creationId xmlns:a16="http://schemas.microsoft.com/office/drawing/2014/main" id="{F0674168-C2FD-4717-B705-731BA3195904}"/>
+              </a:ext>
+            </a:extLst>
+          </p:cNvPr>
+          <p:cNvCxnSpPr/>
+          <p:nvPr/>
+        </p:nvCxnSpPr>
+        <p:spPr>
+          <a:xfrm>
+            <a:off x="6089374" y="4204253"/>
+            <a:ext cx="294850" cy="7465"/>
+          </a:xfrm>
+          <a:prstGeom prst="straightConnector1">
+            <a:avLst/>
+          </a:prstGeom>
+          <a:ln>
+            <a:tailEnd type="triangle"/>
+          </a:ln>
+        </p:spPr>
+        <p:style>
+          <a:lnRef idx="1">
+            <a:schemeClr val="accent1"/>
+          </a:lnRef>
+          <a:fillRef idx="0">
+            <a:schemeClr val="accent1"/>
+          </a:fillRef>
+          <a:effectRef idx="0">
+            <a:schemeClr val="accent1"/>
+          </a:effectRef>
+          <a:fontRef idx="minor">
+            <a:schemeClr val="tx1"/>
+          </a:fontRef>
+        </p:style>
+      </p:cxnSp>
+      <p:sp>
+        <p:nvSpPr>
+          <p:cNvPr id="47" name="Rectangle 46">
+            <a:extLst>
+              <a:ext uri="{FF2B5EF4-FFF2-40B4-BE49-F238E27FC236}">
+                <a16:creationId xmlns:a16="http://schemas.microsoft.com/office/drawing/2014/main" id="{5BC2A238-43BE-4910-AD1D-BCB84524047C}"/>
+              </a:ext>
+            </a:extLst>
+          </p:cNvPr>
+          <p:cNvSpPr/>
+          <p:nvPr/>
+        </p:nvSpPr>
+        <p:spPr>
+          <a:xfrm>
+            <a:off x="7070011" y="3702323"/>
+            <a:ext cx="377688" cy="356146"/>
+          </a:xfrm>
+          <a:prstGeom prst="rect">
+            <a:avLst/>
+          </a:prstGeom>
+          <a:solidFill>
+            <a:schemeClr val="accent3">
+              <a:lumMod val="40000"/>
+              <a:lumOff val="60000"/>
+            </a:schemeClr>
+          </a:solidFill>
+          <a:ln>
+            <a:noFill/>
+          </a:ln>
+        </p:spPr>
+        <p:style>
+          <a:lnRef idx="2">
+            <a:schemeClr val="accent1">
+              <a:shade val="50000"/>
+            </a:schemeClr>
+          </a:lnRef>
+          <a:fillRef idx="1">
+            <a:schemeClr val="accent1"/>
+          </a:fillRef>
+          <a:effectRef idx="0">
+            <a:schemeClr val="accent1"/>
+          </a:effectRef>
+          <a:fontRef idx="minor">
+            <a:schemeClr val="lt1"/>
+          </a:fontRef>
+        </p:style>
+        <p:txBody>
+          <a:bodyPr rtlCol="0" anchor="ctr"/>
+          <a:lstStyle/>
+          <a:p>
+            <a:pPr algn="ctr"/>
+            <a:r>
+              <a:rPr lang="en-US" dirty="0">
+                <a:solidFill>
+                  <a:schemeClr val="tx1"/>
+                </a:solidFill>
+              </a:rPr>
+              <a:t>z</a:t>
+            </a:r>
+            <a:endParaRPr lang="en-IN" dirty="0">
+              <a:solidFill>
+                <a:schemeClr val="tx1"/>
+              </a:solidFill>
+            </a:endParaRPr>
+          </a:p>
+        </p:txBody>
+      </p:sp>
+      <p:cxnSp>
+        <p:nvCxnSpPr>
+          <p:cNvPr id="48" name="Straight Arrow Connector 47">
+            <a:extLst>
+              <a:ext uri="{FF2B5EF4-FFF2-40B4-BE49-F238E27FC236}">
+                <a16:creationId xmlns:a16="http://schemas.microsoft.com/office/drawing/2014/main" id="{B0528942-27AD-4438-BD9B-3C935122E8B6}"/>
+              </a:ext>
+            </a:extLst>
+          </p:cNvPr>
+          <p:cNvCxnSpPr>
+            <a:cxnSpLocks/>
+          </p:cNvCxnSpPr>
+          <p:nvPr/>
+        </p:nvCxnSpPr>
+        <p:spPr>
+          <a:xfrm>
+            <a:off x="6742060" y="3596314"/>
+            <a:ext cx="301476" cy="170608"/>
+          </a:xfrm>
+          <a:prstGeom prst="straightConnector1">
+            <a:avLst/>
+          </a:prstGeom>
+          <a:ln>
+            <a:tailEnd type="triangle"/>
+          </a:ln>
+        </p:spPr>
+        <p:style>
+          <a:lnRef idx="1">
+            <a:schemeClr val="accent1"/>
+          </a:lnRef>
+          <a:fillRef idx="0">
+            <a:schemeClr val="accent1"/>
+          </a:fillRef>
+          <a:effectRef idx="0">
+            <a:schemeClr val="accent1"/>
+          </a:effectRef>
+          <a:fontRef idx="minor">
+            <a:schemeClr val="tx1"/>
+          </a:fontRef>
+        </p:style>
+      </p:cxnSp>
+      <p:cxnSp>
+        <p:nvCxnSpPr>
+          <p:cNvPr id="49" name="Straight Arrow Connector 48">
+            <a:extLst>
+              <a:ext uri="{FF2B5EF4-FFF2-40B4-BE49-F238E27FC236}">
+                <a16:creationId xmlns:a16="http://schemas.microsoft.com/office/drawing/2014/main" id="{6894B43B-1398-4ABD-9DDE-85E60E3A48D3}"/>
+              </a:ext>
+            </a:extLst>
+          </p:cNvPr>
+          <p:cNvCxnSpPr>
+            <a:cxnSpLocks/>
+          </p:cNvCxnSpPr>
+          <p:nvPr/>
+        </p:nvCxnSpPr>
+        <p:spPr>
+          <a:xfrm flipV="1">
+            <a:off x="6742060" y="4022874"/>
+            <a:ext cx="301450" cy="182631"/>
+          </a:xfrm>
+          <a:prstGeom prst="straightConnector1">
+            <a:avLst/>
+          </a:prstGeom>
+          <a:ln>
+            <a:tailEnd type="triangle"/>
+          </a:ln>
+        </p:spPr>
+        <p:style>
+          <a:lnRef idx="1">
+            <a:schemeClr val="accent1"/>
+          </a:lnRef>
+          <a:fillRef idx="0">
+            <a:schemeClr val="accent1"/>
+          </a:fillRef>
+          <a:effectRef idx="0">
+            <a:schemeClr val="accent1"/>
+          </a:effectRef>
+          <a:fontRef idx="minor">
+            <a:schemeClr val="tx1"/>
+          </a:fontRef>
+        </p:style>
+      </p:cxnSp>
+      <p:sp>
+        <p:nvSpPr>
+          <p:cNvPr id="50" name="Trapezoid 49">
+            <a:extLst>
+              <a:ext uri="{FF2B5EF4-FFF2-40B4-BE49-F238E27FC236}">
+                <a16:creationId xmlns:a16="http://schemas.microsoft.com/office/drawing/2014/main" id="{6C95A826-8433-4F9C-AD57-FCEAD77C9849}"/>
+              </a:ext>
+            </a:extLst>
+          </p:cNvPr>
+          <p:cNvSpPr/>
+          <p:nvPr/>
+        </p:nvSpPr>
+        <p:spPr>
+          <a:xfrm rot="16200000">
+            <a:off x="7964556" y="3534801"/>
+            <a:ext cx="1285460" cy="691189"/>
+          </a:xfrm>
+          <a:prstGeom prst="trapezoid">
+            <a:avLst/>
+          </a:prstGeom>
+          <a:solidFill>
+            <a:schemeClr val="accent2">
+              <a:lumMod val="60000"/>
+              <a:lumOff val="40000"/>
+            </a:schemeClr>
+          </a:solidFill>
+          <a:ln>
+            <a:noFill/>
+          </a:ln>
+        </p:spPr>
+        <p:style>
+          <a:lnRef idx="2">
+            <a:schemeClr val="accent1">
+              <a:shade val="50000"/>
+            </a:schemeClr>
+          </a:lnRef>
+          <a:fillRef idx="1">
+            <a:schemeClr val="accent1"/>
+          </a:fillRef>
+          <a:effectRef idx="0">
+            <a:schemeClr val="accent1"/>
+          </a:effectRef>
+          <a:fontRef idx="minor">
+            <a:schemeClr val="lt1"/>
+          </a:fontRef>
+        </p:style>
+        <p:txBody>
+          <a:bodyPr rtlCol="0" anchor="ctr"/>
+          <a:lstStyle/>
+          <a:p>
+            <a:pPr algn="ctr"/>
+            <a:endParaRPr lang="en-IN" dirty="0"/>
+          </a:p>
+        </p:txBody>
+      </p:sp>
+      <p:cxnSp>
+        <p:nvCxnSpPr>
+          <p:cNvPr id="51" name="Straight Arrow Connector 50">
+            <a:extLst>
+              <a:ext uri="{FF2B5EF4-FFF2-40B4-BE49-F238E27FC236}">
+                <a16:creationId xmlns:a16="http://schemas.microsoft.com/office/drawing/2014/main" id="{93812CC2-B414-474C-A035-F415F770179B}"/>
+              </a:ext>
+            </a:extLst>
+          </p:cNvPr>
+          <p:cNvCxnSpPr>
+            <a:stCxn id="47" idx="3"/>
+            <a:endCxn id="50" idx="0"/>
+          </p:cNvCxnSpPr>
+          <p:nvPr/>
+        </p:nvCxnSpPr>
+        <p:spPr>
+          <a:xfrm>
+            <a:off x="7447699" y="3880396"/>
+            <a:ext cx="813993" cy="0"/>
+          </a:xfrm>
+          <a:prstGeom prst="straightConnector1">
+            <a:avLst/>
+          </a:prstGeom>
+          <a:ln>
+            <a:tailEnd type="triangle"/>
+          </a:ln>
+        </p:spPr>
+        <p:style>
+          <a:lnRef idx="1">
+            <a:schemeClr val="accent1"/>
+          </a:lnRef>
+          <a:fillRef idx="0">
+            <a:schemeClr val="accent1"/>
+          </a:fillRef>
+          <a:effectRef idx="0">
+            <a:schemeClr val="accent1"/>
+          </a:effectRef>
+          <a:fontRef idx="minor">
+            <a:schemeClr val="tx1"/>
+          </a:fontRef>
+        </p:style>
+      </p:cxnSp>
+      <p:sp>
+        <p:nvSpPr>
+          <p:cNvPr id="52" name="Rectangle 51">
+            <a:extLst>
+              <a:ext uri="{FF2B5EF4-FFF2-40B4-BE49-F238E27FC236}">
+                <a16:creationId xmlns:a16="http://schemas.microsoft.com/office/drawing/2014/main" id="{64C1C738-0CFE-4A93-90CE-F12BF98169A2}"/>
+              </a:ext>
+            </a:extLst>
+          </p:cNvPr>
+          <p:cNvSpPr/>
+          <p:nvPr/>
+        </p:nvSpPr>
+        <p:spPr>
+          <a:xfrm>
+            <a:off x="9133235" y="3246789"/>
+            <a:ext cx="172082" cy="1285461"/>
+          </a:xfrm>
+          <a:prstGeom prst="rect">
+            <a:avLst/>
+          </a:prstGeom>
+          <a:solidFill>
+            <a:schemeClr val="accent4">
+              <a:lumMod val="60000"/>
+              <a:lumOff val="40000"/>
+            </a:schemeClr>
+          </a:solidFill>
+          <a:ln>
+            <a:noFill/>
+          </a:ln>
+        </p:spPr>
+        <p:style>
+          <a:lnRef idx="2">
+            <a:schemeClr val="accent1">
+              <a:shade val="50000"/>
+            </a:schemeClr>
+          </a:lnRef>
+          <a:fillRef idx="1">
+            <a:schemeClr val="accent1"/>
+          </a:fillRef>
+          <a:effectRef idx="0">
+            <a:schemeClr val="accent1"/>
+          </a:effectRef>
+          <a:fontRef idx="minor">
+            <a:schemeClr val="lt1"/>
+          </a:fontRef>
+        </p:style>
+        <p:txBody>
+          <a:bodyPr rtlCol="0" anchor="ctr"/>
+          <a:lstStyle/>
+          <a:p>
+            <a:pPr algn="ctr"/>
+            <a:endParaRPr lang="en-IN"/>
+          </a:p>
+        </p:txBody>
+      </p:sp>
+      <p:cxnSp>
+        <p:nvCxnSpPr>
+          <p:cNvPr id="53" name="Straight Arrow Connector 52">
+            <a:extLst>
+              <a:ext uri="{FF2B5EF4-FFF2-40B4-BE49-F238E27FC236}">
+                <a16:creationId xmlns:a16="http://schemas.microsoft.com/office/drawing/2014/main" id="{F6E0A98E-E406-4DDE-B1DD-03337F794CEA}"/>
+              </a:ext>
+            </a:extLst>
+          </p:cNvPr>
+          <p:cNvCxnSpPr>
+            <a:stCxn id="52" idx="3"/>
+          </p:cNvCxnSpPr>
+          <p:nvPr/>
+        </p:nvCxnSpPr>
+        <p:spPr>
+          <a:xfrm>
+            <a:off x="9305317" y="3889520"/>
+            <a:ext cx="421779" cy="9922"/>
+          </a:xfrm>
+          <a:prstGeom prst="straightConnector1">
+            <a:avLst/>
+          </a:prstGeom>
+          <a:ln>
+            <a:tailEnd type="triangle"/>
+          </a:ln>
+        </p:spPr>
+        <p:style>
+          <a:lnRef idx="1">
+            <a:schemeClr val="accent2"/>
+          </a:lnRef>
+          <a:fillRef idx="0">
+            <a:schemeClr val="accent2"/>
+          </a:fillRef>
+          <a:effectRef idx="0">
+            <a:schemeClr val="accent2"/>
+          </a:effectRef>
+          <a:fontRef idx="minor">
+            <a:schemeClr val="tx1"/>
+          </a:fontRef>
+        </p:style>
+      </p:cxnSp>
+      <p:sp>
+        <p:nvSpPr>
+          <p:cNvPr id="54" name="TextBox 53">
+            <a:extLst>
+              <a:ext uri="{FF2B5EF4-FFF2-40B4-BE49-F238E27FC236}">
+                <a16:creationId xmlns:a16="http://schemas.microsoft.com/office/drawing/2014/main" id="{84AEA50C-2D1C-4E84-8D22-5D36A1E94C71}"/>
+              </a:ext>
+            </a:extLst>
+          </p:cNvPr>
+          <p:cNvSpPr txBox="1"/>
+          <p:nvPr/>
+        </p:nvSpPr>
+        <p:spPr>
+          <a:xfrm>
+            <a:off x="9450896" y="3323117"/>
+            <a:ext cx="2186608" cy="646331"/>
+          </a:xfrm>
+          <a:prstGeom prst="rect">
+            <a:avLst/>
+          </a:prstGeom>
+          <a:noFill/>
+        </p:spPr>
+        <p:txBody>
+          <a:bodyPr wrap="square" rtlCol="0">
+            <a:spAutoFit/>
+          </a:bodyPr>
+          <a:lstStyle/>
+          <a:p>
+            <a:pPr algn="ctr"/>
+            <a:r>
+              <a:rPr lang="en-US" dirty="0"/>
+              <a:t>Reconstructed Output</a:t>
+            </a:r>
+            <a:endParaRPr lang="en-IN" dirty="0"/>
+          </a:p>
+        </p:txBody>
+      </p:sp>
+      <p:sp>
+        <p:nvSpPr>
+          <p:cNvPr id="55" name="TextBox 54">
+            <a:extLst>
+              <a:ext uri="{FF2B5EF4-FFF2-40B4-BE49-F238E27FC236}">
+                <a16:creationId xmlns:a16="http://schemas.microsoft.com/office/drawing/2014/main" id="{7B108219-C9A4-4C5F-B640-C4943EA46608}"/>
+              </a:ext>
+            </a:extLst>
+          </p:cNvPr>
+          <p:cNvSpPr txBox="1"/>
+          <p:nvPr/>
+        </p:nvSpPr>
+        <p:spPr>
+          <a:xfrm>
+            <a:off x="7941496" y="4701199"/>
+            <a:ext cx="1331580" cy="553998"/>
+          </a:xfrm>
+          <a:prstGeom prst="rect">
+            <a:avLst/>
+          </a:prstGeom>
+          <a:noFill/>
+        </p:spPr>
+        <p:txBody>
+          <a:bodyPr wrap="square" rtlCol="0">
+            <a:spAutoFit/>
+          </a:bodyPr>
+          <a:lstStyle/>
+          <a:p>
+            <a:pPr algn="ctr"/>
+            <a:r>
+              <a:rPr lang="en-US" sz="1500" dirty="0">
+                <a:latin typeface="Times New Roman" panose="02020603050405020304" pitchFamily="18" charset="0"/>
+                <a:cs typeface="Times New Roman" panose="02020603050405020304" pitchFamily="18" charset="0"/>
+              </a:rPr>
+              <a:t>Probabilistic Decoder</a:t>
+            </a:r>
+            <a:endParaRPr lang="en-IN" sz="1500" dirty="0">
+              <a:latin typeface="Times New Roman" panose="02020603050405020304" pitchFamily="18" charset="0"/>
+              <a:cs typeface="Times New Roman" panose="02020603050405020304" pitchFamily="18" charset="0"/>
+            </a:endParaRPr>
+          </a:p>
+        </p:txBody>
+      </p:sp>
+      <p:sp>
+        <p:nvSpPr>
+          <p:cNvPr id="56" name="TextBox 55">
+            <a:extLst>
+              <a:ext uri="{FF2B5EF4-FFF2-40B4-BE49-F238E27FC236}">
+                <a16:creationId xmlns:a16="http://schemas.microsoft.com/office/drawing/2014/main" id="{3F62030D-0576-4813-93CC-E843CEC35B5F}"/>
+              </a:ext>
+            </a:extLst>
+          </p:cNvPr>
+          <p:cNvSpPr txBox="1"/>
+          <p:nvPr/>
+        </p:nvSpPr>
+        <p:spPr>
+          <a:xfrm>
+            <a:off x="4991961" y="5883127"/>
+            <a:ext cx="1176117" cy="584775"/>
+          </a:xfrm>
+          <a:prstGeom prst="rect">
+            <a:avLst/>
+          </a:prstGeom>
+          <a:noFill/>
+        </p:spPr>
+        <p:txBody>
+          <a:bodyPr wrap="square" rtlCol="0">
+            <a:spAutoFit/>
+          </a:bodyPr>
+          <a:lstStyle/>
+          <a:p>
+            <a:pPr algn="ctr"/>
+            <a:r>
+              <a:rPr lang="en-US" sz="1600" dirty="0">
+                <a:latin typeface="Times New Roman" panose="02020603050405020304" pitchFamily="18" charset="0"/>
+                <a:cs typeface="Times New Roman" panose="02020603050405020304" pitchFamily="18" charset="0"/>
+              </a:rPr>
+              <a:t>Product of Experts</a:t>
+            </a:r>
+            <a:endParaRPr lang="en-IN" sz="1600" dirty="0">
+              <a:latin typeface="Times New Roman" panose="02020603050405020304" pitchFamily="18" charset="0"/>
+              <a:cs typeface="Times New Roman" panose="02020603050405020304" pitchFamily="18" charset="0"/>
+            </a:endParaRPr>
+          </a:p>
+        </p:txBody>
+      </p:sp>
+      <mc:AlternateContent xmlns:mc="http://schemas.openxmlformats.org/markup-compatibility/2006">
+        <mc:Choice xmlns:a14="http://schemas.microsoft.com/office/drawing/2010/main" Requires="a14">
+          <p:sp>
+            <p:nvSpPr>
+              <p:cNvPr id="57" name="TextBox 56">
+                <a:extLst>
+                  <a:ext uri="{FF2B5EF4-FFF2-40B4-BE49-F238E27FC236}">
+                    <a16:creationId xmlns:a16="http://schemas.microsoft.com/office/drawing/2014/main" id="{BD965C86-853C-49F1-8767-4B27ECDDF7FF}"/>
+                  </a:ext>
+                </a:extLst>
+              </p:cNvPr>
+              <p:cNvSpPr txBox="1"/>
+              <p:nvPr/>
+            </p:nvSpPr>
+            <p:spPr>
+              <a:xfrm>
+                <a:off x="8030772" y="3621984"/>
+                <a:ext cx="1331580" cy="400110"/>
+              </a:xfrm>
+              <a:prstGeom prst="rect">
+                <a:avLst/>
+              </a:prstGeom>
+              <a:noFill/>
+            </p:spPr>
+            <p:txBody>
+              <a:bodyPr wrap="square" rtlCol="0">
+                <a:spAutoFit/>
+              </a:bodyPr>
+              <a:lstStyle/>
+              <a:p>
+                <a:pPr algn="ctr"/>
+                <a14:m>
+                  <m:oMathPara xmlns:m="http://schemas.openxmlformats.org/officeDocument/2006/math">
+                    <m:oMathParaPr>
+                      <m:jc m:val="centerGroup"/>
+                    </m:oMathParaPr>
+                    <m:oMath xmlns:m="http://schemas.openxmlformats.org/officeDocument/2006/math">
+                      <m:sSub>
+                        <m:sSubPr>
+                          <m:ctrlPr>
+                            <a:rPr lang="en-US" sz="2000" b="0" i="1" smtClean="0">
+                              <a:latin typeface="Cambria Math" panose="02040503050406030204" pitchFamily="18" charset="0"/>
+                              <a:ea typeface="Cambria Math" panose="02040503050406030204" pitchFamily="18" charset="0"/>
+                              <a:cs typeface="Times New Roman" panose="02020603050405020304" pitchFamily="18" charset="0"/>
+                            </a:rPr>
+                          </m:ctrlPr>
+                        </m:sSubPr>
+                        <m:e>
+                          <m:r>
+                            <a:rPr lang="en-US" sz="2000" b="0" i="1" smtClean="0">
+                              <a:latin typeface="Cambria Math" panose="02040503050406030204" pitchFamily="18" charset="0"/>
+                              <a:ea typeface="Cambria Math" panose="02040503050406030204" pitchFamily="18" charset="0"/>
+                              <a:cs typeface="Times New Roman" panose="02020603050405020304" pitchFamily="18" charset="0"/>
+                            </a:rPr>
+                            <m:t>𝑝</m:t>
+                          </m:r>
+                        </m:e>
+                        <m:sub>
+                          <m:r>
+                            <a:rPr lang="en-US" sz="2000" b="0" i="1" smtClean="0">
+                              <a:latin typeface="Cambria Math" panose="02040503050406030204" pitchFamily="18" charset="0"/>
+                              <a:ea typeface="Cambria Math" panose="02040503050406030204" pitchFamily="18" charset="0"/>
+                              <a:cs typeface="Times New Roman" panose="02020603050405020304" pitchFamily="18" charset="0"/>
+                            </a:rPr>
+                            <m:t>𝜃</m:t>
+                          </m:r>
+                        </m:sub>
+                      </m:sSub>
+                    </m:oMath>
+                  </m:oMathPara>
+                </a14:m>
+                <a:endParaRPr lang="en-US" sz="2000" b="0" dirty="0">
+                  <a:latin typeface="Times New Roman" panose="02020603050405020304" pitchFamily="18" charset="0"/>
+                  <a:ea typeface="Cambria Math" panose="02040503050406030204" pitchFamily="18" charset="0"/>
+                  <a:cs typeface="Times New Roman" panose="02020603050405020304" pitchFamily="18" charset="0"/>
+                </a:endParaRPr>
+              </a:p>
+            </p:txBody>
+          </p:sp>
+        </mc:Choice>
+        <mc:Fallback>
+          <p:sp>
+            <p:nvSpPr>
+              <p:cNvPr id="57" name="TextBox 56">
+                <a:extLst>
+                  <a:ext uri="{FF2B5EF4-FFF2-40B4-BE49-F238E27FC236}">
+                    <a16:creationId xmlns:a16="http://schemas.microsoft.com/office/drawing/2014/main" id="{BD965C86-853C-49F1-8767-4B27ECDDF7FF}"/>
+                  </a:ext>
+                </a:extLst>
+              </p:cNvPr>
+              <p:cNvSpPr txBox="1">
+                <a:spLocks noRot="1" noChangeAspect="1" noMove="1" noResize="1" noEditPoints="1" noAdjustHandles="1" noChangeArrowheads="1" noChangeShapeType="1" noTextEdit="1"/>
+              </p:cNvSpPr>
+              <p:nvPr/>
+            </p:nvSpPr>
+            <p:spPr>
+              <a:xfrm>
+                <a:off x="8030772" y="3621984"/>
+                <a:ext cx="1331580" cy="400110"/>
+              </a:xfrm>
+              <a:prstGeom prst="rect">
+                <a:avLst/>
+              </a:prstGeom>
+              <a:blipFill>
+                <a:blip r:embed="rId3"/>
+                <a:stretch>
+                  <a:fillRect b="-9091"/>
+                </a:stretch>
+              </a:blipFill>
+            </p:spPr>
+            <p:txBody>
+              <a:bodyPr/>
+              <a:lstStyle/>
+              <a:p>
+                <a:r>
+                  <a:rPr lang="en-IN">
+                    <a:noFill/>
+                  </a:rPr>
+                  <a:t> </a:t>
+                </a:r>
+              </a:p>
+            </p:txBody>
+          </p:sp>
+        </mc:Fallback>
+      </mc:AlternateContent>
+      <mc:AlternateContent xmlns:mc="http://schemas.openxmlformats.org/markup-compatibility/2006">
+        <mc:Choice xmlns:a14="http://schemas.microsoft.com/office/drawing/2010/main" Requires="a14">
+          <p:sp>
+            <p:nvSpPr>
+              <p:cNvPr id="58" name="TextBox 57">
+                <a:extLst>
+                  <a:ext uri="{FF2B5EF4-FFF2-40B4-BE49-F238E27FC236}">
+                    <a16:creationId xmlns:a16="http://schemas.microsoft.com/office/drawing/2014/main" id="{35B539B8-5471-46B0-A869-7CD8778E75AA}"/>
+                  </a:ext>
+                </a:extLst>
+              </p:cNvPr>
+              <p:cNvSpPr txBox="1"/>
+              <p:nvPr/>
+            </p:nvSpPr>
+            <p:spPr>
+              <a:xfrm>
+                <a:off x="2690143" y="1880149"/>
+                <a:ext cx="178925" cy="373307"/>
+              </a:xfrm>
+              <a:prstGeom prst="rect">
+                <a:avLst/>
+              </a:prstGeom>
+              <a:noFill/>
+            </p:spPr>
+            <p:txBody>
+              <a:bodyPr wrap="square" rtlCol="0">
+                <a:spAutoFit/>
+              </a:bodyPr>
+              <a:lstStyle/>
+              <a:p>
+                <a14:m>
+                  <m:oMathPara xmlns:m="http://schemas.openxmlformats.org/officeDocument/2006/math">
+                    <m:oMathParaPr>
+                      <m:jc m:val="centerGroup"/>
+                    </m:oMathParaPr>
+                    <m:oMath xmlns:m="http://schemas.openxmlformats.org/officeDocument/2006/math">
+                      <m:sSub>
+                        <m:sSubPr>
+                          <m:ctrlPr>
+                            <a:rPr lang="en-US" b="0" i="1" smtClean="0">
+                              <a:latin typeface="Cambria Math" panose="02040503050406030204" pitchFamily="18" charset="0"/>
+                            </a:rPr>
+                          </m:ctrlPr>
+                        </m:sSubPr>
+                        <m:e>
+                          <m:r>
+                            <a:rPr lang="en-US" b="0" i="1" smtClean="0">
+                              <a:latin typeface="Cambria Math" panose="02040503050406030204" pitchFamily="18" charset="0"/>
+                            </a:rPr>
+                            <m:t>𝑞</m:t>
+                          </m:r>
+                        </m:e>
+                        <m:sub>
+                          <m:r>
+                            <a:rPr lang="en-US" b="0" i="1" smtClean="0">
+                              <a:latin typeface="Cambria Math" panose="02040503050406030204" pitchFamily="18" charset="0"/>
+                              <a:ea typeface="Cambria Math" panose="02040503050406030204" pitchFamily="18" charset="0"/>
+                            </a:rPr>
+                            <m:t>∅</m:t>
+                          </m:r>
+                        </m:sub>
+                      </m:sSub>
+                    </m:oMath>
+                  </m:oMathPara>
+                </a14:m>
+                <a:endParaRPr lang="en-US" b="0" dirty="0">
+                  <a:ea typeface="Cambria Math" panose="02040503050406030204" pitchFamily="18" charset="0"/>
+                </a:endParaRPr>
+              </a:p>
+            </p:txBody>
+          </p:sp>
+        </mc:Choice>
+        <mc:Fallback>
+          <p:sp>
+            <p:nvSpPr>
+              <p:cNvPr id="58" name="TextBox 57">
+                <a:extLst>
+                  <a:ext uri="{FF2B5EF4-FFF2-40B4-BE49-F238E27FC236}">
+                    <a16:creationId xmlns:a16="http://schemas.microsoft.com/office/drawing/2014/main" id="{35B539B8-5471-46B0-A869-7CD8778E75AA}"/>
+                  </a:ext>
+                </a:extLst>
+              </p:cNvPr>
+              <p:cNvSpPr txBox="1">
+                <a:spLocks noRot="1" noChangeAspect="1" noMove="1" noResize="1" noEditPoints="1" noAdjustHandles="1" noChangeArrowheads="1" noChangeShapeType="1" noTextEdit="1"/>
+              </p:cNvSpPr>
+              <p:nvPr/>
+            </p:nvSpPr>
+            <p:spPr>
+              <a:xfrm>
+                <a:off x="2690143" y="1880149"/>
+                <a:ext cx="178925" cy="373307"/>
+              </a:xfrm>
+              <a:prstGeom prst="rect">
+                <a:avLst/>
+              </a:prstGeom>
+              <a:blipFill>
+                <a:blip r:embed="rId4"/>
+                <a:stretch>
+                  <a:fillRect r="-110000" b="-6452"/>
+                </a:stretch>
+              </a:blipFill>
+            </p:spPr>
+            <p:txBody>
+              <a:bodyPr/>
+              <a:lstStyle/>
+              <a:p>
+                <a:r>
+                  <a:rPr lang="en-IN">
+                    <a:noFill/>
+                  </a:rPr>
+                  <a:t> </a:t>
+                </a:r>
+              </a:p>
+            </p:txBody>
+          </p:sp>
+        </mc:Fallback>
+      </mc:AlternateContent>
+      <mc:AlternateContent xmlns:mc="http://schemas.openxmlformats.org/markup-compatibility/2006">
+        <mc:Choice xmlns:a14="http://schemas.microsoft.com/office/drawing/2010/main" Requires="a14">
+          <p:sp>
+            <p:nvSpPr>
+              <p:cNvPr id="59" name="TextBox 58">
+                <a:extLst>
+                  <a:ext uri="{FF2B5EF4-FFF2-40B4-BE49-F238E27FC236}">
+                    <a16:creationId xmlns:a16="http://schemas.microsoft.com/office/drawing/2014/main" id="{B430917F-FA09-4DEF-8C2A-875CAF2593EF}"/>
+                  </a:ext>
+                </a:extLst>
+              </p:cNvPr>
+              <p:cNvSpPr txBox="1"/>
+              <p:nvPr/>
+            </p:nvSpPr>
+            <p:spPr>
+              <a:xfrm>
+                <a:off x="2630533" y="3159923"/>
+                <a:ext cx="178925" cy="373307"/>
+              </a:xfrm>
+              <a:prstGeom prst="rect">
+                <a:avLst/>
+              </a:prstGeom>
+              <a:noFill/>
+            </p:spPr>
+            <p:txBody>
+              <a:bodyPr wrap="square" rtlCol="0">
+                <a:spAutoFit/>
+              </a:bodyPr>
+              <a:lstStyle/>
+              <a:p>
+                <a14:m>
+                  <m:oMathPara xmlns:m="http://schemas.openxmlformats.org/officeDocument/2006/math">
+                    <m:oMathParaPr>
+                      <m:jc m:val="centerGroup"/>
+                    </m:oMathParaPr>
+                    <m:oMath xmlns:m="http://schemas.openxmlformats.org/officeDocument/2006/math">
+                      <m:sSub>
+                        <m:sSubPr>
+                          <m:ctrlPr>
+                            <a:rPr lang="en-US" b="0" i="1" smtClean="0">
+                              <a:latin typeface="Cambria Math" panose="02040503050406030204" pitchFamily="18" charset="0"/>
+                            </a:rPr>
+                          </m:ctrlPr>
+                        </m:sSubPr>
+                        <m:e>
+                          <m:r>
+                            <a:rPr lang="en-US" b="0" i="1" smtClean="0">
+                              <a:latin typeface="Cambria Math" panose="02040503050406030204" pitchFamily="18" charset="0"/>
+                            </a:rPr>
+                            <m:t>𝑞</m:t>
+                          </m:r>
+                        </m:e>
+                        <m:sub>
+                          <m:r>
+                            <a:rPr lang="en-US" b="0" i="1" smtClean="0">
+                              <a:latin typeface="Cambria Math" panose="02040503050406030204" pitchFamily="18" charset="0"/>
+                              <a:ea typeface="Cambria Math" panose="02040503050406030204" pitchFamily="18" charset="0"/>
+                            </a:rPr>
+                            <m:t>∅</m:t>
+                          </m:r>
+                        </m:sub>
+                      </m:sSub>
+                    </m:oMath>
+                  </m:oMathPara>
+                </a14:m>
+                <a:endParaRPr lang="en-US" b="0" dirty="0">
+                  <a:ea typeface="Cambria Math" panose="02040503050406030204" pitchFamily="18" charset="0"/>
+                </a:endParaRPr>
+              </a:p>
+            </p:txBody>
+          </p:sp>
+        </mc:Choice>
+        <mc:Fallback>
+          <p:sp>
+            <p:nvSpPr>
+              <p:cNvPr id="59" name="TextBox 58">
+                <a:extLst>
+                  <a:ext uri="{FF2B5EF4-FFF2-40B4-BE49-F238E27FC236}">
+                    <a16:creationId xmlns:a16="http://schemas.microsoft.com/office/drawing/2014/main" id="{B430917F-FA09-4DEF-8C2A-875CAF2593EF}"/>
+                  </a:ext>
+                </a:extLst>
+              </p:cNvPr>
+              <p:cNvSpPr txBox="1">
+                <a:spLocks noRot="1" noChangeAspect="1" noMove="1" noResize="1" noEditPoints="1" noAdjustHandles="1" noChangeArrowheads="1" noChangeShapeType="1" noTextEdit="1"/>
+              </p:cNvSpPr>
+              <p:nvPr/>
+            </p:nvSpPr>
+            <p:spPr>
+              <a:xfrm>
+                <a:off x="2630533" y="3159923"/>
+                <a:ext cx="178925" cy="373307"/>
+              </a:xfrm>
+              <a:prstGeom prst="rect">
+                <a:avLst/>
+              </a:prstGeom>
+              <a:blipFill>
+                <a:blip r:embed="rId5"/>
+                <a:stretch>
+                  <a:fillRect r="-117241" b="-6452"/>
+                </a:stretch>
+              </a:blipFill>
+            </p:spPr>
+            <p:txBody>
+              <a:bodyPr/>
+              <a:lstStyle/>
+              <a:p>
+                <a:r>
+                  <a:rPr lang="en-IN">
+                    <a:noFill/>
+                  </a:rPr>
+                  <a:t> </a:t>
+                </a:r>
+              </a:p>
+            </p:txBody>
+          </p:sp>
+        </mc:Fallback>
+      </mc:AlternateContent>
+      <mc:AlternateContent xmlns:mc="http://schemas.openxmlformats.org/markup-compatibility/2006">
+        <mc:Choice xmlns:a14="http://schemas.microsoft.com/office/drawing/2010/main" Requires="a14">
+          <p:sp>
+            <p:nvSpPr>
+              <p:cNvPr id="60" name="TextBox 59">
+                <a:extLst>
+                  <a:ext uri="{FF2B5EF4-FFF2-40B4-BE49-F238E27FC236}">
+                    <a16:creationId xmlns:a16="http://schemas.microsoft.com/office/drawing/2014/main" id="{20B85EEC-6920-49B2-90D9-1B4C69A61031}"/>
+                  </a:ext>
+                </a:extLst>
+              </p:cNvPr>
+              <p:cNvSpPr txBox="1"/>
+              <p:nvPr/>
+            </p:nvSpPr>
+            <p:spPr>
+              <a:xfrm>
+                <a:off x="2657012" y="5345079"/>
+                <a:ext cx="178925" cy="373307"/>
+              </a:xfrm>
+              <a:prstGeom prst="rect">
+                <a:avLst/>
+              </a:prstGeom>
+              <a:noFill/>
+            </p:spPr>
+            <p:txBody>
+              <a:bodyPr wrap="square" rtlCol="0">
+                <a:spAutoFit/>
+              </a:bodyPr>
+              <a:lstStyle/>
+              <a:p>
+                <a14:m>
+                  <m:oMathPara xmlns:m="http://schemas.openxmlformats.org/officeDocument/2006/math">
+                    <m:oMathParaPr>
+                      <m:jc m:val="centerGroup"/>
+                    </m:oMathParaPr>
+                    <m:oMath xmlns:m="http://schemas.openxmlformats.org/officeDocument/2006/math">
+                      <m:sSub>
+                        <m:sSubPr>
+                          <m:ctrlPr>
+                            <a:rPr lang="en-US" b="0" i="1" smtClean="0">
+                              <a:latin typeface="Cambria Math" panose="02040503050406030204" pitchFamily="18" charset="0"/>
+                            </a:rPr>
+                          </m:ctrlPr>
+                        </m:sSubPr>
+                        <m:e>
+                          <m:r>
+                            <a:rPr lang="en-US" b="0" i="1" smtClean="0">
+                              <a:latin typeface="Cambria Math" panose="02040503050406030204" pitchFamily="18" charset="0"/>
+                            </a:rPr>
+                            <m:t>𝑞</m:t>
+                          </m:r>
+                        </m:e>
+                        <m:sub>
+                          <m:r>
+                            <a:rPr lang="en-US" b="0" i="1" smtClean="0">
+                              <a:latin typeface="Cambria Math" panose="02040503050406030204" pitchFamily="18" charset="0"/>
+                              <a:ea typeface="Cambria Math" panose="02040503050406030204" pitchFamily="18" charset="0"/>
+                            </a:rPr>
+                            <m:t>∅</m:t>
+                          </m:r>
+                        </m:sub>
+                      </m:sSub>
+                    </m:oMath>
+                  </m:oMathPara>
+                </a14:m>
+                <a:endParaRPr lang="en-US" b="0" dirty="0">
+                  <a:ea typeface="Cambria Math" panose="02040503050406030204" pitchFamily="18" charset="0"/>
+                </a:endParaRPr>
+              </a:p>
+            </p:txBody>
+          </p:sp>
+        </mc:Choice>
+        <mc:Fallback>
+          <p:sp>
+            <p:nvSpPr>
+              <p:cNvPr id="60" name="TextBox 59">
+                <a:extLst>
+                  <a:ext uri="{FF2B5EF4-FFF2-40B4-BE49-F238E27FC236}">
+                    <a16:creationId xmlns:a16="http://schemas.microsoft.com/office/drawing/2014/main" id="{20B85EEC-6920-49B2-90D9-1B4C69A61031}"/>
+                  </a:ext>
+                </a:extLst>
+              </p:cNvPr>
+              <p:cNvSpPr txBox="1">
+                <a:spLocks noRot="1" noChangeAspect="1" noMove="1" noResize="1" noEditPoints="1" noAdjustHandles="1" noChangeArrowheads="1" noChangeShapeType="1" noTextEdit="1"/>
+              </p:cNvSpPr>
+              <p:nvPr/>
+            </p:nvSpPr>
+            <p:spPr>
+              <a:xfrm>
+                <a:off x="2657012" y="5345079"/>
+                <a:ext cx="178925" cy="373307"/>
+              </a:xfrm>
+              <a:prstGeom prst="rect">
+                <a:avLst/>
+              </a:prstGeom>
+              <a:blipFill>
+                <a:blip r:embed="rId6"/>
+                <a:stretch>
+                  <a:fillRect r="-117241" b="-6557"/>
+                </a:stretch>
+              </a:blipFill>
+            </p:spPr>
+            <p:txBody>
+              <a:bodyPr/>
+              <a:lstStyle/>
+              <a:p>
+                <a:r>
+                  <a:rPr lang="en-IN">
+                    <a:noFill/>
+                  </a:rPr>
+                  <a:t> </a:t>
+                </a:r>
+              </a:p>
+            </p:txBody>
+          </p:sp>
+        </mc:Fallback>
+      </mc:AlternateContent>
+      <p:cxnSp>
+        <p:nvCxnSpPr>
+          <p:cNvPr id="62" name="Straight Connector 61">
+            <a:extLst>
+              <a:ext uri="{FF2B5EF4-FFF2-40B4-BE49-F238E27FC236}">
+                <a16:creationId xmlns:a16="http://schemas.microsoft.com/office/drawing/2014/main" id="{7EEE684B-A8C5-4C84-A9E0-5AB33F153CCC}"/>
+              </a:ext>
+            </a:extLst>
+          </p:cNvPr>
+          <p:cNvCxnSpPr/>
+          <p:nvPr/>
+        </p:nvCxnSpPr>
+        <p:spPr>
+          <a:xfrm>
+            <a:off x="1842051" y="2169212"/>
+            <a:ext cx="708992" cy="0"/>
+          </a:xfrm>
+          <a:prstGeom prst="line">
+            <a:avLst/>
+          </a:prstGeom>
+        </p:spPr>
+        <p:style>
+          <a:lnRef idx="1">
+            <a:schemeClr val="accent2"/>
+          </a:lnRef>
+          <a:fillRef idx="0">
+            <a:schemeClr val="accent2"/>
+          </a:fillRef>
+          <a:effectRef idx="0">
+            <a:schemeClr val="accent2"/>
+          </a:effectRef>
+          <a:fontRef idx="minor">
+            <a:schemeClr val="tx1"/>
+          </a:fontRef>
+        </p:style>
+      </p:cxnSp>
+      <p:cxnSp>
+        <p:nvCxnSpPr>
+          <p:cNvPr id="63" name="Straight Connector 62">
+            <a:extLst>
+              <a:ext uri="{FF2B5EF4-FFF2-40B4-BE49-F238E27FC236}">
+                <a16:creationId xmlns:a16="http://schemas.microsoft.com/office/drawing/2014/main" id="{D3A27C71-ECAA-40AE-B3CB-FCEAD1437D54}"/>
+              </a:ext>
+            </a:extLst>
+          </p:cNvPr>
+          <p:cNvCxnSpPr/>
+          <p:nvPr/>
+        </p:nvCxnSpPr>
+        <p:spPr>
+          <a:xfrm>
+            <a:off x="1848523" y="3509206"/>
+            <a:ext cx="708992" cy="0"/>
+          </a:xfrm>
+          <a:prstGeom prst="line">
+            <a:avLst/>
+          </a:prstGeom>
+        </p:spPr>
+        <p:style>
+          <a:lnRef idx="1">
+            <a:schemeClr val="accent2"/>
+          </a:lnRef>
+          <a:fillRef idx="0">
+            <a:schemeClr val="accent2"/>
+          </a:fillRef>
+          <a:effectRef idx="0">
+            <a:schemeClr val="accent2"/>
+          </a:effectRef>
+          <a:fontRef idx="minor">
+            <a:schemeClr val="tx1"/>
+          </a:fontRef>
+        </p:style>
+      </p:cxnSp>
+      <p:cxnSp>
+        <p:nvCxnSpPr>
+          <p:cNvPr id="64" name="Straight Connector 63">
+            <a:extLst>
+              <a:ext uri="{FF2B5EF4-FFF2-40B4-BE49-F238E27FC236}">
+                <a16:creationId xmlns:a16="http://schemas.microsoft.com/office/drawing/2014/main" id="{82E51F1A-B489-4755-A803-59DBA09EB361}"/>
+              </a:ext>
+            </a:extLst>
+          </p:cNvPr>
+          <p:cNvCxnSpPr/>
+          <p:nvPr/>
+        </p:nvCxnSpPr>
+        <p:spPr>
+          <a:xfrm>
+            <a:off x="1842051" y="5719975"/>
+            <a:ext cx="708992" cy="0"/>
+          </a:xfrm>
+          <a:prstGeom prst="line">
+            <a:avLst/>
+          </a:prstGeom>
+        </p:spPr>
+        <p:style>
+          <a:lnRef idx="1">
+            <a:schemeClr val="accent2"/>
+          </a:lnRef>
+          <a:fillRef idx="0">
+            <a:schemeClr val="accent2"/>
+          </a:fillRef>
+          <a:effectRef idx="0">
+            <a:schemeClr val="accent2"/>
+          </a:effectRef>
+          <a:fontRef idx="minor">
+            <a:schemeClr val="tx1"/>
+          </a:fontRef>
+        </p:style>
+      </p:cxnSp>
+      <p:sp>
+        <p:nvSpPr>
+          <p:cNvPr id="65" name="TextBox 64">
+            <a:extLst>
+              <a:ext uri="{FF2B5EF4-FFF2-40B4-BE49-F238E27FC236}">
+                <a16:creationId xmlns:a16="http://schemas.microsoft.com/office/drawing/2014/main" id="{4D6A370C-845F-47D6-9291-8431CACD63BD}"/>
+              </a:ext>
+            </a:extLst>
+          </p:cNvPr>
+          <p:cNvSpPr txBox="1"/>
+          <p:nvPr/>
+        </p:nvSpPr>
+        <p:spPr>
+          <a:xfrm>
+            <a:off x="1706013" y="2180127"/>
+            <a:ext cx="490331" cy="369332"/>
+          </a:xfrm>
+          <a:prstGeom prst="rect">
+            <a:avLst/>
+          </a:prstGeom>
+          <a:noFill/>
+        </p:spPr>
+        <p:txBody>
+          <a:bodyPr wrap="square" rtlCol="0">
+            <a:spAutoFit/>
+          </a:bodyPr>
+          <a:lstStyle/>
+          <a:p>
+            <a:r>
+              <a:rPr lang="en-US" dirty="0">
+                <a:latin typeface="Times New Roman" panose="02020603050405020304" pitchFamily="18" charset="0"/>
+                <a:cs typeface="Times New Roman" panose="02020603050405020304" pitchFamily="18" charset="0"/>
+              </a:rPr>
+              <a:t>c1</a:t>
+            </a:r>
+            <a:endParaRPr lang="en-IN" dirty="0">
+              <a:latin typeface="Times New Roman" panose="02020603050405020304" pitchFamily="18" charset="0"/>
+              <a:cs typeface="Times New Roman" panose="02020603050405020304" pitchFamily="18" charset="0"/>
+            </a:endParaRPr>
+          </a:p>
+        </p:txBody>
+      </p:sp>
+      <p:sp>
+        <p:nvSpPr>
+          <p:cNvPr id="66" name="TextBox 65">
+            <a:extLst>
+              <a:ext uri="{FF2B5EF4-FFF2-40B4-BE49-F238E27FC236}">
+                <a16:creationId xmlns:a16="http://schemas.microsoft.com/office/drawing/2014/main" id="{85D200F1-4C1E-4B68-B560-6E017C917429}"/>
+              </a:ext>
+            </a:extLst>
+          </p:cNvPr>
+          <p:cNvSpPr txBox="1"/>
+          <p:nvPr/>
+        </p:nvSpPr>
+        <p:spPr>
+          <a:xfrm>
+            <a:off x="1711700" y="3448023"/>
+            <a:ext cx="490331" cy="369332"/>
+          </a:xfrm>
+          <a:prstGeom prst="rect">
+            <a:avLst/>
+          </a:prstGeom>
+          <a:noFill/>
+        </p:spPr>
+        <p:txBody>
+          <a:bodyPr wrap="square" rtlCol="0">
+            <a:spAutoFit/>
+          </a:bodyPr>
+          <a:lstStyle/>
+          <a:p>
+            <a:r>
+              <a:rPr lang="en-US" dirty="0">
+                <a:latin typeface="Times New Roman" panose="02020603050405020304" pitchFamily="18" charset="0"/>
+                <a:cs typeface="Times New Roman" panose="02020603050405020304" pitchFamily="18" charset="0"/>
+              </a:rPr>
+              <a:t>c2</a:t>
+            </a:r>
+            <a:endParaRPr lang="en-IN" dirty="0">
+              <a:latin typeface="Times New Roman" panose="02020603050405020304" pitchFamily="18" charset="0"/>
+              <a:cs typeface="Times New Roman" panose="02020603050405020304" pitchFamily="18" charset="0"/>
+            </a:endParaRPr>
+          </a:p>
+        </p:txBody>
+      </p:sp>
+      <p:sp>
+        <p:nvSpPr>
+          <p:cNvPr id="67" name="TextBox 66">
+            <a:extLst>
+              <a:ext uri="{FF2B5EF4-FFF2-40B4-BE49-F238E27FC236}">
+                <a16:creationId xmlns:a16="http://schemas.microsoft.com/office/drawing/2014/main" id="{7B06F95C-325D-4780-A0AE-1BFFB8C43732}"/>
+              </a:ext>
+            </a:extLst>
+          </p:cNvPr>
+          <p:cNvSpPr txBox="1"/>
+          <p:nvPr/>
+        </p:nvSpPr>
+        <p:spPr>
+          <a:xfrm>
+            <a:off x="1658513" y="5680245"/>
+            <a:ext cx="490331" cy="369332"/>
+          </a:xfrm>
+          <a:prstGeom prst="rect">
+            <a:avLst/>
+          </a:prstGeom>
+          <a:noFill/>
+        </p:spPr>
+        <p:txBody>
+          <a:bodyPr wrap="square" rtlCol="0">
+            <a:spAutoFit/>
+          </a:bodyPr>
+          <a:lstStyle/>
+          <a:p>
+            <a:r>
+              <a:rPr lang="en-US" dirty="0" err="1">
+                <a:latin typeface="Times New Roman" panose="02020603050405020304" pitchFamily="18" charset="0"/>
+                <a:cs typeface="Times New Roman" panose="02020603050405020304" pitchFamily="18" charset="0"/>
+              </a:rPr>
+              <a:t>cK</a:t>
+            </a:r>
+            <a:endParaRPr lang="en-IN" dirty="0">
+              <a:latin typeface="Times New Roman" panose="02020603050405020304" pitchFamily="18" charset="0"/>
+              <a:cs typeface="Times New Roman" panose="02020603050405020304" pitchFamily="18" charset="0"/>
+            </a:endParaRPr>
+          </a:p>
+        </p:txBody>
+      </p:sp>
+      <p:sp>
+        <p:nvSpPr>
+          <p:cNvPr id="68" name="TextBox 67">
+            <a:extLst>
+              <a:ext uri="{FF2B5EF4-FFF2-40B4-BE49-F238E27FC236}">
+                <a16:creationId xmlns:a16="http://schemas.microsoft.com/office/drawing/2014/main" id="{DFC12619-E999-4462-AAC3-7B0F15383B24}"/>
+              </a:ext>
+            </a:extLst>
+          </p:cNvPr>
+          <p:cNvSpPr txBox="1"/>
+          <p:nvPr/>
+        </p:nvSpPr>
+        <p:spPr>
+          <a:xfrm>
+            <a:off x="173529" y="6249396"/>
+            <a:ext cx="2377514" cy="307777"/>
+          </a:xfrm>
+          <a:prstGeom prst="rect">
+            <a:avLst/>
+          </a:prstGeom>
+          <a:noFill/>
+        </p:spPr>
+        <p:txBody>
+          <a:bodyPr wrap="square" rtlCol="0">
+            <a:spAutoFit/>
+          </a:bodyPr>
+          <a:lstStyle/>
+          <a:p>
+            <a:r>
+              <a:rPr lang="en-US" sz="1400" dirty="0">
+                <a:latin typeface="Times New Roman" panose="02020603050405020304" pitchFamily="18" charset="0"/>
+                <a:cs typeface="Times New Roman" panose="02020603050405020304" pitchFamily="18" charset="0"/>
+              </a:rPr>
+              <a:t>x1, x2, ..</a:t>
+            </a:r>
+            <a:r>
+              <a:rPr lang="en-US" sz="1400" dirty="0" err="1">
+                <a:latin typeface="Times New Roman" panose="02020603050405020304" pitchFamily="18" charset="0"/>
+                <a:cs typeface="Times New Roman" panose="02020603050405020304" pitchFamily="18" charset="0"/>
+              </a:rPr>
+              <a:t>xK</a:t>
+            </a:r>
+            <a:r>
+              <a:rPr lang="en-US" sz="1400" dirty="0">
+                <a:latin typeface="Times New Roman" panose="02020603050405020304" pitchFamily="18" charset="0"/>
+                <a:cs typeface="Times New Roman" panose="02020603050405020304" pitchFamily="18" charset="0"/>
+              </a:rPr>
+              <a:t> – K classes</a:t>
+            </a:r>
+            <a:endParaRPr lang="en-IN" sz="1400" dirty="0">
+              <a:latin typeface="Times New Roman" panose="02020603050405020304" pitchFamily="18" charset="0"/>
+              <a:cs typeface="Times New Roman" panose="02020603050405020304" pitchFamily="18" charset="0"/>
+            </a:endParaRPr>
+          </a:p>
+        </p:txBody>
+      </p:sp>
+      <p:sp>
+        <p:nvSpPr>
+          <p:cNvPr id="69" name="TextBox 68">
+            <a:extLst>
+              <a:ext uri="{FF2B5EF4-FFF2-40B4-BE49-F238E27FC236}">
+                <a16:creationId xmlns:a16="http://schemas.microsoft.com/office/drawing/2014/main" id="{26AF7DDD-782E-45E2-85BB-DC1437AF8BBE}"/>
+              </a:ext>
+            </a:extLst>
+          </p:cNvPr>
+          <p:cNvSpPr txBox="1"/>
+          <p:nvPr/>
+        </p:nvSpPr>
+        <p:spPr>
+          <a:xfrm>
+            <a:off x="7699513" y="2261976"/>
+            <a:ext cx="2186608" cy="369332"/>
+          </a:xfrm>
+          <a:prstGeom prst="rect">
+            <a:avLst/>
+          </a:prstGeom>
+          <a:noFill/>
+        </p:spPr>
+        <p:txBody>
+          <a:bodyPr wrap="square" rtlCol="0">
+            <a:spAutoFit/>
+          </a:bodyPr>
+          <a:lstStyle/>
+          <a:p>
+            <a:r>
+              <a:rPr lang="en-US" dirty="0"/>
+              <a:t>C = [c1, c2, . . . </a:t>
+            </a:r>
+            <a:r>
+              <a:rPr lang="en-US" dirty="0" err="1"/>
+              <a:t>cK</a:t>
+            </a:r>
+            <a:r>
+              <a:rPr lang="en-US" dirty="0"/>
+              <a:t>]</a:t>
+            </a:r>
+            <a:endParaRPr lang="en-IN" dirty="0"/>
+          </a:p>
+        </p:txBody>
+      </p:sp>
+      <p:cxnSp>
+        <p:nvCxnSpPr>
+          <p:cNvPr id="71" name="Straight Arrow Connector 70">
+            <a:extLst>
+              <a:ext uri="{FF2B5EF4-FFF2-40B4-BE49-F238E27FC236}">
+                <a16:creationId xmlns:a16="http://schemas.microsoft.com/office/drawing/2014/main" id="{60480887-F844-4A74-94B5-2858E3829156}"/>
+              </a:ext>
+            </a:extLst>
+          </p:cNvPr>
+          <p:cNvCxnSpPr/>
+          <p:nvPr/>
+        </p:nvCxnSpPr>
+        <p:spPr>
+          <a:xfrm>
+            <a:off x="8560904" y="2663689"/>
+            <a:ext cx="0" cy="676258"/>
+          </a:xfrm>
+          <a:prstGeom prst="straightConnector1">
+            <a:avLst/>
+          </a:prstGeom>
+          <a:ln>
+            <a:tailEnd type="triangle"/>
+          </a:ln>
+        </p:spPr>
+        <p:style>
+          <a:lnRef idx="2">
+            <a:schemeClr val="accent1"/>
+          </a:lnRef>
+          <a:fillRef idx="0">
+            <a:schemeClr val="accent1"/>
+          </a:fillRef>
+          <a:effectRef idx="1">
+            <a:schemeClr val="accent1"/>
+          </a:effectRef>
+          <a:fontRef idx="minor">
+            <a:schemeClr val="tx1"/>
+          </a:fontRef>
+        </p:style>
+      </p:cxnSp>
+    </p:spTree>
+    <p:extLst>
+      <p:ext uri="{BB962C8B-B14F-4D97-AF65-F5344CB8AC3E}">
+        <p14:creationId xmlns:p14="http://schemas.microsoft.com/office/powerpoint/2010/main" val="1563948269"/>
+      </p:ext>
+    </p:extLst>
+  </p:cSld>
+  <p:clrMapOvr>
+    <a:masterClrMapping/>
+  </p:clrMapOvr>
+</p:sld>
+</file>
+
 <file path=ppt/slides/slide2.xml><?xml version="1.0" encoding="utf-8"?>
 <p:sld xmlns:a="http://schemas.openxmlformats.org/drawingml/2006/main" xmlns:r="http://schemas.openxmlformats.org/officeDocument/2006/relationships" xmlns:p="http://schemas.openxmlformats.org/presentationml/2006/main">
   <p:cSld>
@@ -4749,6 +11651,544 @@
     <p:extLst>
       <p:ext uri="{BB962C8B-B14F-4D97-AF65-F5344CB8AC3E}">
         <p14:creationId xmlns:p14="http://schemas.microsoft.com/office/powerpoint/2010/main" val="533268134"/>
+      </p:ext>
+    </p:extLst>
+  </p:cSld>
+  <p:clrMapOvr>
+    <a:masterClrMapping/>
+  </p:clrMapOvr>
+</p:sld>
+</file>
+
+<file path=ppt/slides/slide9.xml><?xml version="1.0" encoding="utf-8"?>
+<p:sld xmlns:a="http://schemas.openxmlformats.org/drawingml/2006/main" xmlns:r="http://schemas.openxmlformats.org/officeDocument/2006/relationships" xmlns:p="http://schemas.openxmlformats.org/presentationml/2006/main">
+  <p:cSld>
+    <p:spTree>
+      <p:nvGrpSpPr>
+        <p:cNvPr id="1" name=""/>
+        <p:cNvGrpSpPr/>
+        <p:nvPr/>
+      </p:nvGrpSpPr>
+      <p:grpSpPr>
+        <a:xfrm>
+          <a:off x="0" y="0"/>
+          <a:ext cx="0" cy="0"/>
+          <a:chOff x="0" y="0"/>
+          <a:chExt cx="0" cy="0"/>
+        </a:xfrm>
+      </p:grpSpPr>
+      <p:pic>
+        <p:nvPicPr>
+          <p:cNvPr id="5" name="Picture 4">
+            <a:extLst>
+              <a:ext uri="{FF2B5EF4-FFF2-40B4-BE49-F238E27FC236}">
+                <a16:creationId xmlns:a16="http://schemas.microsoft.com/office/drawing/2014/main" id="{E453F0E4-5B7F-4E6D-8B9D-A1A78523391E}"/>
+              </a:ext>
+            </a:extLst>
+          </p:cNvPr>
+          <p:cNvPicPr>
+            <a:picLocks noChangeAspect="1"/>
+          </p:cNvPicPr>
+          <p:nvPr/>
+        </p:nvPicPr>
+        <p:blipFill>
+          <a:blip r:embed="rId2"/>
+          <a:stretch>
+            <a:fillRect/>
+          </a:stretch>
+        </p:blipFill>
+        <p:spPr>
+          <a:xfrm>
+            <a:off x="862634" y="1637472"/>
+            <a:ext cx="3867150" cy="3848100"/>
+          </a:xfrm>
+          <a:prstGeom prst="rect">
+            <a:avLst/>
+          </a:prstGeom>
+        </p:spPr>
+      </p:pic>
+      <p:sp>
+        <p:nvSpPr>
+          <p:cNvPr id="7" name="TextBox 6">
+            <a:extLst>
+              <a:ext uri="{FF2B5EF4-FFF2-40B4-BE49-F238E27FC236}">
+                <a16:creationId xmlns:a16="http://schemas.microsoft.com/office/drawing/2014/main" id="{2B1D73C4-F78C-4BC6-AC35-60E9D3762E74}"/>
+              </a:ext>
+            </a:extLst>
+          </p:cNvPr>
+          <p:cNvSpPr txBox="1"/>
+          <p:nvPr/>
+        </p:nvSpPr>
+        <p:spPr>
+          <a:xfrm>
+            <a:off x="1166191" y="676726"/>
+            <a:ext cx="8786191" cy="584775"/>
+          </a:xfrm>
+          <a:prstGeom prst="rect">
+            <a:avLst/>
+          </a:prstGeom>
+          <a:noFill/>
+        </p:spPr>
+        <p:txBody>
+          <a:bodyPr wrap="square">
+            <a:spAutoFit/>
+          </a:bodyPr>
+          <a:lstStyle/>
+          <a:p>
+            <a:r>
+              <a:rPr lang="en-US" sz="3200" dirty="0">
+                <a:latin typeface="Times New Roman" panose="02020603050405020304" pitchFamily="18" charset="0"/>
+                <a:cs typeface="Times New Roman" panose="02020603050405020304" pitchFamily="18" charset="0"/>
+              </a:rPr>
+              <a:t>Conditional Variational Autoencoder (CVAE):</a:t>
+            </a:r>
+            <a:endParaRPr lang="en-IN" sz="3200" dirty="0"/>
+          </a:p>
+        </p:txBody>
+      </p:sp>
+      <p:sp>
+        <p:nvSpPr>
+          <p:cNvPr id="9" name="TextBox 8">
+            <a:extLst>
+              <a:ext uri="{FF2B5EF4-FFF2-40B4-BE49-F238E27FC236}">
+                <a16:creationId xmlns:a16="http://schemas.microsoft.com/office/drawing/2014/main" id="{FE337239-694F-420D-A904-3F828BE5E4D2}"/>
+              </a:ext>
+            </a:extLst>
+          </p:cNvPr>
+          <p:cNvSpPr txBox="1"/>
+          <p:nvPr/>
+        </p:nvSpPr>
+        <p:spPr>
+          <a:xfrm>
+            <a:off x="5559286" y="2498007"/>
+            <a:ext cx="6096000" cy="2744534"/>
+          </a:xfrm>
+          <a:prstGeom prst="rect">
+            <a:avLst/>
+          </a:prstGeom>
+          <a:noFill/>
+        </p:spPr>
+        <p:txBody>
+          <a:bodyPr wrap="square">
+            <a:spAutoFit/>
+          </a:bodyPr>
+          <a:lstStyle/>
+          <a:p>
+            <a:pPr marL="342900" indent="-342900">
+              <a:lnSpc>
+                <a:spcPct val="107000"/>
+              </a:lnSpc>
+              <a:spcAft>
+                <a:spcPts val="800"/>
+              </a:spcAft>
+              <a:buFont typeface="Arial" panose="020B0604020202020204" pitchFamily="34" charset="0"/>
+              <a:buChar char="•"/>
+            </a:pPr>
+            <a:r>
+              <a:rPr lang="en-IN" sz="2400" dirty="0">
+                <a:effectLst/>
+                <a:latin typeface="Times New Roman" panose="02020603050405020304" pitchFamily="18" charset="0"/>
+                <a:ea typeface="Calibri" panose="020F0502020204030204" pitchFamily="34" charset="0"/>
+                <a:cs typeface="Times New Roman" panose="02020603050405020304" pitchFamily="18" charset="0"/>
+              </a:rPr>
+              <a:t>L(θ, φ; x</a:t>
+            </a:r>
+            <a:r>
+              <a:rPr lang="en-IN" sz="2400" baseline="30000" dirty="0">
+                <a:effectLst/>
+                <a:latin typeface="Times New Roman" panose="02020603050405020304" pitchFamily="18" charset="0"/>
+                <a:ea typeface="Calibri" panose="020F0502020204030204" pitchFamily="34" charset="0"/>
+                <a:cs typeface="Times New Roman" panose="02020603050405020304" pitchFamily="18" charset="0"/>
+              </a:rPr>
+              <a:t>(i)</a:t>
+            </a:r>
+            <a:r>
+              <a:rPr lang="en-IN" sz="2400" dirty="0">
+                <a:effectLst/>
+                <a:latin typeface="Times New Roman" panose="02020603050405020304" pitchFamily="18" charset="0"/>
+                <a:ea typeface="Calibri" panose="020F0502020204030204" pitchFamily="34" charset="0"/>
+                <a:cs typeface="Times New Roman" panose="02020603050405020304" pitchFamily="18" charset="0"/>
+              </a:rPr>
+              <a:t> ) = −D</a:t>
+            </a:r>
+            <a:r>
+              <a:rPr lang="en-IN" sz="2400" baseline="-25000" dirty="0">
+                <a:effectLst/>
+                <a:latin typeface="Times New Roman" panose="02020603050405020304" pitchFamily="18" charset="0"/>
+                <a:ea typeface="Calibri" panose="020F0502020204030204" pitchFamily="34" charset="0"/>
+                <a:cs typeface="Times New Roman" panose="02020603050405020304" pitchFamily="18" charset="0"/>
+              </a:rPr>
+              <a:t>KL</a:t>
+            </a:r>
+            <a:r>
+              <a:rPr lang="en-IN" sz="2400" dirty="0">
+                <a:effectLst/>
+                <a:latin typeface="Times New Roman" panose="02020603050405020304" pitchFamily="18" charset="0"/>
+                <a:ea typeface="Calibri" panose="020F0502020204030204" pitchFamily="34" charset="0"/>
+                <a:cs typeface="Times New Roman" panose="02020603050405020304" pitchFamily="18" charset="0"/>
+              </a:rPr>
+              <a:t>(</a:t>
+            </a:r>
+            <a:r>
+              <a:rPr lang="en-IN" sz="2400" dirty="0" err="1">
+                <a:effectLst/>
+                <a:latin typeface="Times New Roman" panose="02020603050405020304" pitchFamily="18" charset="0"/>
+                <a:ea typeface="Calibri" panose="020F0502020204030204" pitchFamily="34" charset="0"/>
+                <a:cs typeface="Times New Roman" panose="02020603050405020304" pitchFamily="18" charset="0"/>
+              </a:rPr>
+              <a:t>q</a:t>
+            </a:r>
+            <a:r>
+              <a:rPr lang="en-IN" sz="2400" baseline="-25000" dirty="0" err="1">
+                <a:effectLst/>
+                <a:latin typeface="Times New Roman" panose="02020603050405020304" pitchFamily="18" charset="0"/>
+                <a:ea typeface="Calibri" panose="020F0502020204030204" pitchFamily="34" charset="0"/>
+                <a:cs typeface="Times New Roman" panose="02020603050405020304" pitchFamily="18" charset="0"/>
+              </a:rPr>
+              <a:t>φ</a:t>
+            </a:r>
+            <a:r>
+              <a:rPr lang="en-IN" sz="2400" dirty="0">
+                <a:effectLst/>
+                <a:latin typeface="Times New Roman" panose="02020603050405020304" pitchFamily="18" charset="0"/>
+                <a:ea typeface="Calibri" panose="020F0502020204030204" pitchFamily="34" charset="0"/>
+                <a:cs typeface="Times New Roman" panose="02020603050405020304" pitchFamily="18" charset="0"/>
+              </a:rPr>
+              <a:t>(z |x (i), Y )|| </a:t>
+            </a:r>
+            <a:r>
+              <a:rPr lang="en-IN" sz="2400" dirty="0" err="1">
+                <a:effectLst/>
+                <a:latin typeface="Times New Roman" panose="02020603050405020304" pitchFamily="18" charset="0"/>
+                <a:ea typeface="Calibri" panose="020F0502020204030204" pitchFamily="34" charset="0"/>
+                <a:cs typeface="Times New Roman" panose="02020603050405020304" pitchFamily="18" charset="0"/>
+              </a:rPr>
+              <a:t>p</a:t>
+            </a:r>
+            <a:r>
+              <a:rPr lang="en-IN" sz="2400" baseline="-25000" dirty="0" err="1">
+                <a:effectLst/>
+                <a:latin typeface="Times New Roman" panose="02020603050405020304" pitchFamily="18" charset="0"/>
+                <a:ea typeface="Calibri" panose="020F0502020204030204" pitchFamily="34" charset="0"/>
+                <a:cs typeface="Times New Roman" panose="02020603050405020304" pitchFamily="18" charset="0"/>
+              </a:rPr>
+              <a:t>θ</a:t>
+            </a:r>
+            <a:r>
+              <a:rPr lang="en-IN" sz="2400" dirty="0">
+                <a:effectLst/>
+                <a:latin typeface="Times New Roman" panose="02020603050405020304" pitchFamily="18" charset="0"/>
+                <a:ea typeface="Calibri" panose="020F0502020204030204" pitchFamily="34" charset="0"/>
+                <a:cs typeface="Times New Roman" panose="02020603050405020304" pitchFamily="18" charset="0"/>
+              </a:rPr>
+              <a:t>(z)) + </a:t>
+            </a:r>
+            <a:r>
+              <a:rPr lang="en-IN" sz="2400" dirty="0" err="1">
+                <a:effectLst/>
+                <a:latin typeface="Times New Roman" panose="02020603050405020304" pitchFamily="18" charset="0"/>
+                <a:ea typeface="Calibri" panose="020F0502020204030204" pitchFamily="34" charset="0"/>
+                <a:cs typeface="Times New Roman" panose="02020603050405020304" pitchFamily="18" charset="0"/>
+              </a:rPr>
+              <a:t>E</a:t>
+            </a:r>
+            <a:r>
+              <a:rPr lang="en-IN" sz="2400" baseline="-25000" dirty="0" err="1">
+                <a:effectLst/>
+                <a:latin typeface="Times New Roman" panose="02020603050405020304" pitchFamily="18" charset="0"/>
+                <a:ea typeface="Calibri" panose="020F0502020204030204" pitchFamily="34" charset="0"/>
+                <a:cs typeface="Times New Roman" panose="02020603050405020304" pitchFamily="18" charset="0"/>
+              </a:rPr>
+              <a:t>qφ</a:t>
+            </a:r>
+            <a:r>
+              <a:rPr lang="en-IN" sz="2400" baseline="-25000" dirty="0">
+                <a:effectLst/>
+                <a:latin typeface="Times New Roman" panose="02020603050405020304" pitchFamily="18" charset="0"/>
+                <a:ea typeface="Calibri" panose="020F0502020204030204" pitchFamily="34" charset="0"/>
+                <a:cs typeface="Times New Roman" panose="02020603050405020304" pitchFamily="18" charset="0"/>
+              </a:rPr>
+              <a:t>(</a:t>
+            </a:r>
+            <a:r>
+              <a:rPr lang="en-IN" sz="2400" baseline="-25000" dirty="0" err="1">
+                <a:effectLst/>
+                <a:latin typeface="Times New Roman" panose="02020603050405020304" pitchFamily="18" charset="0"/>
+                <a:ea typeface="Calibri" panose="020F0502020204030204" pitchFamily="34" charset="0"/>
+                <a:cs typeface="Times New Roman" panose="02020603050405020304" pitchFamily="18" charset="0"/>
+              </a:rPr>
+              <a:t>z|x</a:t>
+            </a:r>
+            <a:r>
+              <a:rPr lang="en-IN" sz="2400" baseline="-25000" dirty="0">
+                <a:effectLst/>
+                <a:latin typeface="Times New Roman" panose="02020603050405020304" pitchFamily="18" charset="0"/>
+                <a:ea typeface="Calibri" panose="020F0502020204030204" pitchFamily="34" charset="0"/>
+                <a:cs typeface="Times New Roman" panose="02020603050405020304" pitchFamily="18" charset="0"/>
+              </a:rPr>
+              <a:t>(i))</a:t>
+            </a:r>
+            <a:r>
+              <a:rPr lang="en-IN" sz="2400" dirty="0">
+                <a:effectLst/>
+                <a:latin typeface="Times New Roman" panose="02020603050405020304" pitchFamily="18" charset="0"/>
+                <a:ea typeface="Calibri" panose="020F0502020204030204" pitchFamily="34" charset="0"/>
+                <a:cs typeface="Times New Roman" panose="02020603050405020304" pitchFamily="18" charset="0"/>
+              </a:rPr>
+              <a:t> [log </a:t>
+            </a:r>
+            <a:r>
+              <a:rPr lang="en-IN" sz="2400" dirty="0" err="1">
+                <a:effectLst/>
+                <a:latin typeface="Times New Roman" panose="02020603050405020304" pitchFamily="18" charset="0"/>
+                <a:ea typeface="Calibri" panose="020F0502020204030204" pitchFamily="34" charset="0"/>
+                <a:cs typeface="Times New Roman" panose="02020603050405020304" pitchFamily="18" charset="0"/>
+              </a:rPr>
+              <a:t>p</a:t>
+            </a:r>
+            <a:r>
+              <a:rPr lang="en-IN" sz="2400" baseline="-25000" dirty="0" err="1">
+                <a:effectLst/>
+                <a:latin typeface="Times New Roman" panose="02020603050405020304" pitchFamily="18" charset="0"/>
+                <a:ea typeface="Calibri" panose="020F0502020204030204" pitchFamily="34" charset="0"/>
+                <a:cs typeface="Times New Roman" panose="02020603050405020304" pitchFamily="18" charset="0"/>
+              </a:rPr>
+              <a:t>θ</a:t>
+            </a:r>
+            <a:r>
+              <a:rPr lang="en-IN" sz="2400" dirty="0">
+                <a:effectLst/>
+                <a:latin typeface="Times New Roman" panose="02020603050405020304" pitchFamily="18" charset="0"/>
+                <a:ea typeface="Calibri" panose="020F0502020204030204" pitchFamily="34" charset="0"/>
+                <a:cs typeface="Times New Roman" panose="02020603050405020304" pitchFamily="18" charset="0"/>
+              </a:rPr>
+              <a:t>(x</a:t>
+            </a:r>
+            <a:r>
+              <a:rPr lang="en-IN" sz="2400" baseline="30000" dirty="0">
+                <a:effectLst/>
+                <a:latin typeface="Times New Roman" panose="02020603050405020304" pitchFamily="18" charset="0"/>
+                <a:ea typeface="Calibri" panose="020F0502020204030204" pitchFamily="34" charset="0"/>
+                <a:cs typeface="Times New Roman" panose="02020603050405020304" pitchFamily="18" charset="0"/>
+              </a:rPr>
+              <a:t>(i)</a:t>
+            </a:r>
+            <a:r>
+              <a:rPr lang="en-IN" sz="2400" dirty="0">
+                <a:effectLst/>
+                <a:latin typeface="Times New Roman" panose="02020603050405020304" pitchFamily="18" charset="0"/>
+                <a:ea typeface="Calibri" panose="020F0502020204030204" pitchFamily="34" charset="0"/>
+                <a:cs typeface="Times New Roman" panose="02020603050405020304" pitchFamily="18" charset="0"/>
+              </a:rPr>
+              <a:t> |z, Y) ]</a:t>
+            </a:r>
+          </a:p>
+          <a:p>
+            <a:pPr>
+              <a:lnSpc>
+                <a:spcPct val="107000"/>
+              </a:lnSpc>
+              <a:spcAft>
+                <a:spcPts val="800"/>
+              </a:spcAft>
+            </a:pPr>
+            <a:r>
+              <a:rPr lang="en-IN" sz="2400" dirty="0">
+                <a:effectLst/>
+                <a:latin typeface="Times New Roman" panose="02020603050405020304" pitchFamily="18" charset="0"/>
+                <a:ea typeface="Calibri" panose="020F0502020204030204" pitchFamily="34" charset="0"/>
+                <a:cs typeface="Times New Roman" panose="02020603050405020304" pitchFamily="18" charset="0"/>
+              </a:rPr>
+              <a:t>where</a:t>
+            </a:r>
+            <a:r>
+              <a:rPr lang="en-IN" sz="2400" dirty="0">
+                <a:latin typeface="Times New Roman" panose="02020603050405020304" pitchFamily="18" charset="0"/>
+                <a:ea typeface="Calibri" panose="020F0502020204030204" pitchFamily="34" charset="0"/>
+                <a:cs typeface="Times New Roman" panose="02020603050405020304" pitchFamily="18" charset="0"/>
+              </a:rPr>
+              <a:t>, </a:t>
+            </a:r>
+          </a:p>
+          <a:p>
+            <a:pPr marL="342900" indent="-342900">
+              <a:lnSpc>
+                <a:spcPct val="107000"/>
+              </a:lnSpc>
+              <a:spcAft>
+                <a:spcPts val="800"/>
+              </a:spcAft>
+              <a:buFont typeface="Arial" panose="020B0604020202020204" pitchFamily="34" charset="0"/>
+              <a:buChar char="•"/>
+            </a:pPr>
+            <a:r>
+              <a:rPr lang="en-IN" sz="2400" dirty="0">
+                <a:effectLst/>
+                <a:latin typeface="Times New Roman" panose="02020603050405020304" pitchFamily="18" charset="0"/>
+                <a:ea typeface="Calibri" panose="020F0502020204030204" pitchFamily="34" charset="0"/>
+                <a:cs typeface="Times New Roman" panose="02020603050405020304" pitchFamily="18" charset="0"/>
+              </a:rPr>
+              <a:t>D</a:t>
+            </a:r>
+            <a:r>
+              <a:rPr lang="en-IN" sz="2400" baseline="-25000" dirty="0">
+                <a:effectLst/>
+                <a:latin typeface="Times New Roman" panose="02020603050405020304" pitchFamily="18" charset="0"/>
+                <a:ea typeface="Calibri" panose="020F0502020204030204" pitchFamily="34" charset="0"/>
+                <a:cs typeface="Times New Roman" panose="02020603050405020304" pitchFamily="18" charset="0"/>
+              </a:rPr>
+              <a:t>KL</a:t>
+            </a:r>
+            <a:r>
+              <a:rPr lang="en-IN" sz="2400" baseline="-25000" dirty="0">
+                <a:latin typeface="Times New Roman" panose="02020603050405020304" pitchFamily="18" charset="0"/>
+                <a:ea typeface="Calibri" panose="020F0502020204030204" pitchFamily="34" charset="0"/>
+                <a:cs typeface="Times New Roman" panose="02020603050405020304" pitchFamily="18" charset="0"/>
+              </a:rPr>
+              <a:t>  </a:t>
+            </a:r>
+            <a:r>
+              <a:rPr lang="en-IN" sz="2400" dirty="0">
+                <a:latin typeface="Times New Roman" panose="02020603050405020304" pitchFamily="18" charset="0"/>
+                <a:ea typeface="Calibri" panose="020F0502020204030204" pitchFamily="34" charset="0"/>
+                <a:cs typeface="Times New Roman" panose="02020603050405020304" pitchFamily="18" charset="0"/>
+              </a:rPr>
+              <a:t>is the </a:t>
+            </a:r>
+            <a:r>
+              <a:rPr lang="en-IN" sz="2400" dirty="0" err="1">
+                <a:latin typeface="Times New Roman" panose="02020603050405020304" pitchFamily="18" charset="0"/>
+                <a:ea typeface="Calibri" panose="020F0502020204030204" pitchFamily="34" charset="0"/>
+                <a:cs typeface="Times New Roman" panose="02020603050405020304" pitchFamily="18" charset="0"/>
+              </a:rPr>
+              <a:t>Kullback-Leibler</a:t>
+            </a:r>
+            <a:r>
+              <a:rPr lang="en-IN" sz="2400" dirty="0">
+                <a:latin typeface="Times New Roman" panose="02020603050405020304" pitchFamily="18" charset="0"/>
+                <a:ea typeface="Calibri" panose="020F0502020204030204" pitchFamily="34" charset="0"/>
+                <a:cs typeface="Times New Roman" panose="02020603050405020304" pitchFamily="18" charset="0"/>
+              </a:rPr>
+              <a:t> divergence</a:t>
+            </a:r>
+          </a:p>
+          <a:p>
+            <a:pPr marL="342900" indent="-342900">
+              <a:lnSpc>
+                <a:spcPct val="107000"/>
+              </a:lnSpc>
+              <a:spcAft>
+                <a:spcPts val="800"/>
+              </a:spcAft>
+              <a:buFont typeface="Arial" panose="020B0604020202020204" pitchFamily="34" charset="0"/>
+              <a:buChar char="•"/>
+            </a:pPr>
+            <a:r>
+              <a:rPr lang="en-IN" sz="2400" dirty="0" err="1">
+                <a:effectLst/>
+                <a:latin typeface="Times New Roman" panose="02020603050405020304" pitchFamily="18" charset="0"/>
+                <a:ea typeface="Calibri" panose="020F0502020204030204" pitchFamily="34" charset="0"/>
+                <a:cs typeface="Times New Roman" panose="02020603050405020304" pitchFamily="18" charset="0"/>
+              </a:rPr>
+              <a:t>E</a:t>
+            </a:r>
+            <a:r>
+              <a:rPr lang="en-IN" sz="2400" baseline="-25000" dirty="0" err="1">
+                <a:effectLst/>
+                <a:latin typeface="Times New Roman" panose="02020603050405020304" pitchFamily="18" charset="0"/>
+                <a:ea typeface="Calibri" panose="020F0502020204030204" pitchFamily="34" charset="0"/>
+                <a:cs typeface="Times New Roman" panose="02020603050405020304" pitchFamily="18" charset="0"/>
+              </a:rPr>
+              <a:t>qφ</a:t>
+            </a:r>
+            <a:r>
+              <a:rPr lang="en-IN" sz="2400" baseline="-25000" dirty="0">
+                <a:effectLst/>
+                <a:latin typeface="Times New Roman" panose="02020603050405020304" pitchFamily="18" charset="0"/>
+                <a:ea typeface="Calibri" panose="020F0502020204030204" pitchFamily="34" charset="0"/>
+                <a:cs typeface="Times New Roman" panose="02020603050405020304" pitchFamily="18" charset="0"/>
+              </a:rPr>
+              <a:t>(</a:t>
+            </a:r>
+            <a:r>
+              <a:rPr lang="en-IN" sz="2400" baseline="-25000" dirty="0" err="1">
+                <a:effectLst/>
+                <a:latin typeface="Times New Roman" panose="02020603050405020304" pitchFamily="18" charset="0"/>
+                <a:ea typeface="Calibri" panose="020F0502020204030204" pitchFamily="34" charset="0"/>
+                <a:cs typeface="Times New Roman" panose="02020603050405020304" pitchFamily="18" charset="0"/>
+              </a:rPr>
+              <a:t>z|x</a:t>
+            </a:r>
+            <a:r>
+              <a:rPr lang="en-IN" sz="2400" baseline="-25000" dirty="0">
+                <a:effectLst/>
+                <a:latin typeface="Times New Roman" panose="02020603050405020304" pitchFamily="18" charset="0"/>
+                <a:ea typeface="Calibri" panose="020F0502020204030204" pitchFamily="34" charset="0"/>
+                <a:cs typeface="Times New Roman" panose="02020603050405020304" pitchFamily="18" charset="0"/>
+              </a:rPr>
+              <a:t>(i))</a:t>
+            </a:r>
+            <a:r>
+              <a:rPr lang="en-IN" sz="2400" dirty="0">
+                <a:effectLst/>
+                <a:latin typeface="Times New Roman" panose="02020603050405020304" pitchFamily="18" charset="0"/>
+                <a:ea typeface="Calibri" panose="020F0502020204030204" pitchFamily="34" charset="0"/>
+                <a:cs typeface="Times New Roman" panose="02020603050405020304" pitchFamily="18" charset="0"/>
+              </a:rPr>
+              <a:t> [log </a:t>
+            </a:r>
+            <a:r>
+              <a:rPr lang="en-IN" sz="2400" dirty="0" err="1">
+                <a:effectLst/>
+                <a:latin typeface="Times New Roman" panose="02020603050405020304" pitchFamily="18" charset="0"/>
+                <a:ea typeface="Calibri" panose="020F0502020204030204" pitchFamily="34" charset="0"/>
+                <a:cs typeface="Times New Roman" panose="02020603050405020304" pitchFamily="18" charset="0"/>
+              </a:rPr>
+              <a:t>p</a:t>
+            </a:r>
+            <a:r>
+              <a:rPr lang="en-IN" sz="2400" baseline="-25000" dirty="0" err="1">
+                <a:effectLst/>
+                <a:latin typeface="Times New Roman" panose="02020603050405020304" pitchFamily="18" charset="0"/>
+                <a:ea typeface="Calibri" panose="020F0502020204030204" pitchFamily="34" charset="0"/>
+                <a:cs typeface="Times New Roman" panose="02020603050405020304" pitchFamily="18" charset="0"/>
+              </a:rPr>
+              <a:t>θ</a:t>
+            </a:r>
+            <a:r>
+              <a:rPr lang="en-IN" sz="2400" dirty="0">
+                <a:effectLst/>
+                <a:latin typeface="Times New Roman" panose="02020603050405020304" pitchFamily="18" charset="0"/>
+                <a:ea typeface="Calibri" panose="020F0502020204030204" pitchFamily="34" charset="0"/>
+                <a:cs typeface="Times New Roman" panose="02020603050405020304" pitchFamily="18" charset="0"/>
+              </a:rPr>
+              <a:t>(x</a:t>
+            </a:r>
+            <a:r>
+              <a:rPr lang="en-IN" sz="2400" baseline="30000" dirty="0">
+                <a:effectLst/>
+                <a:latin typeface="Times New Roman" panose="02020603050405020304" pitchFamily="18" charset="0"/>
+                <a:ea typeface="Calibri" panose="020F0502020204030204" pitchFamily="34" charset="0"/>
+                <a:cs typeface="Times New Roman" panose="02020603050405020304" pitchFamily="18" charset="0"/>
+              </a:rPr>
+              <a:t>(i)</a:t>
+            </a:r>
+            <a:r>
+              <a:rPr lang="en-IN" sz="2400" dirty="0">
+                <a:effectLst/>
+                <a:latin typeface="Times New Roman" panose="02020603050405020304" pitchFamily="18" charset="0"/>
+                <a:ea typeface="Calibri" panose="020F0502020204030204" pitchFamily="34" charset="0"/>
+                <a:cs typeface="Times New Roman" panose="02020603050405020304" pitchFamily="18" charset="0"/>
+              </a:rPr>
+              <a:t> |z, Y) ] is the log likelihood</a:t>
+            </a:r>
+          </a:p>
+        </p:txBody>
+      </p:sp>
+    </p:spTree>
+    <p:extLst>
+      <p:ext uri="{BB962C8B-B14F-4D97-AF65-F5344CB8AC3E}">
+        <p14:creationId xmlns:p14="http://schemas.microsoft.com/office/powerpoint/2010/main" val="4127732034"/>
       </p:ext>
     </p:extLst>
   </p:cSld>
